--- a/21-01-04_Statusbericht_2/20WiSe-GPM LightingSharks TND v0.2.pptx
+++ b/21-01-04_Statusbericht_2/20WiSe-GPM LightingSharks TND v0.2.pptx
@@ -5,25 +5,26 @@
     <p:sldMasterId id="2147483648" r:id="rId1"/>
   </p:sldMasterIdLst>
   <p:notesMasterIdLst>
-    <p:notesMasterId r:id="rId15"/>
+    <p:notesMasterId r:id="rId16"/>
   </p:notesMasterIdLst>
   <p:handoutMasterIdLst>
-    <p:handoutMasterId r:id="rId16"/>
+    <p:handoutMasterId r:id="rId17"/>
   </p:handoutMasterIdLst>
   <p:sldIdLst>
     <p:sldId id="256" r:id="rId2"/>
     <p:sldId id="262" r:id="rId3"/>
-    <p:sldId id="257" r:id="rId4"/>
-    <p:sldId id="258" r:id="rId5"/>
-    <p:sldId id="259" r:id="rId6"/>
-    <p:sldId id="260" r:id="rId7"/>
-    <p:sldId id="263" r:id="rId8"/>
-    <p:sldId id="264" r:id="rId9"/>
-    <p:sldId id="266" r:id="rId10"/>
-    <p:sldId id="269" r:id="rId11"/>
-    <p:sldId id="267" r:id="rId12"/>
-    <p:sldId id="270" r:id="rId13"/>
-    <p:sldId id="271" r:id="rId14"/>
+    <p:sldId id="272" r:id="rId4"/>
+    <p:sldId id="257" r:id="rId5"/>
+    <p:sldId id="258" r:id="rId6"/>
+    <p:sldId id="259" r:id="rId7"/>
+    <p:sldId id="260" r:id="rId8"/>
+    <p:sldId id="263" r:id="rId9"/>
+    <p:sldId id="264" r:id="rId10"/>
+    <p:sldId id="266" r:id="rId11"/>
+    <p:sldId id="269" r:id="rId12"/>
+    <p:sldId id="267" r:id="rId13"/>
+    <p:sldId id="270" r:id="rId14"/>
+    <p:sldId id="271" r:id="rId15"/>
   </p:sldIdLst>
   <p:sldSz cx="12192000" cy="6858000"/>
   <p:notesSz cx="6858000" cy="9144000"/>
@@ -227,7 +228,7 @@
           <a:p>
             <a:fld id="{CDA2C67B-C551-4114-BB4B-773035E1BCF9}" type="datetimeFigureOut">
               <a:rPr lang="de-DE" smtClean="0"/>
-              <a:t>03.01.2021</a:t>
+              <a:t>11.01.2021</a:t>
             </a:fld>
             <a:endParaRPr lang="de-DE"/>
           </a:p>
@@ -411,7 +412,7 @@
           <a:p>
             <a:fld id="{B1969C9A-FA26-4BE3-A5C2-2CB944E849DF}" type="datetimeFigureOut">
               <a:rPr lang="de-DE" smtClean="0"/>
-              <a:t>03.01.2021</a:t>
+              <a:t>11.01.2021</a:t>
             </a:fld>
             <a:endParaRPr lang="de-DE"/>
           </a:p>
@@ -835,7 +836,7 @@
             <a:fld id="{BD6664B8-6F99-46E9-88D7-590A7272AC83}" type="datetime1">
               <a:rPr lang="de-DE" smtClean="0"/>
               <a:pPr/>
-              <a:t>03.01.2021</a:t>
+              <a:t>11.01.2021</a:t>
             </a:fld>
             <a:endParaRPr lang="de-DE" dirty="0"/>
           </a:p>
@@ -1353,7 +1354,7 @@
           <a:p>
             <a:fld id="{56EED089-B761-4547-B622-BA15B219B347}" type="datetime1">
               <a:rPr lang="de-DE" smtClean="0"/>
-              <a:t>03.01.2021</a:t>
+              <a:t>11.01.2021</a:t>
             </a:fld>
             <a:endParaRPr lang="de-DE"/>
           </a:p>
@@ -1564,7 +1565,7 @@
           <a:p>
             <a:fld id="{182F02A4-668E-4288-B43D-8977D67783D7}" type="datetime1">
               <a:rPr lang="de-DE" smtClean="0"/>
-              <a:t>03.01.2021</a:t>
+              <a:t>11.01.2021</a:t>
             </a:fld>
             <a:endParaRPr lang="de-DE"/>
           </a:p>
@@ -1765,7 +1766,7 @@
           <a:p>
             <a:fld id="{D051D121-2F98-4E5C-8353-0F3074D17C46}" type="datetime1">
               <a:rPr lang="de-DE" smtClean="0"/>
-              <a:t>03.01.2021</a:t>
+              <a:t>11.01.2021</a:t>
             </a:fld>
             <a:endParaRPr lang="de-DE"/>
           </a:p>
@@ -2043,7 +2044,7 @@
           <a:p>
             <a:fld id="{652FC317-3B8C-432F-9B25-139581C86B12}" type="datetime1">
               <a:rPr lang="de-DE" smtClean="0"/>
-              <a:t>03.01.2021</a:t>
+              <a:t>11.01.2021</a:t>
             </a:fld>
             <a:endParaRPr lang="de-DE"/>
           </a:p>
@@ -2311,7 +2312,7 @@
           <a:p>
             <a:fld id="{B8E74307-AA0E-44AC-B65A-4A796D65F1A1}" type="datetime1">
               <a:rPr lang="de-DE" smtClean="0"/>
-              <a:t>03.01.2021</a:t>
+              <a:t>11.01.2021</a:t>
             </a:fld>
             <a:endParaRPr lang="de-DE"/>
           </a:p>
@@ -2726,7 +2727,7 @@
           <a:p>
             <a:fld id="{DACEB6CE-C667-4ED1-9A61-4940F98BD9A2}" type="datetime1">
               <a:rPr lang="de-DE" smtClean="0"/>
-              <a:t>03.01.2021</a:t>
+              <a:t>11.01.2021</a:t>
             </a:fld>
             <a:endParaRPr lang="de-DE"/>
           </a:p>
@@ -2870,7 +2871,7 @@
           <a:p>
             <a:fld id="{72291ADE-AD19-4653-A0D4-D19A59F68538}" type="datetime1">
               <a:rPr lang="de-DE" smtClean="0"/>
-              <a:t>03.01.2021</a:t>
+              <a:t>11.01.2021</a:t>
             </a:fld>
             <a:endParaRPr lang="de-DE"/>
           </a:p>
@@ -2986,7 +2987,7 @@
           <a:p>
             <a:fld id="{10D2ED8B-448F-462B-9AC8-951B495911B8}" type="datetime1">
               <a:rPr lang="de-DE" smtClean="0"/>
-              <a:t>03.01.2021</a:t>
+              <a:t>11.01.2021</a:t>
             </a:fld>
             <a:endParaRPr lang="de-DE"/>
           </a:p>
@@ -3300,7 +3301,7 @@
           <a:p>
             <a:fld id="{5A557F32-CB30-4338-9D48-7407960BC3CC}" type="datetime1">
               <a:rPr lang="de-DE" smtClean="0"/>
-              <a:t>03.01.2021</a:t>
+              <a:t>11.01.2021</a:t>
             </a:fld>
             <a:endParaRPr lang="de-DE"/>
           </a:p>
@@ -3591,7 +3592,7 @@
           <a:p>
             <a:fld id="{61C29A9E-3746-48C4-B3CF-93C6CEC81786}" type="datetime1">
               <a:rPr lang="de-DE" smtClean="0"/>
-              <a:t>03.01.2021</a:t>
+              <a:t>11.01.2021</a:t>
             </a:fld>
             <a:endParaRPr lang="de-DE"/>
           </a:p>
@@ -3835,7 +3836,7 @@
           <a:p>
             <a:fld id="{9C456670-8FD0-4272-9F82-6FD399EDD91A}" type="datetime1">
               <a:rPr lang="de-DE" smtClean="0"/>
-              <a:t>03.01.2021</a:t>
+              <a:t>11.01.2021</a:t>
             </a:fld>
             <a:endParaRPr lang="de-DE"/>
           </a:p>
@@ -4354,7 +4355,7 @@
           <a:p>
             <a:fld id="{4C7FBE89-DCA5-4DC0-AB26-3C3EB1D6532B}" type="datetime1">
               <a:rPr lang="de-DE" smtClean="0"/>
-              <a:t>03.01.2021</a:t>
+              <a:t>11.01.2021</a:t>
             </a:fld>
             <a:endParaRPr lang="de-DE"/>
           </a:p>
@@ -4451,7 +4452,7 @@
           <a:p>
             <a:fld id="{4C7FBE89-DCA5-4DC0-AB26-3C3EB1D6532B}" type="datetime1">
               <a:rPr lang="de-DE" smtClean="0"/>
-              <a:t>03.01.2021</a:t>
+              <a:t>11.01.2021</a:t>
             </a:fld>
             <a:endParaRPr lang="de-DE"/>
           </a:p>
@@ -4562,102 +4563,3110 @@
           </a:p>
         </p:txBody>
       </p:sp>
-      <p:sp>
-        <p:nvSpPr>
-          <p:cNvPr id="3" name="Textfeld 2">
-            <a:extLst>
-              <a:ext uri="{FF2B5EF4-FFF2-40B4-BE49-F238E27FC236}">
-                <a16:creationId xmlns:a16="http://schemas.microsoft.com/office/drawing/2014/main" id="{05220B2E-62E4-49E9-BD29-FD42A6E6701B}"/>
-              </a:ext>
-            </a:extLst>
-          </p:cNvPr>
-          <p:cNvSpPr txBox="1"/>
-          <p:nvPr/>
-        </p:nvSpPr>
-        <p:spPr>
-          <a:xfrm>
-            <a:off x="1281887" y="1959429"/>
-            <a:ext cx="7960725" cy="2585323"/>
-          </a:xfrm>
-          <a:prstGeom prst="rect">
-            <a:avLst/>
-          </a:prstGeom>
-          <a:noFill/>
-        </p:spPr>
-        <p:txBody>
-          <a:bodyPr wrap="square" rtlCol="0">
-            <a:spAutoFit/>
-          </a:bodyPr>
-          <a:lstStyle/>
-          <a:p>
-            <a:r>
-              <a:rPr lang="de-DE" b="1" dirty="0">
-                <a:latin typeface="Calibri" panose="020F0502020204030204" pitchFamily="34" charset="0"/>
-                <a:ea typeface="Calibri" panose="020F0502020204030204" pitchFamily="34" charset="0"/>
-                <a:cs typeface="Times New Roman" panose="02020603050405020304" pitchFamily="18" charset="0"/>
-              </a:rPr>
-              <a:t>Projekt wird nicht fertig gestellt</a:t>
-            </a:r>
-            <a:r>
-              <a:rPr lang="de-DE" dirty="0">
-                <a:latin typeface="Calibri" panose="020F0502020204030204" pitchFamily="34" charset="0"/>
-                <a:ea typeface="Calibri" panose="020F0502020204030204" pitchFamily="34" charset="0"/>
-                <a:cs typeface="Times New Roman" panose="02020603050405020304" pitchFamily="18" charset="0"/>
-              </a:rPr>
-              <a:t>: Aufgrund von zeitlicher Fehlplanung konnten nicht alle vorhergesehenen Aspekte des Projektes durchgeführt werden. Ursachen können sein, dass der Projektrahmen zu groß gefasst wurde oder technische Komplikationen haben den geforderten Zeitplan gestört.</a:t>
-            </a:r>
-          </a:p>
-          <a:p>
-            <a:endParaRPr lang="de-DE" dirty="0">
-              <a:latin typeface="Calibri" panose="020F0502020204030204" pitchFamily="34" charset="0"/>
-              <a:cs typeface="Times New Roman" panose="02020603050405020304" pitchFamily="18" charset="0"/>
-            </a:endParaRPr>
-          </a:p>
-          <a:p>
-            <a:r>
-              <a:rPr lang="de-DE" b="1" dirty="0">
-                <a:latin typeface="Calibri" panose="020F0502020204030204" pitchFamily="34" charset="0"/>
-                <a:cs typeface="Times New Roman" panose="02020603050405020304" pitchFamily="18" charset="0"/>
-              </a:rPr>
-              <a:t>System misst falsch oder gar nicht: </a:t>
-            </a:r>
-            <a:r>
-              <a:rPr lang="de-DE" dirty="0">
-                <a:latin typeface="Calibri" panose="020F0502020204030204" pitchFamily="34" charset="0"/>
-                <a:cs typeface="Times New Roman" panose="02020603050405020304" pitchFamily="18" charset="0"/>
-              </a:rPr>
-              <a:t>Nachdem es sich bei unserem Projekt um eine Machbarkeitsstudie handelt, wäre </a:t>
-            </a:r>
-            <a:r>
-              <a:rPr lang="de-DE">
-                <a:latin typeface="Calibri" panose="020F0502020204030204" pitchFamily="34" charset="0"/>
-                <a:cs typeface="Times New Roman" panose="02020603050405020304" pitchFamily="18" charset="0"/>
-              </a:rPr>
-              <a:t>eine Fehlmessung </a:t>
-            </a:r>
-            <a:r>
-              <a:rPr lang="de-DE" dirty="0">
-                <a:latin typeface="Calibri" panose="020F0502020204030204" pitchFamily="34" charset="0"/>
-                <a:cs typeface="Times New Roman" panose="02020603050405020304" pitchFamily="18" charset="0"/>
-              </a:rPr>
-              <a:t>zwar ein ungünstiger Ausgang, aber im Rahmen noch vertretbar. </a:t>
-            </a:r>
-            <a:endParaRPr lang="de-DE" b="1" dirty="0">
-              <a:latin typeface="Calibri" panose="020F0502020204030204" pitchFamily="34" charset="0"/>
-              <a:cs typeface="Times New Roman" panose="02020603050405020304" pitchFamily="18" charset="0"/>
-            </a:endParaRPr>
-          </a:p>
-          <a:p>
-            <a:endParaRPr lang="de-DE" dirty="0">
-              <a:latin typeface="Arial" panose="020B0604020202020204" pitchFamily="34" charset="0"/>
-            </a:endParaRPr>
-          </a:p>
-        </p:txBody>
-      </p:sp>
+      <p:graphicFrame>
+        <p:nvGraphicFramePr>
+          <p:cNvPr id="9" name="Inhaltsplatzhalter 5">
+            <a:extLst>
+              <a:ext uri="{FF2B5EF4-FFF2-40B4-BE49-F238E27FC236}">
+                <a16:creationId xmlns:a16="http://schemas.microsoft.com/office/drawing/2014/main" id="{9CA81959-487E-4843-9FF9-B41C3FA8A3CA}"/>
+              </a:ext>
+            </a:extLst>
+          </p:cNvPr>
+          <p:cNvGraphicFramePr>
+            <a:graphicFrameLocks/>
+          </p:cNvGraphicFramePr>
+          <p:nvPr>
+            <p:extLst>
+              <p:ext uri="{D42A27DB-BD31-4B8C-83A1-F6EECF244321}">
+                <p14:modId xmlns:p14="http://schemas.microsoft.com/office/powerpoint/2010/main" val="2466030807"/>
+              </p:ext>
+            </p:extLst>
+          </p:nvPr>
+        </p:nvGraphicFramePr>
+        <p:xfrm>
+          <a:off x="1281886" y="1413970"/>
+          <a:ext cx="10518228" cy="4576638"/>
+        </p:xfrm>
+        <a:graphic>
+          <a:graphicData uri="http://schemas.openxmlformats.org/drawingml/2006/table">
+            <a:tbl>
+              <a:tblPr firstRow="1" firstCol="1" bandRow="1"/>
+              <a:tblGrid>
+                <a:gridCol w="2235861">
+                  <a:extLst>
+                    <a:ext uri="{9D8B030D-6E8A-4147-A177-3AD203B41FA5}">
+                      <a16:colId xmlns:a16="http://schemas.microsoft.com/office/drawing/2014/main" val="1937100112"/>
+                    </a:ext>
+                  </a:extLst>
+                </a:gridCol>
+                <a:gridCol w="2700601">
+                  <a:extLst>
+                    <a:ext uri="{9D8B030D-6E8A-4147-A177-3AD203B41FA5}">
+                      <a16:colId xmlns:a16="http://schemas.microsoft.com/office/drawing/2014/main" val="1805933689"/>
+                    </a:ext>
+                  </a:extLst>
+                </a:gridCol>
+                <a:gridCol w="2260969">
+                  <a:extLst>
+                    <a:ext uri="{9D8B030D-6E8A-4147-A177-3AD203B41FA5}">
+                      <a16:colId xmlns:a16="http://schemas.microsoft.com/office/drawing/2014/main" val="210679154"/>
+                    </a:ext>
+                  </a:extLst>
+                </a:gridCol>
+                <a:gridCol w="1596500">
+                  <a:extLst>
+                    <a:ext uri="{9D8B030D-6E8A-4147-A177-3AD203B41FA5}">
+                      <a16:colId xmlns:a16="http://schemas.microsoft.com/office/drawing/2014/main" val="3002741590"/>
+                    </a:ext>
+                  </a:extLst>
+                </a:gridCol>
+                <a:gridCol w="1262743">
+                  <a:extLst>
+                    <a:ext uri="{9D8B030D-6E8A-4147-A177-3AD203B41FA5}">
+                      <a16:colId xmlns:a16="http://schemas.microsoft.com/office/drawing/2014/main" val="3554861885"/>
+                    </a:ext>
+                  </a:extLst>
+                </a:gridCol>
+                <a:gridCol w="461554">
+                  <a:extLst>
+                    <a:ext uri="{9D8B030D-6E8A-4147-A177-3AD203B41FA5}">
+                      <a16:colId xmlns:a16="http://schemas.microsoft.com/office/drawing/2014/main" val="1462727777"/>
+                    </a:ext>
+                  </a:extLst>
+                </a:gridCol>
+              </a:tblGrid>
+              <a:tr h="311608">
+                <a:tc>
+                  <a:txBody>
+                    <a:bodyPr/>
+                    <a:lstStyle/>
+                    <a:p>
+                      <a:pPr algn="l" fontAlgn="t">
+                        <a:lnSpc>
+                          <a:spcPct val="107000"/>
+                        </a:lnSpc>
+                        <a:spcBef>
+                          <a:spcPts val="0"/>
+                        </a:spcBef>
+                        <a:spcAft>
+                          <a:spcPts val="800"/>
+                        </a:spcAft>
+                      </a:pPr>
+                      <a:r>
+                        <a:rPr lang="de-DE" sz="1600" b="0" i="0" u="none" strike="noStrike">
+                          <a:effectLst/>
+                          <a:latin typeface="Calibri" panose="020F0502020204030204" pitchFamily="34" charset="0"/>
+                          <a:ea typeface="Calibri" panose="020F0502020204030204" pitchFamily="34" charset="0"/>
+                          <a:cs typeface="Times New Roman" panose="02020603050405020304" pitchFamily="18" charset="0"/>
+                        </a:rPr>
+                        <a:t>Bezeichnung</a:t>
+                      </a:r>
+                      <a:endParaRPr lang="de-DE" sz="2900" b="0" i="0" u="none" strike="noStrike">
+                        <a:effectLst/>
+                        <a:latin typeface="Arial" panose="020B0604020202020204" pitchFamily="34" charset="0"/>
+                      </a:endParaRPr>
+                    </a:p>
+                  </a:txBody>
+                  <a:tcPr marL="108842" marR="108842" marT="15117" marB="0">
+                    <a:lnL w="12700" cap="flat" cmpd="sng" algn="ctr">
+                      <a:solidFill>
+                        <a:srgbClr val="000000"/>
+                      </a:solidFill>
+                      <a:prstDash val="solid"/>
+                      <a:round/>
+                      <a:headEnd type="none" w="med" len="med"/>
+                      <a:tailEnd type="none" w="med" len="med"/>
+                    </a:lnL>
+                    <a:lnR w="12700" cap="flat" cmpd="sng" algn="ctr">
+                      <a:solidFill>
+                        <a:srgbClr val="000000"/>
+                      </a:solidFill>
+                      <a:prstDash val="solid"/>
+                      <a:round/>
+                      <a:headEnd type="none" w="med" len="med"/>
+                      <a:tailEnd type="none" w="med" len="med"/>
+                    </a:lnR>
+                    <a:lnT w="12700" cap="flat" cmpd="sng" algn="ctr">
+                      <a:solidFill>
+                        <a:srgbClr val="000000"/>
+                      </a:solidFill>
+                      <a:prstDash val="solid"/>
+                      <a:round/>
+                      <a:headEnd type="none" w="med" len="med"/>
+                      <a:tailEnd type="none" w="med" len="med"/>
+                    </a:lnT>
+                    <a:lnB w="12700" cap="flat" cmpd="sng" algn="ctr">
+                      <a:solidFill>
+                        <a:srgbClr val="000000"/>
+                      </a:solidFill>
+                      <a:prstDash val="solid"/>
+                      <a:round/>
+                      <a:headEnd type="none" w="med" len="med"/>
+                      <a:tailEnd type="none" w="med" len="med"/>
+                    </a:lnB>
+                  </a:tcPr>
+                </a:tc>
+                <a:tc>
+                  <a:txBody>
+                    <a:bodyPr/>
+                    <a:lstStyle/>
+                    <a:p>
+                      <a:pPr algn="l" fontAlgn="t">
+                        <a:lnSpc>
+                          <a:spcPct val="107000"/>
+                        </a:lnSpc>
+                        <a:spcBef>
+                          <a:spcPts val="0"/>
+                        </a:spcBef>
+                        <a:spcAft>
+                          <a:spcPts val="800"/>
+                        </a:spcAft>
+                      </a:pPr>
+                      <a:r>
+                        <a:rPr lang="de-DE" sz="1600" b="0" i="0" u="none" strike="noStrike" dirty="0">
+                          <a:effectLst/>
+                          <a:latin typeface="Calibri" panose="020F0502020204030204" pitchFamily="34" charset="0"/>
+                          <a:ea typeface="Calibri" panose="020F0502020204030204" pitchFamily="34" charset="0"/>
+                          <a:cs typeface="Times New Roman" panose="02020603050405020304" pitchFamily="18" charset="0"/>
+                        </a:rPr>
+                        <a:t>Ursache</a:t>
+                      </a:r>
+                      <a:endParaRPr lang="de-DE" sz="2900" b="0" i="0" u="none" strike="noStrike" dirty="0">
+                        <a:effectLst/>
+                        <a:latin typeface="Arial" panose="020B0604020202020204" pitchFamily="34" charset="0"/>
+                      </a:endParaRPr>
+                    </a:p>
+                  </a:txBody>
+                  <a:tcPr marL="108842" marR="108842" marT="15117" marB="0">
+                    <a:lnL w="12700" cap="flat" cmpd="sng" algn="ctr">
+                      <a:solidFill>
+                        <a:srgbClr val="000000"/>
+                      </a:solidFill>
+                      <a:prstDash val="solid"/>
+                      <a:round/>
+                      <a:headEnd type="none" w="med" len="med"/>
+                      <a:tailEnd type="none" w="med" len="med"/>
+                    </a:lnL>
+                    <a:lnR w="12700" cap="flat" cmpd="sng" algn="ctr">
+                      <a:solidFill>
+                        <a:srgbClr val="000000"/>
+                      </a:solidFill>
+                      <a:prstDash val="solid"/>
+                      <a:round/>
+                      <a:headEnd type="none" w="med" len="med"/>
+                      <a:tailEnd type="none" w="med" len="med"/>
+                    </a:lnR>
+                    <a:lnT w="12700" cap="flat" cmpd="sng" algn="ctr">
+                      <a:solidFill>
+                        <a:srgbClr val="000000"/>
+                      </a:solidFill>
+                      <a:prstDash val="solid"/>
+                      <a:round/>
+                      <a:headEnd type="none" w="med" len="med"/>
+                      <a:tailEnd type="none" w="med" len="med"/>
+                    </a:lnT>
+                    <a:lnB w="12700" cap="flat" cmpd="sng" algn="ctr">
+                      <a:solidFill>
+                        <a:srgbClr val="000000"/>
+                      </a:solidFill>
+                      <a:prstDash val="solid"/>
+                      <a:round/>
+                      <a:headEnd type="none" w="med" len="med"/>
+                      <a:tailEnd type="none" w="med" len="med"/>
+                    </a:lnB>
+                  </a:tcPr>
+                </a:tc>
+                <a:tc>
+                  <a:txBody>
+                    <a:bodyPr/>
+                    <a:lstStyle/>
+                    <a:p>
+                      <a:pPr algn="l" fontAlgn="t">
+                        <a:lnSpc>
+                          <a:spcPct val="107000"/>
+                        </a:lnSpc>
+                        <a:spcBef>
+                          <a:spcPts val="0"/>
+                        </a:spcBef>
+                        <a:spcAft>
+                          <a:spcPts val="800"/>
+                        </a:spcAft>
+                      </a:pPr>
+                      <a:r>
+                        <a:rPr lang="de-DE" sz="1600" b="0" i="0" u="none" strike="noStrike" dirty="0">
+                          <a:effectLst/>
+                          <a:latin typeface="Calibri" panose="020F0502020204030204" pitchFamily="34" charset="0"/>
+                          <a:ea typeface="Calibri" panose="020F0502020204030204" pitchFamily="34" charset="0"/>
+                          <a:cs typeface="Times New Roman" panose="02020603050405020304" pitchFamily="18" charset="0"/>
+                        </a:rPr>
+                        <a:t>Konsequenz</a:t>
+                      </a:r>
+                      <a:endParaRPr lang="de-DE" sz="2900" b="0" i="0" u="none" strike="noStrike" dirty="0">
+                        <a:effectLst/>
+                        <a:latin typeface="Arial" panose="020B0604020202020204" pitchFamily="34" charset="0"/>
+                      </a:endParaRPr>
+                    </a:p>
+                  </a:txBody>
+                  <a:tcPr marL="108842" marR="108842" marT="15117" marB="0">
+                    <a:lnL w="12700" cap="flat" cmpd="sng" algn="ctr">
+                      <a:solidFill>
+                        <a:srgbClr val="000000"/>
+                      </a:solidFill>
+                      <a:prstDash val="solid"/>
+                      <a:round/>
+                      <a:headEnd type="none" w="med" len="med"/>
+                      <a:tailEnd type="none" w="med" len="med"/>
+                    </a:lnL>
+                    <a:lnR w="12700" cap="flat" cmpd="sng" algn="ctr">
+                      <a:solidFill>
+                        <a:srgbClr val="000000"/>
+                      </a:solidFill>
+                      <a:prstDash val="solid"/>
+                      <a:round/>
+                      <a:headEnd type="none" w="med" len="med"/>
+                      <a:tailEnd type="none" w="med" len="med"/>
+                    </a:lnR>
+                    <a:lnT w="12700" cap="flat" cmpd="sng" algn="ctr">
+                      <a:solidFill>
+                        <a:srgbClr val="000000"/>
+                      </a:solidFill>
+                      <a:prstDash val="solid"/>
+                      <a:round/>
+                      <a:headEnd type="none" w="med" len="med"/>
+                      <a:tailEnd type="none" w="med" len="med"/>
+                    </a:lnT>
+                    <a:lnB w="12700" cap="flat" cmpd="sng" algn="ctr">
+                      <a:solidFill>
+                        <a:srgbClr val="000000"/>
+                      </a:solidFill>
+                      <a:prstDash val="solid"/>
+                      <a:round/>
+                      <a:headEnd type="none" w="med" len="med"/>
+                      <a:tailEnd type="none" w="med" len="med"/>
+                    </a:lnB>
+                  </a:tcPr>
+                </a:tc>
+                <a:tc>
+                  <a:txBody>
+                    <a:bodyPr/>
+                    <a:lstStyle/>
+                    <a:p>
+                      <a:pPr algn="l" fontAlgn="t">
+                        <a:lnSpc>
+                          <a:spcPct val="107000"/>
+                        </a:lnSpc>
+                        <a:spcBef>
+                          <a:spcPts val="0"/>
+                        </a:spcBef>
+                        <a:spcAft>
+                          <a:spcPts val="800"/>
+                        </a:spcAft>
+                      </a:pPr>
+                      <a:r>
+                        <a:rPr lang="de-DE" sz="1600" b="0" i="0" u="none" strike="noStrike" dirty="0">
+                          <a:effectLst/>
+                          <a:latin typeface="Calibri" panose="020F0502020204030204" pitchFamily="34" charset="0"/>
+                          <a:cs typeface="Times New Roman" panose="02020603050405020304" pitchFamily="18" charset="0"/>
+                        </a:rPr>
+                        <a:t>Auftrittswahr-</a:t>
+                      </a:r>
+                      <a:r>
+                        <a:rPr lang="de-DE" sz="1600" b="0" i="0" u="none" strike="noStrike" dirty="0" err="1">
+                          <a:effectLst/>
+                          <a:latin typeface="Calibri" panose="020F0502020204030204" pitchFamily="34" charset="0"/>
+                          <a:cs typeface="Times New Roman" panose="02020603050405020304" pitchFamily="18" charset="0"/>
+                        </a:rPr>
+                        <a:t>scheinlichkeit</a:t>
+                      </a:r>
+                      <a:endParaRPr lang="de-DE" sz="2900" b="0" i="0" u="none" strike="noStrike" dirty="0">
+                        <a:effectLst/>
+                        <a:latin typeface="Arial" panose="020B0604020202020204" pitchFamily="34" charset="0"/>
+                      </a:endParaRPr>
+                    </a:p>
+                  </a:txBody>
+                  <a:tcPr marL="108842" marR="108842" marT="15117" marB="0">
+                    <a:lnL w="12700" cap="flat" cmpd="sng" algn="ctr">
+                      <a:solidFill>
+                        <a:srgbClr val="000000"/>
+                      </a:solidFill>
+                      <a:prstDash val="solid"/>
+                      <a:round/>
+                      <a:headEnd type="none" w="med" len="med"/>
+                      <a:tailEnd type="none" w="med" len="med"/>
+                    </a:lnL>
+                    <a:lnR w="12700" cap="flat" cmpd="sng" algn="ctr">
+                      <a:solidFill>
+                        <a:srgbClr val="000000"/>
+                      </a:solidFill>
+                      <a:prstDash val="solid"/>
+                      <a:round/>
+                      <a:headEnd type="none" w="med" len="med"/>
+                      <a:tailEnd type="none" w="med" len="med"/>
+                    </a:lnR>
+                    <a:lnT w="12700" cap="flat" cmpd="sng" algn="ctr">
+                      <a:solidFill>
+                        <a:srgbClr val="000000"/>
+                      </a:solidFill>
+                      <a:prstDash val="solid"/>
+                      <a:round/>
+                      <a:headEnd type="none" w="med" len="med"/>
+                      <a:tailEnd type="none" w="med" len="med"/>
+                    </a:lnT>
+                    <a:lnB w="12700" cap="flat" cmpd="sng" algn="ctr">
+                      <a:solidFill>
+                        <a:srgbClr val="000000"/>
+                      </a:solidFill>
+                      <a:prstDash val="solid"/>
+                      <a:round/>
+                      <a:headEnd type="none" w="med" len="med"/>
+                      <a:tailEnd type="none" w="med" len="med"/>
+                    </a:lnB>
+                  </a:tcPr>
+                </a:tc>
+                <a:tc>
+                  <a:txBody>
+                    <a:bodyPr/>
+                    <a:lstStyle/>
+                    <a:p>
+                      <a:pPr algn="l" fontAlgn="t">
+                        <a:lnSpc>
+                          <a:spcPct val="107000"/>
+                        </a:lnSpc>
+                        <a:spcBef>
+                          <a:spcPts val="0"/>
+                        </a:spcBef>
+                        <a:spcAft>
+                          <a:spcPts val="0"/>
+                        </a:spcAft>
+                      </a:pPr>
+                      <a:r>
+                        <a:rPr lang="de-DE" sz="1600" b="0" i="0" u="none" strike="noStrike" kern="1200" dirty="0">
+                          <a:solidFill>
+                            <a:schemeClr val="tx1"/>
+                          </a:solidFill>
+                          <a:effectLst/>
+                          <a:latin typeface="Calibri" panose="020F0502020204030204" pitchFamily="34" charset="0"/>
+                          <a:cs typeface="Times New Roman" panose="02020603050405020304" pitchFamily="18" charset="0"/>
+                        </a:rPr>
+                        <a:t>Schadens-</a:t>
+                      </a:r>
+                    </a:p>
+                    <a:p>
+                      <a:pPr algn="l" fontAlgn="t">
+                        <a:lnSpc>
+                          <a:spcPct val="107000"/>
+                        </a:lnSpc>
+                        <a:spcBef>
+                          <a:spcPts val="0"/>
+                        </a:spcBef>
+                        <a:spcAft>
+                          <a:spcPts val="0"/>
+                        </a:spcAft>
+                      </a:pPr>
+                      <a:r>
+                        <a:rPr lang="de-DE" sz="1600" b="0" i="0" u="none" strike="noStrike" kern="1200" dirty="0">
+                          <a:solidFill>
+                            <a:schemeClr val="tx1"/>
+                          </a:solidFill>
+                          <a:effectLst/>
+                          <a:latin typeface="Calibri" panose="020F0502020204030204" pitchFamily="34" charset="0"/>
+                          <a:cs typeface="Times New Roman" panose="02020603050405020304" pitchFamily="18" charset="0"/>
+                        </a:rPr>
+                        <a:t>ausmaß</a:t>
+                      </a:r>
+                    </a:p>
+                  </a:txBody>
+                  <a:tcPr marL="108842" marR="108842" marT="15117" marB="0">
+                    <a:lnL w="12700" cap="flat" cmpd="sng" algn="ctr">
+                      <a:solidFill>
+                        <a:srgbClr val="000000"/>
+                      </a:solidFill>
+                      <a:prstDash val="solid"/>
+                      <a:round/>
+                      <a:headEnd type="none" w="med" len="med"/>
+                      <a:tailEnd type="none" w="med" len="med"/>
+                    </a:lnL>
+                    <a:lnR w="12700" cap="flat" cmpd="sng" algn="ctr">
+                      <a:solidFill>
+                        <a:srgbClr val="000000"/>
+                      </a:solidFill>
+                      <a:prstDash val="solid"/>
+                      <a:round/>
+                      <a:headEnd type="none" w="med" len="med"/>
+                      <a:tailEnd type="none" w="med" len="med"/>
+                    </a:lnR>
+                    <a:lnT w="12700" cap="flat" cmpd="sng" algn="ctr">
+                      <a:solidFill>
+                        <a:srgbClr val="000000"/>
+                      </a:solidFill>
+                      <a:prstDash val="solid"/>
+                      <a:round/>
+                      <a:headEnd type="none" w="med" len="med"/>
+                      <a:tailEnd type="none" w="med" len="med"/>
+                    </a:lnT>
+                    <a:lnB w="12700" cap="flat" cmpd="sng" algn="ctr">
+                      <a:solidFill>
+                        <a:srgbClr val="000000"/>
+                      </a:solidFill>
+                      <a:prstDash val="solid"/>
+                      <a:round/>
+                      <a:headEnd type="none" w="med" len="med"/>
+                      <a:tailEnd type="none" w="med" len="med"/>
+                    </a:lnB>
+                  </a:tcPr>
+                </a:tc>
+                <a:tc>
+                  <a:txBody>
+                    <a:bodyPr/>
+                    <a:lstStyle/>
+                    <a:p>
+                      <a:pPr algn="l" fontAlgn="t">
+                        <a:lnSpc>
+                          <a:spcPct val="107000"/>
+                        </a:lnSpc>
+                        <a:spcBef>
+                          <a:spcPts val="0"/>
+                        </a:spcBef>
+                        <a:spcAft>
+                          <a:spcPts val="0"/>
+                        </a:spcAft>
+                      </a:pPr>
+                      <a:r>
+                        <a:rPr lang="de-DE" sz="1600" b="0" i="0" u="none" strike="noStrike" kern="1200" dirty="0">
+                          <a:solidFill>
+                            <a:schemeClr val="tx1"/>
+                          </a:solidFill>
+                          <a:effectLst/>
+                          <a:latin typeface="Calibri" panose="020F0502020204030204" pitchFamily="34" charset="0"/>
+                          <a:cs typeface="Times New Roman" panose="02020603050405020304" pitchFamily="18" charset="0"/>
+                        </a:rPr>
+                        <a:t>RZ</a:t>
+                      </a:r>
+                    </a:p>
+                  </a:txBody>
+                  <a:tcPr marL="108842" marR="108842" marT="15117" marB="0">
+                    <a:lnL w="12700" cap="flat" cmpd="sng" algn="ctr">
+                      <a:solidFill>
+                        <a:srgbClr val="000000"/>
+                      </a:solidFill>
+                      <a:prstDash val="solid"/>
+                      <a:round/>
+                      <a:headEnd type="none" w="med" len="med"/>
+                      <a:tailEnd type="none" w="med" len="med"/>
+                    </a:lnL>
+                    <a:lnR w="12700" cap="flat" cmpd="sng" algn="ctr">
+                      <a:solidFill>
+                        <a:srgbClr val="000000"/>
+                      </a:solidFill>
+                      <a:prstDash val="solid"/>
+                      <a:round/>
+                      <a:headEnd type="none" w="med" len="med"/>
+                      <a:tailEnd type="none" w="med" len="med"/>
+                    </a:lnR>
+                    <a:lnT w="12700" cap="flat" cmpd="sng" algn="ctr">
+                      <a:solidFill>
+                        <a:srgbClr val="000000"/>
+                      </a:solidFill>
+                      <a:prstDash val="solid"/>
+                      <a:round/>
+                      <a:headEnd type="none" w="med" len="med"/>
+                      <a:tailEnd type="none" w="med" len="med"/>
+                    </a:lnT>
+                    <a:lnB w="12700" cap="flat" cmpd="sng" algn="ctr">
+                      <a:solidFill>
+                        <a:srgbClr val="000000"/>
+                      </a:solidFill>
+                      <a:prstDash val="solid"/>
+                      <a:round/>
+                      <a:headEnd type="none" w="med" len="med"/>
+                      <a:tailEnd type="none" w="med" len="med"/>
+                    </a:lnB>
+                  </a:tcPr>
+                </a:tc>
+                <a:extLst>
+                  <a:ext uri="{0D108BD9-81ED-4DB2-BD59-A6C34878D82A}">
+                    <a16:rowId xmlns:a16="http://schemas.microsoft.com/office/drawing/2014/main" val="2301141173"/>
+                  </a:ext>
+                </a:extLst>
+              </a:tr>
+              <a:tr h="0">
+                <a:tc>
+                  <a:txBody>
+                    <a:bodyPr/>
+                    <a:lstStyle/>
+                    <a:p>
+                      <a:pPr algn="l" fontAlgn="t">
+                        <a:lnSpc>
+                          <a:spcPct val="107000"/>
+                        </a:lnSpc>
+                        <a:spcBef>
+                          <a:spcPts val="0"/>
+                        </a:spcBef>
+                        <a:spcAft>
+                          <a:spcPts val="800"/>
+                        </a:spcAft>
+                      </a:pPr>
+                      <a:r>
+                        <a:rPr lang="de-DE" sz="1600" b="0" i="0" u="none" strike="noStrike" dirty="0">
+                          <a:effectLst/>
+                          <a:latin typeface="Calibri" panose="020F0502020204030204" pitchFamily="34" charset="0"/>
+                          <a:ea typeface="Calibri" panose="020F0502020204030204" pitchFamily="34" charset="0"/>
+                          <a:cs typeface="Times New Roman" panose="02020603050405020304" pitchFamily="18" charset="0"/>
+                        </a:rPr>
+                        <a:t> </a:t>
+                      </a:r>
+                      <a:endParaRPr lang="de-DE" sz="2900" b="0" i="0" u="none" strike="noStrike" dirty="0">
+                        <a:effectLst/>
+                        <a:latin typeface="Arial" panose="020B0604020202020204" pitchFamily="34" charset="0"/>
+                      </a:endParaRPr>
+                    </a:p>
+                  </a:txBody>
+                  <a:tcPr marL="108842" marR="108842" marT="15117" marB="0">
+                    <a:lnL w="12700" cap="flat" cmpd="sng" algn="ctr">
+                      <a:solidFill>
+                        <a:srgbClr val="000000"/>
+                      </a:solidFill>
+                      <a:prstDash val="solid"/>
+                      <a:round/>
+                      <a:headEnd type="none" w="med" len="med"/>
+                      <a:tailEnd type="none" w="med" len="med"/>
+                    </a:lnL>
+                    <a:lnR w="12700" cap="flat" cmpd="sng" algn="ctr">
+                      <a:solidFill>
+                        <a:srgbClr val="000000"/>
+                      </a:solidFill>
+                      <a:prstDash val="solid"/>
+                      <a:round/>
+                      <a:headEnd type="none" w="med" len="med"/>
+                      <a:tailEnd type="none" w="med" len="med"/>
+                    </a:lnR>
+                    <a:lnT w="12700" cap="flat" cmpd="sng" algn="ctr">
+                      <a:solidFill>
+                        <a:srgbClr val="000000"/>
+                      </a:solidFill>
+                      <a:prstDash val="solid"/>
+                      <a:round/>
+                      <a:headEnd type="none" w="med" len="med"/>
+                      <a:tailEnd type="none" w="med" len="med"/>
+                    </a:lnT>
+                    <a:lnB w="12700" cap="flat" cmpd="sng" algn="ctr">
+                      <a:solidFill>
+                        <a:srgbClr val="000000"/>
+                      </a:solidFill>
+                      <a:prstDash val="solid"/>
+                      <a:round/>
+                      <a:headEnd type="none" w="med" len="med"/>
+                      <a:tailEnd type="none" w="med" len="med"/>
+                    </a:lnB>
+                  </a:tcPr>
+                </a:tc>
+                <a:tc>
+                  <a:txBody>
+                    <a:bodyPr/>
+                    <a:lstStyle/>
+                    <a:p>
+                      <a:pPr algn="l" fontAlgn="t">
+                        <a:lnSpc>
+                          <a:spcPct val="107000"/>
+                        </a:lnSpc>
+                        <a:spcBef>
+                          <a:spcPts val="0"/>
+                        </a:spcBef>
+                        <a:spcAft>
+                          <a:spcPts val="800"/>
+                        </a:spcAft>
+                      </a:pPr>
+                      <a:r>
+                        <a:rPr lang="de-DE" sz="1600" b="0" i="0" u="none" strike="noStrike">
+                          <a:effectLst/>
+                          <a:latin typeface="Calibri" panose="020F0502020204030204" pitchFamily="34" charset="0"/>
+                          <a:ea typeface="Calibri" panose="020F0502020204030204" pitchFamily="34" charset="0"/>
+                          <a:cs typeface="Times New Roman" panose="02020603050405020304" pitchFamily="18" charset="0"/>
+                        </a:rPr>
+                        <a:t> </a:t>
+                      </a:r>
+                      <a:endParaRPr lang="de-DE" sz="2900" b="0" i="0" u="none" strike="noStrike">
+                        <a:effectLst/>
+                        <a:latin typeface="Arial" panose="020B0604020202020204" pitchFamily="34" charset="0"/>
+                      </a:endParaRPr>
+                    </a:p>
+                  </a:txBody>
+                  <a:tcPr marL="108842" marR="108842" marT="15117" marB="0">
+                    <a:lnL w="12700" cap="flat" cmpd="sng" algn="ctr">
+                      <a:solidFill>
+                        <a:srgbClr val="000000"/>
+                      </a:solidFill>
+                      <a:prstDash val="solid"/>
+                      <a:round/>
+                      <a:headEnd type="none" w="med" len="med"/>
+                      <a:tailEnd type="none" w="med" len="med"/>
+                    </a:lnL>
+                    <a:lnR w="12700" cap="flat" cmpd="sng" algn="ctr">
+                      <a:solidFill>
+                        <a:srgbClr val="000000"/>
+                      </a:solidFill>
+                      <a:prstDash val="solid"/>
+                      <a:round/>
+                      <a:headEnd type="none" w="med" len="med"/>
+                      <a:tailEnd type="none" w="med" len="med"/>
+                    </a:lnR>
+                    <a:lnT w="12700" cap="flat" cmpd="sng" algn="ctr">
+                      <a:solidFill>
+                        <a:srgbClr val="000000"/>
+                      </a:solidFill>
+                      <a:prstDash val="solid"/>
+                      <a:round/>
+                      <a:headEnd type="none" w="med" len="med"/>
+                      <a:tailEnd type="none" w="med" len="med"/>
+                    </a:lnT>
+                    <a:lnB w="12700" cap="flat" cmpd="sng" algn="ctr">
+                      <a:solidFill>
+                        <a:srgbClr val="000000"/>
+                      </a:solidFill>
+                      <a:prstDash val="solid"/>
+                      <a:round/>
+                      <a:headEnd type="none" w="med" len="med"/>
+                      <a:tailEnd type="none" w="med" len="med"/>
+                    </a:lnB>
+                  </a:tcPr>
+                </a:tc>
+                <a:tc>
+                  <a:txBody>
+                    <a:bodyPr/>
+                    <a:lstStyle/>
+                    <a:p>
+                      <a:pPr algn="l" fontAlgn="t">
+                        <a:lnSpc>
+                          <a:spcPct val="107000"/>
+                        </a:lnSpc>
+                        <a:spcBef>
+                          <a:spcPts val="0"/>
+                        </a:spcBef>
+                        <a:spcAft>
+                          <a:spcPts val="800"/>
+                        </a:spcAft>
+                      </a:pPr>
+                      <a:r>
+                        <a:rPr lang="de-DE" sz="1600" b="0" i="0" u="none" strike="noStrike" dirty="0">
+                          <a:effectLst/>
+                          <a:latin typeface="Calibri" panose="020F0502020204030204" pitchFamily="34" charset="0"/>
+                          <a:ea typeface="Calibri" panose="020F0502020204030204" pitchFamily="34" charset="0"/>
+                          <a:cs typeface="Times New Roman" panose="02020603050405020304" pitchFamily="18" charset="0"/>
+                        </a:rPr>
+                        <a:t> </a:t>
+                      </a:r>
+                      <a:endParaRPr lang="de-DE" sz="2900" b="0" i="0" u="none" strike="noStrike" dirty="0">
+                        <a:effectLst/>
+                        <a:latin typeface="Arial" panose="020B0604020202020204" pitchFamily="34" charset="0"/>
+                      </a:endParaRPr>
+                    </a:p>
+                  </a:txBody>
+                  <a:tcPr marL="108842" marR="108842" marT="15117" marB="0">
+                    <a:lnL w="12700" cap="flat" cmpd="sng" algn="ctr">
+                      <a:solidFill>
+                        <a:srgbClr val="000000"/>
+                      </a:solidFill>
+                      <a:prstDash val="solid"/>
+                      <a:round/>
+                      <a:headEnd type="none" w="med" len="med"/>
+                      <a:tailEnd type="none" w="med" len="med"/>
+                    </a:lnL>
+                    <a:lnR w="12700" cap="flat" cmpd="sng" algn="ctr">
+                      <a:solidFill>
+                        <a:srgbClr val="000000"/>
+                      </a:solidFill>
+                      <a:prstDash val="solid"/>
+                      <a:round/>
+                      <a:headEnd type="none" w="med" len="med"/>
+                      <a:tailEnd type="none" w="med" len="med"/>
+                    </a:lnR>
+                    <a:lnT w="12700" cap="flat" cmpd="sng" algn="ctr">
+                      <a:solidFill>
+                        <a:srgbClr val="000000"/>
+                      </a:solidFill>
+                      <a:prstDash val="solid"/>
+                      <a:round/>
+                      <a:headEnd type="none" w="med" len="med"/>
+                      <a:tailEnd type="none" w="med" len="med"/>
+                    </a:lnT>
+                    <a:lnB w="12700" cap="flat" cmpd="sng" algn="ctr">
+                      <a:solidFill>
+                        <a:srgbClr val="000000"/>
+                      </a:solidFill>
+                      <a:prstDash val="solid"/>
+                      <a:round/>
+                      <a:headEnd type="none" w="med" len="med"/>
+                      <a:tailEnd type="none" w="med" len="med"/>
+                    </a:lnB>
+                  </a:tcPr>
+                </a:tc>
+                <a:tc>
+                  <a:txBody>
+                    <a:bodyPr/>
+                    <a:lstStyle/>
+                    <a:p>
+                      <a:pPr algn="l" fontAlgn="t">
+                        <a:lnSpc>
+                          <a:spcPct val="107000"/>
+                        </a:lnSpc>
+                        <a:spcBef>
+                          <a:spcPts val="0"/>
+                        </a:spcBef>
+                        <a:spcAft>
+                          <a:spcPts val="800"/>
+                        </a:spcAft>
+                      </a:pPr>
+                      <a:r>
+                        <a:rPr lang="de-DE" sz="1600" b="0" i="0" u="none" strike="noStrike" dirty="0">
+                          <a:effectLst/>
+                          <a:latin typeface="Calibri" panose="020F0502020204030204" pitchFamily="34" charset="0"/>
+                          <a:ea typeface="Calibri" panose="020F0502020204030204" pitchFamily="34" charset="0"/>
+                          <a:cs typeface="Times New Roman" panose="02020603050405020304" pitchFamily="18" charset="0"/>
+                        </a:rPr>
+                        <a:t> </a:t>
+                      </a:r>
+                      <a:endParaRPr lang="de-DE" sz="2900" b="0" i="0" u="none" strike="noStrike" dirty="0">
+                        <a:effectLst/>
+                        <a:latin typeface="Arial" panose="020B0604020202020204" pitchFamily="34" charset="0"/>
+                      </a:endParaRPr>
+                    </a:p>
+                  </a:txBody>
+                  <a:tcPr marL="108842" marR="108842" marT="15117" marB="0">
+                    <a:lnL w="12700" cap="flat" cmpd="sng" algn="ctr">
+                      <a:solidFill>
+                        <a:srgbClr val="000000"/>
+                      </a:solidFill>
+                      <a:prstDash val="solid"/>
+                      <a:round/>
+                      <a:headEnd type="none" w="med" len="med"/>
+                      <a:tailEnd type="none" w="med" len="med"/>
+                    </a:lnL>
+                    <a:lnR w="12700" cap="flat" cmpd="sng" algn="ctr">
+                      <a:solidFill>
+                        <a:srgbClr val="000000"/>
+                      </a:solidFill>
+                      <a:prstDash val="solid"/>
+                      <a:round/>
+                      <a:headEnd type="none" w="med" len="med"/>
+                      <a:tailEnd type="none" w="med" len="med"/>
+                    </a:lnR>
+                    <a:lnT w="12700" cap="flat" cmpd="sng" algn="ctr">
+                      <a:solidFill>
+                        <a:srgbClr val="000000"/>
+                      </a:solidFill>
+                      <a:prstDash val="solid"/>
+                      <a:round/>
+                      <a:headEnd type="none" w="med" len="med"/>
+                      <a:tailEnd type="none" w="med" len="med"/>
+                    </a:lnT>
+                    <a:lnB w="12700" cap="flat" cmpd="sng" algn="ctr">
+                      <a:solidFill>
+                        <a:srgbClr val="000000"/>
+                      </a:solidFill>
+                      <a:prstDash val="solid"/>
+                      <a:round/>
+                      <a:headEnd type="none" w="med" len="med"/>
+                      <a:tailEnd type="none" w="med" len="med"/>
+                    </a:lnB>
+                  </a:tcPr>
+                </a:tc>
+                <a:tc>
+                  <a:txBody>
+                    <a:bodyPr/>
+                    <a:lstStyle/>
+                    <a:p>
+                      <a:pPr algn="l" fontAlgn="t">
+                        <a:lnSpc>
+                          <a:spcPct val="107000"/>
+                        </a:lnSpc>
+                        <a:spcBef>
+                          <a:spcPts val="0"/>
+                        </a:spcBef>
+                        <a:spcAft>
+                          <a:spcPts val="800"/>
+                        </a:spcAft>
+                      </a:pPr>
+                      <a:endParaRPr lang="de-DE" sz="1600" b="0" i="0" u="none" strike="noStrike" kern="1200" dirty="0">
+                        <a:solidFill>
+                          <a:schemeClr val="tx1"/>
+                        </a:solidFill>
+                        <a:effectLst/>
+                        <a:latin typeface="Calibri" panose="020F0502020204030204" pitchFamily="34" charset="0"/>
+                        <a:cs typeface="Times New Roman" panose="02020603050405020304" pitchFamily="18" charset="0"/>
+                      </a:endParaRPr>
+                    </a:p>
+                  </a:txBody>
+                  <a:tcPr marL="108842" marR="108842" marT="15117" marB="0">
+                    <a:lnL w="12700" cap="flat" cmpd="sng" algn="ctr">
+                      <a:solidFill>
+                        <a:srgbClr val="000000"/>
+                      </a:solidFill>
+                      <a:prstDash val="solid"/>
+                      <a:round/>
+                      <a:headEnd type="none" w="med" len="med"/>
+                      <a:tailEnd type="none" w="med" len="med"/>
+                    </a:lnL>
+                    <a:lnR w="12700" cap="flat" cmpd="sng" algn="ctr">
+                      <a:solidFill>
+                        <a:srgbClr val="000000"/>
+                      </a:solidFill>
+                      <a:prstDash val="solid"/>
+                      <a:round/>
+                      <a:headEnd type="none" w="med" len="med"/>
+                      <a:tailEnd type="none" w="med" len="med"/>
+                    </a:lnR>
+                    <a:lnT w="12700" cap="flat" cmpd="sng" algn="ctr">
+                      <a:solidFill>
+                        <a:srgbClr val="000000"/>
+                      </a:solidFill>
+                      <a:prstDash val="solid"/>
+                      <a:round/>
+                      <a:headEnd type="none" w="med" len="med"/>
+                      <a:tailEnd type="none" w="med" len="med"/>
+                    </a:lnT>
+                    <a:lnB w="12700" cap="flat" cmpd="sng" algn="ctr">
+                      <a:solidFill>
+                        <a:srgbClr val="000000"/>
+                      </a:solidFill>
+                      <a:prstDash val="solid"/>
+                      <a:round/>
+                      <a:headEnd type="none" w="med" len="med"/>
+                      <a:tailEnd type="none" w="med" len="med"/>
+                    </a:lnB>
+                  </a:tcPr>
+                </a:tc>
+                <a:tc>
+                  <a:txBody>
+                    <a:bodyPr/>
+                    <a:lstStyle/>
+                    <a:p>
+                      <a:pPr algn="l" fontAlgn="t">
+                        <a:lnSpc>
+                          <a:spcPct val="107000"/>
+                        </a:lnSpc>
+                        <a:spcBef>
+                          <a:spcPts val="0"/>
+                        </a:spcBef>
+                        <a:spcAft>
+                          <a:spcPts val="800"/>
+                        </a:spcAft>
+                      </a:pPr>
+                      <a:endParaRPr lang="de-DE" sz="1600" b="0" i="0" u="none" strike="noStrike" kern="1200" dirty="0">
+                        <a:solidFill>
+                          <a:schemeClr val="tx1"/>
+                        </a:solidFill>
+                        <a:effectLst/>
+                        <a:latin typeface="Calibri" panose="020F0502020204030204" pitchFamily="34" charset="0"/>
+                        <a:cs typeface="Times New Roman" panose="02020603050405020304" pitchFamily="18" charset="0"/>
+                      </a:endParaRPr>
+                    </a:p>
+                  </a:txBody>
+                  <a:tcPr marL="108842" marR="108842" marT="15117" marB="0">
+                    <a:lnL w="12700" cap="flat" cmpd="sng" algn="ctr">
+                      <a:solidFill>
+                        <a:srgbClr val="000000"/>
+                      </a:solidFill>
+                      <a:prstDash val="solid"/>
+                      <a:round/>
+                      <a:headEnd type="none" w="med" len="med"/>
+                      <a:tailEnd type="none" w="med" len="med"/>
+                    </a:lnL>
+                    <a:lnR w="12700" cap="flat" cmpd="sng" algn="ctr">
+                      <a:solidFill>
+                        <a:srgbClr val="000000"/>
+                      </a:solidFill>
+                      <a:prstDash val="solid"/>
+                      <a:round/>
+                      <a:headEnd type="none" w="med" len="med"/>
+                      <a:tailEnd type="none" w="med" len="med"/>
+                    </a:lnR>
+                    <a:lnT w="12700" cap="flat" cmpd="sng" algn="ctr">
+                      <a:solidFill>
+                        <a:srgbClr val="000000"/>
+                      </a:solidFill>
+                      <a:prstDash val="solid"/>
+                      <a:round/>
+                      <a:headEnd type="none" w="med" len="med"/>
+                      <a:tailEnd type="none" w="med" len="med"/>
+                    </a:lnT>
+                    <a:lnB w="12700" cap="flat" cmpd="sng" algn="ctr">
+                      <a:solidFill>
+                        <a:srgbClr val="000000"/>
+                      </a:solidFill>
+                      <a:prstDash val="solid"/>
+                      <a:round/>
+                      <a:headEnd type="none" w="med" len="med"/>
+                      <a:tailEnd type="none" w="med" len="med"/>
+                    </a:lnB>
+                  </a:tcPr>
+                </a:tc>
+                <a:extLst>
+                  <a:ext uri="{0D108BD9-81ED-4DB2-BD59-A6C34878D82A}">
+                    <a16:rowId xmlns:a16="http://schemas.microsoft.com/office/drawing/2014/main" val="2564595019"/>
+                  </a:ext>
+                </a:extLst>
+              </a:tr>
+              <a:tr h="554536">
+                <a:tc>
+                  <a:txBody>
+                    <a:bodyPr/>
+                    <a:lstStyle/>
+                    <a:p>
+                      <a:pPr algn="l" fontAlgn="t">
+                        <a:lnSpc>
+                          <a:spcPct val="107000"/>
+                        </a:lnSpc>
+                        <a:spcBef>
+                          <a:spcPts val="0"/>
+                        </a:spcBef>
+                        <a:spcAft>
+                          <a:spcPts val="800"/>
+                        </a:spcAft>
+                      </a:pPr>
+                      <a:r>
+                        <a:rPr lang="de-DE" sz="1600" b="0" i="0" u="none" strike="noStrike" dirty="0">
+                          <a:effectLst/>
+                          <a:latin typeface="Calibri" panose="020F0502020204030204" pitchFamily="34" charset="0"/>
+                          <a:ea typeface="Calibri" panose="020F0502020204030204" pitchFamily="34" charset="0"/>
+                          <a:cs typeface="Times New Roman" panose="02020603050405020304" pitchFamily="18" charset="0"/>
+                        </a:rPr>
+                        <a:t>Projekt wird nicht fertig gestellt</a:t>
+                      </a:r>
+                      <a:endParaRPr lang="de-DE" sz="2900" b="0" i="0" u="none" strike="noStrike" dirty="0">
+                        <a:effectLst/>
+                        <a:latin typeface="Arial" panose="020B0604020202020204" pitchFamily="34" charset="0"/>
+                      </a:endParaRPr>
+                    </a:p>
+                  </a:txBody>
+                  <a:tcPr marL="108842" marR="108842" marT="15117" marB="0">
+                    <a:lnL w="12700" cap="flat" cmpd="sng" algn="ctr">
+                      <a:solidFill>
+                        <a:srgbClr val="000000"/>
+                      </a:solidFill>
+                      <a:prstDash val="solid"/>
+                      <a:round/>
+                      <a:headEnd type="none" w="med" len="med"/>
+                      <a:tailEnd type="none" w="med" len="med"/>
+                    </a:lnL>
+                    <a:lnR w="12700" cap="flat" cmpd="sng" algn="ctr">
+                      <a:solidFill>
+                        <a:srgbClr val="000000"/>
+                      </a:solidFill>
+                      <a:prstDash val="solid"/>
+                      <a:round/>
+                      <a:headEnd type="none" w="med" len="med"/>
+                      <a:tailEnd type="none" w="med" len="med"/>
+                    </a:lnR>
+                    <a:lnT w="12700" cap="flat" cmpd="sng" algn="ctr">
+                      <a:solidFill>
+                        <a:srgbClr val="000000"/>
+                      </a:solidFill>
+                      <a:prstDash val="solid"/>
+                      <a:round/>
+                      <a:headEnd type="none" w="med" len="med"/>
+                      <a:tailEnd type="none" w="med" len="med"/>
+                    </a:lnT>
+                    <a:lnB w="12700" cap="flat" cmpd="sng" algn="ctr">
+                      <a:solidFill>
+                        <a:srgbClr val="000000"/>
+                      </a:solidFill>
+                      <a:prstDash val="solid"/>
+                      <a:round/>
+                      <a:headEnd type="none" w="med" len="med"/>
+                      <a:tailEnd type="none" w="med" len="med"/>
+                    </a:lnB>
+                    <a:noFill/>
+                  </a:tcPr>
+                </a:tc>
+                <a:tc>
+                  <a:txBody>
+                    <a:bodyPr/>
+                    <a:lstStyle/>
+                    <a:p>
+                      <a:pPr algn="l" fontAlgn="t">
+                        <a:lnSpc>
+                          <a:spcPct val="107000"/>
+                        </a:lnSpc>
+                        <a:spcBef>
+                          <a:spcPts val="0"/>
+                        </a:spcBef>
+                        <a:spcAft>
+                          <a:spcPts val="800"/>
+                        </a:spcAft>
+                      </a:pPr>
+                      <a:r>
+                        <a:rPr lang="de-DE" sz="1600" b="0" i="0" u="none" strike="noStrike" dirty="0">
+                          <a:effectLst/>
+                          <a:latin typeface="Calibri" panose="020F0502020204030204" pitchFamily="34" charset="0"/>
+                          <a:ea typeface="Calibri" panose="020F0502020204030204" pitchFamily="34" charset="0"/>
+                          <a:cs typeface="Times New Roman" panose="02020603050405020304" pitchFamily="18" charset="0"/>
+                        </a:rPr>
+                        <a:t>Zeitmangel, Kapazitätsmangel</a:t>
+                      </a:r>
+                      <a:endParaRPr lang="de-DE" sz="2900" b="0" i="0" u="none" strike="noStrike" dirty="0">
+                        <a:effectLst/>
+                        <a:latin typeface="Arial" panose="020B0604020202020204" pitchFamily="34" charset="0"/>
+                      </a:endParaRPr>
+                    </a:p>
+                  </a:txBody>
+                  <a:tcPr marL="108842" marR="108842" marT="15117" marB="0">
+                    <a:lnL w="12700" cap="flat" cmpd="sng" algn="ctr">
+                      <a:solidFill>
+                        <a:srgbClr val="000000"/>
+                      </a:solidFill>
+                      <a:prstDash val="solid"/>
+                      <a:round/>
+                      <a:headEnd type="none" w="med" len="med"/>
+                      <a:tailEnd type="none" w="med" len="med"/>
+                    </a:lnL>
+                    <a:lnR w="12700" cap="flat" cmpd="sng" algn="ctr">
+                      <a:solidFill>
+                        <a:srgbClr val="000000"/>
+                      </a:solidFill>
+                      <a:prstDash val="solid"/>
+                      <a:round/>
+                      <a:headEnd type="none" w="med" len="med"/>
+                      <a:tailEnd type="none" w="med" len="med"/>
+                    </a:lnR>
+                    <a:lnT w="12700" cap="flat" cmpd="sng" algn="ctr">
+                      <a:solidFill>
+                        <a:srgbClr val="000000"/>
+                      </a:solidFill>
+                      <a:prstDash val="solid"/>
+                      <a:round/>
+                      <a:headEnd type="none" w="med" len="med"/>
+                      <a:tailEnd type="none" w="med" len="med"/>
+                    </a:lnT>
+                    <a:lnB w="12700" cap="flat" cmpd="sng" algn="ctr">
+                      <a:solidFill>
+                        <a:srgbClr val="000000"/>
+                      </a:solidFill>
+                      <a:prstDash val="solid"/>
+                      <a:round/>
+                      <a:headEnd type="none" w="med" len="med"/>
+                      <a:tailEnd type="none" w="med" len="med"/>
+                    </a:lnB>
+                  </a:tcPr>
+                </a:tc>
+                <a:tc>
+                  <a:txBody>
+                    <a:bodyPr/>
+                    <a:lstStyle/>
+                    <a:p>
+                      <a:pPr algn="l" fontAlgn="t">
+                        <a:lnSpc>
+                          <a:spcPct val="107000"/>
+                        </a:lnSpc>
+                        <a:spcBef>
+                          <a:spcPts val="0"/>
+                        </a:spcBef>
+                        <a:spcAft>
+                          <a:spcPts val="800"/>
+                        </a:spcAft>
+                      </a:pPr>
+                      <a:r>
+                        <a:rPr lang="de-DE" sz="1600" b="0" i="0" u="none" strike="noStrike" dirty="0">
+                          <a:effectLst/>
+                          <a:latin typeface="Calibri" panose="020F0502020204030204" pitchFamily="34" charset="0"/>
+                          <a:ea typeface="Calibri" panose="020F0502020204030204" pitchFamily="34" charset="0"/>
+                          <a:cs typeface="Times New Roman" panose="02020603050405020304" pitchFamily="18" charset="0"/>
+                        </a:rPr>
+                        <a:t>Frühzeitiges Erkennen von Rückständen</a:t>
+                      </a:r>
+                      <a:endParaRPr lang="de-DE" sz="2900" b="0" i="0" u="none" strike="noStrike" dirty="0">
+                        <a:effectLst/>
+                        <a:latin typeface="Arial" panose="020B0604020202020204" pitchFamily="34" charset="0"/>
+                      </a:endParaRPr>
+                    </a:p>
+                  </a:txBody>
+                  <a:tcPr marL="108842" marR="108842" marT="15117" marB="0">
+                    <a:lnL w="12700" cap="flat" cmpd="sng" algn="ctr">
+                      <a:solidFill>
+                        <a:srgbClr val="000000"/>
+                      </a:solidFill>
+                      <a:prstDash val="solid"/>
+                      <a:round/>
+                      <a:headEnd type="none" w="med" len="med"/>
+                      <a:tailEnd type="none" w="med" len="med"/>
+                    </a:lnL>
+                    <a:lnR w="12700" cap="flat" cmpd="sng" algn="ctr">
+                      <a:solidFill>
+                        <a:srgbClr val="000000"/>
+                      </a:solidFill>
+                      <a:prstDash val="solid"/>
+                      <a:round/>
+                      <a:headEnd type="none" w="med" len="med"/>
+                      <a:tailEnd type="none" w="med" len="med"/>
+                    </a:lnR>
+                    <a:lnT w="12700" cap="flat" cmpd="sng" algn="ctr">
+                      <a:solidFill>
+                        <a:srgbClr val="000000"/>
+                      </a:solidFill>
+                      <a:prstDash val="solid"/>
+                      <a:round/>
+                      <a:headEnd type="none" w="med" len="med"/>
+                      <a:tailEnd type="none" w="med" len="med"/>
+                    </a:lnT>
+                    <a:lnB w="12700" cap="flat" cmpd="sng" algn="ctr">
+                      <a:solidFill>
+                        <a:srgbClr val="000000"/>
+                      </a:solidFill>
+                      <a:prstDash val="solid"/>
+                      <a:round/>
+                      <a:headEnd type="none" w="med" len="med"/>
+                      <a:tailEnd type="none" w="med" len="med"/>
+                    </a:lnB>
+                  </a:tcPr>
+                </a:tc>
+                <a:tc>
+                  <a:txBody>
+                    <a:bodyPr/>
+                    <a:lstStyle/>
+                    <a:p>
+                      <a:pPr algn="l" fontAlgn="t">
+                        <a:lnSpc>
+                          <a:spcPct val="107000"/>
+                        </a:lnSpc>
+                        <a:spcBef>
+                          <a:spcPts val="0"/>
+                        </a:spcBef>
+                        <a:spcAft>
+                          <a:spcPts val="800"/>
+                        </a:spcAft>
+                      </a:pPr>
+                      <a:r>
+                        <a:rPr lang="de-DE" sz="1600" b="0" i="0" u="none" strike="noStrike" dirty="0">
+                          <a:effectLst/>
+                          <a:latin typeface="Calibri" panose="020F0502020204030204" pitchFamily="34" charset="0"/>
+                          <a:ea typeface="Calibri" panose="020F0502020204030204" pitchFamily="34" charset="0"/>
+                          <a:cs typeface="Times New Roman" panose="02020603050405020304" pitchFamily="18" charset="0"/>
+                        </a:rPr>
+                        <a:t> 6</a:t>
+                      </a:r>
+                      <a:endParaRPr lang="de-DE" sz="2900" b="0" i="0" u="none" strike="noStrike" dirty="0">
+                        <a:effectLst/>
+                        <a:latin typeface="Arial" panose="020B0604020202020204" pitchFamily="34" charset="0"/>
+                      </a:endParaRPr>
+                    </a:p>
+                  </a:txBody>
+                  <a:tcPr marL="108842" marR="108842" marT="15117" marB="0">
+                    <a:lnL w="12700" cap="flat" cmpd="sng" algn="ctr">
+                      <a:solidFill>
+                        <a:srgbClr val="000000"/>
+                      </a:solidFill>
+                      <a:prstDash val="solid"/>
+                      <a:round/>
+                      <a:headEnd type="none" w="med" len="med"/>
+                      <a:tailEnd type="none" w="med" len="med"/>
+                    </a:lnL>
+                    <a:lnR w="12700" cap="flat" cmpd="sng" algn="ctr">
+                      <a:solidFill>
+                        <a:srgbClr val="000000"/>
+                      </a:solidFill>
+                      <a:prstDash val="solid"/>
+                      <a:round/>
+                      <a:headEnd type="none" w="med" len="med"/>
+                      <a:tailEnd type="none" w="med" len="med"/>
+                    </a:lnR>
+                    <a:lnT w="12700" cap="flat" cmpd="sng" algn="ctr">
+                      <a:solidFill>
+                        <a:srgbClr val="000000"/>
+                      </a:solidFill>
+                      <a:prstDash val="solid"/>
+                      <a:round/>
+                      <a:headEnd type="none" w="med" len="med"/>
+                      <a:tailEnd type="none" w="med" len="med"/>
+                    </a:lnT>
+                    <a:lnB w="12700" cap="flat" cmpd="sng" algn="ctr">
+                      <a:solidFill>
+                        <a:srgbClr val="000000"/>
+                      </a:solidFill>
+                      <a:prstDash val="solid"/>
+                      <a:round/>
+                      <a:headEnd type="none" w="med" len="med"/>
+                      <a:tailEnd type="none" w="med" len="med"/>
+                    </a:lnB>
+                    <a:solidFill>
+                      <a:schemeClr val="bg1"/>
+                    </a:solidFill>
+                  </a:tcPr>
+                </a:tc>
+                <a:tc>
+                  <a:txBody>
+                    <a:bodyPr/>
+                    <a:lstStyle/>
+                    <a:p>
+                      <a:pPr algn="l" fontAlgn="t">
+                        <a:lnSpc>
+                          <a:spcPct val="107000"/>
+                        </a:lnSpc>
+                        <a:spcBef>
+                          <a:spcPts val="0"/>
+                        </a:spcBef>
+                        <a:spcAft>
+                          <a:spcPts val="800"/>
+                        </a:spcAft>
+                      </a:pPr>
+                      <a:r>
+                        <a:rPr lang="de-DE" sz="1600" b="0" i="0" u="none" strike="noStrike" kern="1200" dirty="0">
+                          <a:solidFill>
+                            <a:schemeClr val="tx1"/>
+                          </a:solidFill>
+                          <a:effectLst/>
+                          <a:latin typeface="Calibri" panose="020F0502020204030204" pitchFamily="34" charset="0"/>
+                          <a:cs typeface="Times New Roman" panose="02020603050405020304" pitchFamily="18" charset="0"/>
+                        </a:rPr>
+                        <a:t>10</a:t>
+                      </a:r>
+                    </a:p>
+                  </a:txBody>
+                  <a:tcPr marL="108842" marR="108842" marT="15117" marB="0">
+                    <a:lnL w="12700" cap="flat" cmpd="sng" algn="ctr">
+                      <a:solidFill>
+                        <a:srgbClr val="000000"/>
+                      </a:solidFill>
+                      <a:prstDash val="solid"/>
+                      <a:round/>
+                      <a:headEnd type="none" w="med" len="med"/>
+                      <a:tailEnd type="none" w="med" len="med"/>
+                    </a:lnL>
+                    <a:lnR w="12700" cap="flat" cmpd="sng" algn="ctr">
+                      <a:solidFill>
+                        <a:srgbClr val="000000"/>
+                      </a:solidFill>
+                      <a:prstDash val="solid"/>
+                      <a:round/>
+                      <a:headEnd type="none" w="med" len="med"/>
+                      <a:tailEnd type="none" w="med" len="med"/>
+                    </a:lnR>
+                    <a:lnT w="12700" cap="flat" cmpd="sng" algn="ctr">
+                      <a:solidFill>
+                        <a:srgbClr val="000000"/>
+                      </a:solidFill>
+                      <a:prstDash val="solid"/>
+                      <a:round/>
+                      <a:headEnd type="none" w="med" len="med"/>
+                      <a:tailEnd type="none" w="med" len="med"/>
+                    </a:lnT>
+                    <a:lnB w="12700" cap="flat" cmpd="sng" algn="ctr">
+                      <a:solidFill>
+                        <a:srgbClr val="000000"/>
+                      </a:solidFill>
+                      <a:prstDash val="solid"/>
+                      <a:round/>
+                      <a:headEnd type="none" w="med" len="med"/>
+                      <a:tailEnd type="none" w="med" len="med"/>
+                    </a:lnB>
+                    <a:noFill/>
+                  </a:tcPr>
+                </a:tc>
+                <a:tc>
+                  <a:txBody>
+                    <a:bodyPr/>
+                    <a:lstStyle/>
+                    <a:p>
+                      <a:pPr algn="l" fontAlgn="t">
+                        <a:lnSpc>
+                          <a:spcPct val="107000"/>
+                        </a:lnSpc>
+                        <a:spcBef>
+                          <a:spcPts val="0"/>
+                        </a:spcBef>
+                        <a:spcAft>
+                          <a:spcPts val="800"/>
+                        </a:spcAft>
+                      </a:pPr>
+                      <a:r>
+                        <a:rPr lang="de-DE" sz="1600" b="0" i="0" u="none" strike="noStrike" kern="1200" dirty="0">
+                          <a:solidFill>
+                            <a:schemeClr val="tx1"/>
+                          </a:solidFill>
+                          <a:effectLst/>
+                          <a:latin typeface="Calibri" panose="020F0502020204030204" pitchFamily="34" charset="0"/>
+                          <a:cs typeface="Times New Roman" panose="02020603050405020304" pitchFamily="18" charset="0"/>
+                        </a:rPr>
+                        <a:t>60</a:t>
+                      </a:r>
+                    </a:p>
+                  </a:txBody>
+                  <a:tcPr marL="108842" marR="108842" marT="15117" marB="0">
+                    <a:lnL w="12700" cap="flat" cmpd="sng" algn="ctr">
+                      <a:solidFill>
+                        <a:srgbClr val="000000"/>
+                      </a:solidFill>
+                      <a:prstDash val="solid"/>
+                      <a:round/>
+                      <a:headEnd type="none" w="med" len="med"/>
+                      <a:tailEnd type="none" w="med" len="med"/>
+                    </a:lnL>
+                    <a:lnR w="12700" cap="flat" cmpd="sng" algn="ctr">
+                      <a:solidFill>
+                        <a:srgbClr val="000000"/>
+                      </a:solidFill>
+                      <a:prstDash val="solid"/>
+                      <a:round/>
+                      <a:headEnd type="none" w="med" len="med"/>
+                      <a:tailEnd type="none" w="med" len="med"/>
+                    </a:lnR>
+                    <a:lnT w="12700" cap="flat" cmpd="sng" algn="ctr">
+                      <a:solidFill>
+                        <a:srgbClr val="000000"/>
+                      </a:solidFill>
+                      <a:prstDash val="solid"/>
+                      <a:round/>
+                      <a:headEnd type="none" w="med" len="med"/>
+                      <a:tailEnd type="none" w="med" len="med"/>
+                    </a:lnT>
+                    <a:lnB w="12700" cap="flat" cmpd="sng" algn="ctr">
+                      <a:solidFill>
+                        <a:srgbClr val="000000"/>
+                      </a:solidFill>
+                      <a:prstDash val="solid"/>
+                      <a:round/>
+                      <a:headEnd type="none" w="med" len="med"/>
+                      <a:tailEnd type="none" w="med" len="med"/>
+                    </a:lnB>
+                    <a:noFill/>
+                  </a:tcPr>
+                </a:tc>
+                <a:extLst>
+                  <a:ext uri="{0D108BD9-81ED-4DB2-BD59-A6C34878D82A}">
+                    <a16:rowId xmlns:a16="http://schemas.microsoft.com/office/drawing/2014/main" val="2187251753"/>
+                  </a:ext>
+                </a:extLst>
+              </a:tr>
+              <a:tr h="554536">
+                <a:tc>
+                  <a:txBody>
+                    <a:bodyPr/>
+                    <a:lstStyle/>
+                    <a:p>
+                      <a:pPr algn="l" fontAlgn="t">
+                        <a:lnSpc>
+                          <a:spcPct val="107000"/>
+                        </a:lnSpc>
+                        <a:spcBef>
+                          <a:spcPts val="0"/>
+                        </a:spcBef>
+                        <a:spcAft>
+                          <a:spcPts val="800"/>
+                        </a:spcAft>
+                      </a:pPr>
+                      <a:r>
+                        <a:rPr lang="de-DE" sz="1600" b="0" i="0" u="none" strike="noStrike" dirty="0">
+                          <a:effectLst/>
+                          <a:latin typeface="Calibri" panose="020F0502020204030204" pitchFamily="34" charset="0"/>
+                          <a:ea typeface="Calibri" panose="020F0502020204030204" pitchFamily="34" charset="0"/>
+                          <a:cs typeface="Times New Roman" panose="02020603050405020304" pitchFamily="18" charset="0"/>
+                        </a:rPr>
+                        <a:t>System misst falsch oder gar nicht</a:t>
+                      </a:r>
+                      <a:endParaRPr lang="de-DE" sz="2900" b="0" i="0" u="none" strike="noStrike" dirty="0">
+                        <a:effectLst/>
+                        <a:latin typeface="Arial" panose="020B0604020202020204" pitchFamily="34" charset="0"/>
+                      </a:endParaRPr>
+                    </a:p>
+                  </a:txBody>
+                  <a:tcPr marL="108842" marR="108842" marT="15117" marB="0">
+                    <a:lnL w="12700" cap="flat" cmpd="sng" algn="ctr">
+                      <a:solidFill>
+                        <a:srgbClr val="000000"/>
+                      </a:solidFill>
+                      <a:prstDash val="solid"/>
+                      <a:round/>
+                      <a:headEnd type="none" w="med" len="med"/>
+                      <a:tailEnd type="none" w="med" len="med"/>
+                    </a:lnL>
+                    <a:lnR w="12700" cap="flat" cmpd="sng" algn="ctr">
+                      <a:solidFill>
+                        <a:srgbClr val="000000"/>
+                      </a:solidFill>
+                      <a:prstDash val="solid"/>
+                      <a:round/>
+                      <a:headEnd type="none" w="med" len="med"/>
+                      <a:tailEnd type="none" w="med" len="med"/>
+                    </a:lnR>
+                    <a:lnT w="12700" cap="flat" cmpd="sng" algn="ctr">
+                      <a:solidFill>
+                        <a:srgbClr val="000000"/>
+                      </a:solidFill>
+                      <a:prstDash val="solid"/>
+                      <a:round/>
+                      <a:headEnd type="none" w="med" len="med"/>
+                      <a:tailEnd type="none" w="med" len="med"/>
+                    </a:lnT>
+                    <a:lnB w="12700" cap="flat" cmpd="sng" algn="ctr">
+                      <a:solidFill>
+                        <a:srgbClr val="000000"/>
+                      </a:solidFill>
+                      <a:prstDash val="solid"/>
+                      <a:round/>
+                      <a:headEnd type="none" w="med" len="med"/>
+                      <a:tailEnd type="none" w="med" len="med"/>
+                    </a:lnB>
+                  </a:tcPr>
+                </a:tc>
+                <a:tc>
+                  <a:txBody>
+                    <a:bodyPr/>
+                    <a:lstStyle/>
+                    <a:p>
+                      <a:pPr algn="l" fontAlgn="t">
+                        <a:lnSpc>
+                          <a:spcPct val="107000"/>
+                        </a:lnSpc>
+                        <a:spcBef>
+                          <a:spcPts val="0"/>
+                        </a:spcBef>
+                        <a:spcAft>
+                          <a:spcPts val="800"/>
+                        </a:spcAft>
+                      </a:pPr>
+                      <a:r>
+                        <a:rPr lang="de-DE" sz="1600" b="0" i="0" u="none" strike="noStrike" dirty="0">
+                          <a:effectLst/>
+                          <a:latin typeface="Calibri" panose="020F0502020204030204" pitchFamily="34" charset="0"/>
+                          <a:ea typeface="Calibri" panose="020F0502020204030204" pitchFamily="34" charset="0"/>
+                          <a:cs typeface="Times New Roman" panose="02020603050405020304" pitchFamily="18" charset="0"/>
+                        </a:rPr>
+                        <a:t>Ungenauigkeiten, Messergebnisse, Logik</a:t>
+                      </a:r>
+                      <a:endParaRPr lang="de-DE" sz="2900" b="0" i="0" u="none" strike="noStrike" dirty="0">
+                        <a:effectLst/>
+                        <a:latin typeface="Arial" panose="020B0604020202020204" pitchFamily="34" charset="0"/>
+                      </a:endParaRPr>
+                    </a:p>
+                  </a:txBody>
+                  <a:tcPr marL="108842" marR="108842" marT="15117" marB="0">
+                    <a:lnL w="12700" cap="flat" cmpd="sng" algn="ctr">
+                      <a:solidFill>
+                        <a:srgbClr val="000000"/>
+                      </a:solidFill>
+                      <a:prstDash val="solid"/>
+                      <a:round/>
+                      <a:headEnd type="none" w="med" len="med"/>
+                      <a:tailEnd type="none" w="med" len="med"/>
+                    </a:lnL>
+                    <a:lnR w="12700" cap="flat" cmpd="sng" algn="ctr">
+                      <a:solidFill>
+                        <a:srgbClr val="000000"/>
+                      </a:solidFill>
+                      <a:prstDash val="solid"/>
+                      <a:round/>
+                      <a:headEnd type="none" w="med" len="med"/>
+                      <a:tailEnd type="none" w="med" len="med"/>
+                    </a:lnR>
+                    <a:lnT w="12700" cap="flat" cmpd="sng" algn="ctr">
+                      <a:solidFill>
+                        <a:srgbClr val="000000"/>
+                      </a:solidFill>
+                      <a:prstDash val="solid"/>
+                      <a:round/>
+                      <a:headEnd type="none" w="med" len="med"/>
+                      <a:tailEnd type="none" w="med" len="med"/>
+                    </a:lnT>
+                    <a:lnB w="12700" cap="flat" cmpd="sng" algn="ctr">
+                      <a:solidFill>
+                        <a:srgbClr val="000000"/>
+                      </a:solidFill>
+                      <a:prstDash val="solid"/>
+                      <a:round/>
+                      <a:headEnd type="none" w="med" len="med"/>
+                      <a:tailEnd type="none" w="med" len="med"/>
+                    </a:lnB>
+                  </a:tcPr>
+                </a:tc>
+                <a:tc>
+                  <a:txBody>
+                    <a:bodyPr/>
+                    <a:lstStyle/>
+                    <a:p>
+                      <a:pPr algn="l" fontAlgn="t">
+                        <a:lnSpc>
+                          <a:spcPct val="107000"/>
+                        </a:lnSpc>
+                        <a:spcBef>
+                          <a:spcPts val="0"/>
+                        </a:spcBef>
+                        <a:spcAft>
+                          <a:spcPts val="800"/>
+                        </a:spcAft>
+                      </a:pPr>
+                      <a:r>
+                        <a:rPr lang="de-DE" sz="1600" b="0" i="0" u="none" strike="noStrike" dirty="0">
+                          <a:effectLst/>
+                          <a:latin typeface="Calibri" panose="020F0502020204030204" pitchFamily="34" charset="0"/>
+                          <a:ea typeface="Calibri" panose="020F0502020204030204" pitchFamily="34" charset="0"/>
+                          <a:cs typeface="Times New Roman" panose="02020603050405020304" pitchFamily="18" charset="0"/>
+                        </a:rPr>
+                        <a:t>Frühes Ausprobieren von Teilsystemen</a:t>
+                      </a:r>
+                      <a:endParaRPr lang="de-DE" sz="2900" b="0" i="0" u="none" strike="noStrike" dirty="0">
+                        <a:effectLst/>
+                        <a:latin typeface="Arial" panose="020B0604020202020204" pitchFamily="34" charset="0"/>
+                      </a:endParaRPr>
+                    </a:p>
+                  </a:txBody>
+                  <a:tcPr marL="108842" marR="108842" marT="15117" marB="0">
+                    <a:lnL w="12700" cap="flat" cmpd="sng" algn="ctr">
+                      <a:solidFill>
+                        <a:srgbClr val="000000"/>
+                      </a:solidFill>
+                      <a:prstDash val="solid"/>
+                      <a:round/>
+                      <a:headEnd type="none" w="med" len="med"/>
+                      <a:tailEnd type="none" w="med" len="med"/>
+                    </a:lnL>
+                    <a:lnR w="12700" cap="flat" cmpd="sng" algn="ctr">
+                      <a:solidFill>
+                        <a:srgbClr val="000000"/>
+                      </a:solidFill>
+                      <a:prstDash val="solid"/>
+                      <a:round/>
+                      <a:headEnd type="none" w="med" len="med"/>
+                      <a:tailEnd type="none" w="med" len="med"/>
+                    </a:lnR>
+                    <a:lnT w="12700" cap="flat" cmpd="sng" algn="ctr">
+                      <a:solidFill>
+                        <a:srgbClr val="000000"/>
+                      </a:solidFill>
+                      <a:prstDash val="solid"/>
+                      <a:round/>
+                      <a:headEnd type="none" w="med" len="med"/>
+                      <a:tailEnd type="none" w="med" len="med"/>
+                    </a:lnT>
+                    <a:lnB w="12700" cap="flat" cmpd="sng" algn="ctr">
+                      <a:solidFill>
+                        <a:srgbClr val="000000"/>
+                      </a:solidFill>
+                      <a:prstDash val="solid"/>
+                      <a:round/>
+                      <a:headEnd type="none" w="med" len="med"/>
+                      <a:tailEnd type="none" w="med" len="med"/>
+                    </a:lnB>
+                  </a:tcPr>
+                </a:tc>
+                <a:tc>
+                  <a:txBody>
+                    <a:bodyPr/>
+                    <a:lstStyle/>
+                    <a:p>
+                      <a:pPr algn="l" fontAlgn="t">
+                        <a:lnSpc>
+                          <a:spcPct val="107000"/>
+                        </a:lnSpc>
+                        <a:spcBef>
+                          <a:spcPts val="0"/>
+                        </a:spcBef>
+                        <a:spcAft>
+                          <a:spcPts val="800"/>
+                        </a:spcAft>
+                      </a:pPr>
+                      <a:r>
+                        <a:rPr lang="de-DE" sz="1600" b="0" i="0" u="none" strike="noStrike" dirty="0">
+                          <a:effectLst/>
+                          <a:latin typeface="Calibri" panose="020F0502020204030204" pitchFamily="34" charset="0"/>
+                          <a:ea typeface="Calibri" panose="020F0502020204030204" pitchFamily="34" charset="0"/>
+                          <a:cs typeface="Times New Roman" panose="02020603050405020304" pitchFamily="18" charset="0"/>
+                        </a:rPr>
+                        <a:t> 9</a:t>
+                      </a:r>
+                      <a:endParaRPr lang="de-DE" sz="2900" b="0" i="0" u="none" strike="noStrike" dirty="0">
+                        <a:effectLst/>
+                        <a:latin typeface="Arial" panose="020B0604020202020204" pitchFamily="34" charset="0"/>
+                      </a:endParaRPr>
+                    </a:p>
+                  </a:txBody>
+                  <a:tcPr marL="108842" marR="108842" marT="15117" marB="0">
+                    <a:lnL w="12700" cap="flat" cmpd="sng" algn="ctr">
+                      <a:solidFill>
+                        <a:srgbClr val="000000"/>
+                      </a:solidFill>
+                      <a:prstDash val="solid"/>
+                      <a:round/>
+                      <a:headEnd type="none" w="med" len="med"/>
+                      <a:tailEnd type="none" w="med" len="med"/>
+                    </a:lnL>
+                    <a:lnR w="12700" cap="flat" cmpd="sng" algn="ctr">
+                      <a:solidFill>
+                        <a:srgbClr val="000000"/>
+                      </a:solidFill>
+                      <a:prstDash val="solid"/>
+                      <a:round/>
+                      <a:headEnd type="none" w="med" len="med"/>
+                      <a:tailEnd type="none" w="med" len="med"/>
+                    </a:lnR>
+                    <a:lnT w="12700" cap="flat" cmpd="sng" algn="ctr">
+                      <a:solidFill>
+                        <a:srgbClr val="000000"/>
+                      </a:solidFill>
+                      <a:prstDash val="solid"/>
+                      <a:round/>
+                      <a:headEnd type="none" w="med" len="med"/>
+                      <a:tailEnd type="none" w="med" len="med"/>
+                    </a:lnT>
+                    <a:lnB w="12700" cap="flat" cmpd="sng" algn="ctr">
+                      <a:solidFill>
+                        <a:srgbClr val="000000"/>
+                      </a:solidFill>
+                      <a:prstDash val="solid"/>
+                      <a:round/>
+                      <a:headEnd type="none" w="med" len="med"/>
+                      <a:tailEnd type="none" w="med" len="med"/>
+                    </a:lnB>
+                    <a:solidFill>
+                      <a:schemeClr val="bg1"/>
+                    </a:solidFill>
+                  </a:tcPr>
+                </a:tc>
+                <a:tc>
+                  <a:txBody>
+                    <a:bodyPr/>
+                    <a:lstStyle/>
+                    <a:p>
+                      <a:pPr algn="l" fontAlgn="t">
+                        <a:lnSpc>
+                          <a:spcPct val="107000"/>
+                        </a:lnSpc>
+                        <a:spcBef>
+                          <a:spcPts val="0"/>
+                        </a:spcBef>
+                        <a:spcAft>
+                          <a:spcPts val="800"/>
+                        </a:spcAft>
+                      </a:pPr>
+                      <a:r>
+                        <a:rPr lang="de-DE" sz="1600" b="0" i="0" u="none" strike="noStrike" kern="1200" dirty="0">
+                          <a:solidFill>
+                            <a:schemeClr val="tx1"/>
+                          </a:solidFill>
+                          <a:effectLst/>
+                          <a:latin typeface="Calibri" panose="020F0502020204030204" pitchFamily="34" charset="0"/>
+                          <a:cs typeface="Times New Roman" panose="02020603050405020304" pitchFamily="18" charset="0"/>
+                        </a:rPr>
+                        <a:t>6</a:t>
+                      </a:r>
+                    </a:p>
+                  </a:txBody>
+                  <a:tcPr marL="108842" marR="108842" marT="15117" marB="0">
+                    <a:lnL w="12700" cap="flat" cmpd="sng" algn="ctr">
+                      <a:solidFill>
+                        <a:srgbClr val="000000"/>
+                      </a:solidFill>
+                      <a:prstDash val="solid"/>
+                      <a:round/>
+                      <a:headEnd type="none" w="med" len="med"/>
+                      <a:tailEnd type="none" w="med" len="med"/>
+                    </a:lnL>
+                    <a:lnR w="12700" cap="flat" cmpd="sng" algn="ctr">
+                      <a:solidFill>
+                        <a:srgbClr val="000000"/>
+                      </a:solidFill>
+                      <a:prstDash val="solid"/>
+                      <a:round/>
+                      <a:headEnd type="none" w="med" len="med"/>
+                      <a:tailEnd type="none" w="med" len="med"/>
+                    </a:lnR>
+                    <a:lnT w="12700" cap="flat" cmpd="sng" algn="ctr">
+                      <a:solidFill>
+                        <a:srgbClr val="000000"/>
+                      </a:solidFill>
+                      <a:prstDash val="solid"/>
+                      <a:round/>
+                      <a:headEnd type="none" w="med" len="med"/>
+                      <a:tailEnd type="none" w="med" len="med"/>
+                    </a:lnT>
+                    <a:lnB w="12700" cap="flat" cmpd="sng" algn="ctr">
+                      <a:solidFill>
+                        <a:srgbClr val="000000"/>
+                      </a:solidFill>
+                      <a:prstDash val="solid"/>
+                      <a:round/>
+                      <a:headEnd type="none" w="med" len="med"/>
+                      <a:tailEnd type="none" w="med" len="med"/>
+                    </a:lnB>
+                    <a:noFill/>
+                  </a:tcPr>
+                </a:tc>
+                <a:tc>
+                  <a:txBody>
+                    <a:bodyPr/>
+                    <a:lstStyle/>
+                    <a:p>
+                      <a:pPr algn="l" fontAlgn="t">
+                        <a:lnSpc>
+                          <a:spcPct val="107000"/>
+                        </a:lnSpc>
+                        <a:spcBef>
+                          <a:spcPts val="0"/>
+                        </a:spcBef>
+                        <a:spcAft>
+                          <a:spcPts val="800"/>
+                        </a:spcAft>
+                      </a:pPr>
+                      <a:r>
+                        <a:rPr lang="de-DE" sz="1600" b="0" i="0" u="none" strike="noStrike" kern="1200" dirty="0">
+                          <a:solidFill>
+                            <a:schemeClr val="tx1"/>
+                          </a:solidFill>
+                          <a:effectLst/>
+                          <a:latin typeface="Calibri" panose="020F0502020204030204" pitchFamily="34" charset="0"/>
+                          <a:cs typeface="Times New Roman" panose="02020603050405020304" pitchFamily="18" charset="0"/>
+                        </a:rPr>
+                        <a:t>54</a:t>
+                      </a:r>
+                    </a:p>
+                  </a:txBody>
+                  <a:tcPr marL="108842" marR="108842" marT="15117" marB="0">
+                    <a:lnL w="12700" cap="flat" cmpd="sng" algn="ctr">
+                      <a:solidFill>
+                        <a:srgbClr val="000000"/>
+                      </a:solidFill>
+                      <a:prstDash val="solid"/>
+                      <a:round/>
+                      <a:headEnd type="none" w="med" len="med"/>
+                      <a:tailEnd type="none" w="med" len="med"/>
+                    </a:lnL>
+                    <a:lnR w="12700" cap="flat" cmpd="sng" algn="ctr">
+                      <a:solidFill>
+                        <a:srgbClr val="000000"/>
+                      </a:solidFill>
+                      <a:prstDash val="solid"/>
+                      <a:round/>
+                      <a:headEnd type="none" w="med" len="med"/>
+                      <a:tailEnd type="none" w="med" len="med"/>
+                    </a:lnR>
+                    <a:lnT w="12700" cap="flat" cmpd="sng" algn="ctr">
+                      <a:solidFill>
+                        <a:srgbClr val="000000"/>
+                      </a:solidFill>
+                      <a:prstDash val="solid"/>
+                      <a:round/>
+                      <a:headEnd type="none" w="med" len="med"/>
+                      <a:tailEnd type="none" w="med" len="med"/>
+                    </a:lnT>
+                    <a:lnB w="12700" cap="flat" cmpd="sng" algn="ctr">
+                      <a:solidFill>
+                        <a:srgbClr val="000000"/>
+                      </a:solidFill>
+                      <a:prstDash val="solid"/>
+                      <a:round/>
+                      <a:headEnd type="none" w="med" len="med"/>
+                      <a:tailEnd type="none" w="med" len="med"/>
+                    </a:lnB>
+                    <a:noFill/>
+                  </a:tcPr>
+                </a:tc>
+                <a:extLst>
+                  <a:ext uri="{0D108BD9-81ED-4DB2-BD59-A6C34878D82A}">
+                    <a16:rowId xmlns:a16="http://schemas.microsoft.com/office/drawing/2014/main" val="980000272"/>
+                  </a:ext>
+                </a:extLst>
+              </a:tr>
+              <a:tr h="797465">
+                <a:tc>
+                  <a:txBody>
+                    <a:bodyPr/>
+                    <a:lstStyle/>
+                    <a:p>
+                      <a:pPr algn="l" fontAlgn="t">
+                        <a:lnSpc>
+                          <a:spcPct val="107000"/>
+                        </a:lnSpc>
+                        <a:spcBef>
+                          <a:spcPts val="0"/>
+                        </a:spcBef>
+                        <a:spcAft>
+                          <a:spcPts val="800"/>
+                        </a:spcAft>
+                      </a:pPr>
+                      <a:r>
+                        <a:rPr lang="de-DE" sz="1600" b="0" i="0" u="none" strike="noStrike" dirty="0">
+                          <a:effectLst/>
+                          <a:latin typeface="Calibri" panose="020F0502020204030204" pitchFamily="34" charset="0"/>
+                          <a:ea typeface="Calibri" panose="020F0502020204030204" pitchFamily="34" charset="0"/>
+                          <a:cs typeface="Times New Roman" panose="02020603050405020304" pitchFamily="18" charset="0"/>
+                        </a:rPr>
+                        <a:t>Produkt nicht wasserdicht</a:t>
+                      </a:r>
+                      <a:endParaRPr lang="de-DE" sz="2900" b="0" i="0" u="none" strike="noStrike" dirty="0">
+                        <a:effectLst/>
+                        <a:latin typeface="Arial" panose="020B0604020202020204" pitchFamily="34" charset="0"/>
+                      </a:endParaRPr>
+                    </a:p>
+                  </a:txBody>
+                  <a:tcPr marL="108842" marR="108842" marT="15117" marB="0">
+                    <a:lnL w="12700" cap="flat" cmpd="sng" algn="ctr">
+                      <a:solidFill>
+                        <a:srgbClr val="000000"/>
+                      </a:solidFill>
+                      <a:prstDash val="solid"/>
+                      <a:round/>
+                      <a:headEnd type="none" w="med" len="med"/>
+                      <a:tailEnd type="none" w="med" len="med"/>
+                    </a:lnL>
+                    <a:lnR w="12700" cap="flat" cmpd="sng" algn="ctr">
+                      <a:solidFill>
+                        <a:srgbClr val="000000"/>
+                      </a:solidFill>
+                      <a:prstDash val="solid"/>
+                      <a:round/>
+                      <a:headEnd type="none" w="med" len="med"/>
+                      <a:tailEnd type="none" w="med" len="med"/>
+                    </a:lnR>
+                    <a:lnT w="12700" cap="flat" cmpd="sng" algn="ctr">
+                      <a:solidFill>
+                        <a:srgbClr val="000000"/>
+                      </a:solidFill>
+                      <a:prstDash val="solid"/>
+                      <a:round/>
+                      <a:headEnd type="none" w="med" len="med"/>
+                      <a:tailEnd type="none" w="med" len="med"/>
+                    </a:lnT>
+                    <a:lnB w="12700" cap="flat" cmpd="sng" algn="ctr">
+                      <a:solidFill>
+                        <a:srgbClr val="000000"/>
+                      </a:solidFill>
+                      <a:prstDash val="solid"/>
+                      <a:round/>
+                      <a:headEnd type="none" w="med" len="med"/>
+                      <a:tailEnd type="none" w="med" len="med"/>
+                    </a:lnB>
+                  </a:tcPr>
+                </a:tc>
+                <a:tc>
+                  <a:txBody>
+                    <a:bodyPr/>
+                    <a:lstStyle/>
+                    <a:p>
+                      <a:pPr algn="l" fontAlgn="t">
+                        <a:lnSpc>
+                          <a:spcPct val="107000"/>
+                        </a:lnSpc>
+                        <a:spcBef>
+                          <a:spcPts val="0"/>
+                        </a:spcBef>
+                        <a:spcAft>
+                          <a:spcPts val="800"/>
+                        </a:spcAft>
+                      </a:pPr>
+                      <a:r>
+                        <a:rPr lang="de-DE" sz="1600" b="0" i="0" u="none" strike="noStrike" dirty="0">
+                          <a:effectLst/>
+                          <a:latin typeface="Calibri" panose="020F0502020204030204" pitchFamily="34" charset="0"/>
+                          <a:ea typeface="Calibri" panose="020F0502020204030204" pitchFamily="34" charset="0"/>
+                          <a:cs typeface="Times New Roman" panose="02020603050405020304" pitchFamily="18" charset="0"/>
+                        </a:rPr>
+                        <a:t>Dichtungen, Gehäuse</a:t>
+                      </a:r>
+                      <a:endParaRPr lang="de-DE" sz="2900" b="0" i="0" u="none" strike="noStrike" dirty="0">
+                        <a:effectLst/>
+                        <a:latin typeface="Arial" panose="020B0604020202020204" pitchFamily="34" charset="0"/>
+                      </a:endParaRPr>
+                    </a:p>
+                  </a:txBody>
+                  <a:tcPr marL="108842" marR="108842" marT="15117" marB="0">
+                    <a:lnL w="12700" cap="flat" cmpd="sng" algn="ctr">
+                      <a:solidFill>
+                        <a:srgbClr val="000000"/>
+                      </a:solidFill>
+                      <a:prstDash val="solid"/>
+                      <a:round/>
+                      <a:headEnd type="none" w="med" len="med"/>
+                      <a:tailEnd type="none" w="med" len="med"/>
+                    </a:lnL>
+                    <a:lnR w="12700" cap="flat" cmpd="sng" algn="ctr">
+                      <a:solidFill>
+                        <a:srgbClr val="000000"/>
+                      </a:solidFill>
+                      <a:prstDash val="solid"/>
+                      <a:round/>
+                      <a:headEnd type="none" w="med" len="med"/>
+                      <a:tailEnd type="none" w="med" len="med"/>
+                    </a:lnR>
+                    <a:lnT w="12700" cap="flat" cmpd="sng" algn="ctr">
+                      <a:solidFill>
+                        <a:srgbClr val="000000"/>
+                      </a:solidFill>
+                      <a:prstDash val="solid"/>
+                      <a:round/>
+                      <a:headEnd type="none" w="med" len="med"/>
+                      <a:tailEnd type="none" w="med" len="med"/>
+                    </a:lnT>
+                    <a:lnB w="12700" cap="flat" cmpd="sng" algn="ctr">
+                      <a:solidFill>
+                        <a:srgbClr val="000000"/>
+                      </a:solidFill>
+                      <a:prstDash val="solid"/>
+                      <a:round/>
+                      <a:headEnd type="none" w="med" len="med"/>
+                      <a:tailEnd type="none" w="med" len="med"/>
+                    </a:lnB>
+                  </a:tcPr>
+                </a:tc>
+                <a:tc>
+                  <a:txBody>
+                    <a:bodyPr/>
+                    <a:lstStyle/>
+                    <a:p>
+                      <a:pPr algn="l" fontAlgn="t">
+                        <a:lnSpc>
+                          <a:spcPct val="107000"/>
+                        </a:lnSpc>
+                        <a:spcBef>
+                          <a:spcPts val="0"/>
+                        </a:spcBef>
+                        <a:spcAft>
+                          <a:spcPts val="800"/>
+                        </a:spcAft>
+                      </a:pPr>
+                      <a:r>
+                        <a:rPr lang="de-DE" sz="1600" b="0" i="0" u="none" strike="noStrike" dirty="0">
+                          <a:effectLst/>
+                          <a:latin typeface="Calibri" panose="020F0502020204030204" pitchFamily="34" charset="0"/>
+                          <a:ea typeface="Calibri" panose="020F0502020204030204" pitchFamily="34" charset="0"/>
+                          <a:cs typeface="Times New Roman" panose="02020603050405020304" pitchFamily="18" charset="0"/>
+                        </a:rPr>
+                        <a:t>Frühzeitiges erkennen von Problembereichen des Gehäuses</a:t>
+                      </a:r>
+                      <a:endParaRPr lang="de-DE" sz="2900" b="0" i="0" u="none" strike="noStrike" dirty="0">
+                        <a:effectLst/>
+                        <a:latin typeface="Arial" panose="020B0604020202020204" pitchFamily="34" charset="0"/>
+                      </a:endParaRPr>
+                    </a:p>
+                  </a:txBody>
+                  <a:tcPr marL="108842" marR="108842" marT="15117" marB="0">
+                    <a:lnL w="12700" cap="flat" cmpd="sng" algn="ctr">
+                      <a:solidFill>
+                        <a:srgbClr val="000000"/>
+                      </a:solidFill>
+                      <a:prstDash val="solid"/>
+                      <a:round/>
+                      <a:headEnd type="none" w="med" len="med"/>
+                      <a:tailEnd type="none" w="med" len="med"/>
+                    </a:lnL>
+                    <a:lnR w="12700" cap="flat" cmpd="sng" algn="ctr">
+                      <a:solidFill>
+                        <a:srgbClr val="000000"/>
+                      </a:solidFill>
+                      <a:prstDash val="solid"/>
+                      <a:round/>
+                      <a:headEnd type="none" w="med" len="med"/>
+                      <a:tailEnd type="none" w="med" len="med"/>
+                    </a:lnR>
+                    <a:lnT w="12700" cap="flat" cmpd="sng" algn="ctr">
+                      <a:solidFill>
+                        <a:srgbClr val="000000"/>
+                      </a:solidFill>
+                      <a:prstDash val="solid"/>
+                      <a:round/>
+                      <a:headEnd type="none" w="med" len="med"/>
+                      <a:tailEnd type="none" w="med" len="med"/>
+                    </a:lnT>
+                    <a:lnB w="12700" cap="flat" cmpd="sng" algn="ctr">
+                      <a:solidFill>
+                        <a:srgbClr val="000000"/>
+                      </a:solidFill>
+                      <a:prstDash val="solid"/>
+                      <a:round/>
+                      <a:headEnd type="none" w="med" len="med"/>
+                      <a:tailEnd type="none" w="med" len="med"/>
+                    </a:lnB>
+                  </a:tcPr>
+                </a:tc>
+                <a:tc>
+                  <a:txBody>
+                    <a:bodyPr/>
+                    <a:lstStyle/>
+                    <a:p>
+                      <a:pPr algn="l" fontAlgn="t">
+                        <a:lnSpc>
+                          <a:spcPct val="107000"/>
+                        </a:lnSpc>
+                        <a:spcBef>
+                          <a:spcPts val="0"/>
+                        </a:spcBef>
+                        <a:spcAft>
+                          <a:spcPts val="800"/>
+                        </a:spcAft>
+                      </a:pPr>
+                      <a:r>
+                        <a:rPr lang="de-DE" sz="1600" b="0" i="0" u="none" strike="noStrike" dirty="0">
+                          <a:effectLst/>
+                          <a:latin typeface="Calibri" panose="020F0502020204030204" pitchFamily="34" charset="0"/>
+                          <a:ea typeface="Calibri" panose="020F0502020204030204" pitchFamily="34" charset="0"/>
+                          <a:cs typeface="Times New Roman" panose="02020603050405020304" pitchFamily="18" charset="0"/>
+                        </a:rPr>
+                        <a:t> 8</a:t>
+                      </a:r>
+                      <a:endParaRPr lang="de-DE" sz="2900" b="0" i="0" u="none" strike="noStrike" dirty="0">
+                        <a:effectLst/>
+                        <a:latin typeface="Arial" panose="020B0604020202020204" pitchFamily="34" charset="0"/>
+                      </a:endParaRPr>
+                    </a:p>
+                  </a:txBody>
+                  <a:tcPr marL="108842" marR="108842" marT="15117" marB="0">
+                    <a:lnL w="12700" cap="flat" cmpd="sng" algn="ctr">
+                      <a:solidFill>
+                        <a:srgbClr val="000000"/>
+                      </a:solidFill>
+                      <a:prstDash val="solid"/>
+                      <a:round/>
+                      <a:headEnd type="none" w="med" len="med"/>
+                      <a:tailEnd type="none" w="med" len="med"/>
+                    </a:lnL>
+                    <a:lnR w="12700" cap="flat" cmpd="sng" algn="ctr">
+                      <a:solidFill>
+                        <a:srgbClr val="000000"/>
+                      </a:solidFill>
+                      <a:prstDash val="solid"/>
+                      <a:round/>
+                      <a:headEnd type="none" w="med" len="med"/>
+                      <a:tailEnd type="none" w="med" len="med"/>
+                    </a:lnR>
+                    <a:lnT w="12700" cap="flat" cmpd="sng" algn="ctr">
+                      <a:solidFill>
+                        <a:srgbClr val="000000"/>
+                      </a:solidFill>
+                      <a:prstDash val="solid"/>
+                      <a:round/>
+                      <a:headEnd type="none" w="med" len="med"/>
+                      <a:tailEnd type="none" w="med" len="med"/>
+                    </a:lnT>
+                    <a:lnB w="12700" cap="flat" cmpd="sng" algn="ctr">
+                      <a:solidFill>
+                        <a:srgbClr val="000000"/>
+                      </a:solidFill>
+                      <a:prstDash val="solid"/>
+                      <a:round/>
+                      <a:headEnd type="none" w="med" len="med"/>
+                      <a:tailEnd type="none" w="med" len="med"/>
+                    </a:lnB>
+                    <a:solidFill>
+                      <a:schemeClr val="bg1"/>
+                    </a:solidFill>
+                  </a:tcPr>
+                </a:tc>
+                <a:tc>
+                  <a:txBody>
+                    <a:bodyPr/>
+                    <a:lstStyle/>
+                    <a:p>
+                      <a:pPr algn="l" fontAlgn="t">
+                        <a:lnSpc>
+                          <a:spcPct val="107000"/>
+                        </a:lnSpc>
+                        <a:spcBef>
+                          <a:spcPts val="0"/>
+                        </a:spcBef>
+                        <a:spcAft>
+                          <a:spcPts val="800"/>
+                        </a:spcAft>
+                      </a:pPr>
+                      <a:r>
+                        <a:rPr lang="de-DE" sz="1600" b="0" i="0" u="none" strike="noStrike" kern="1200" dirty="0">
+                          <a:solidFill>
+                            <a:schemeClr val="tx1"/>
+                          </a:solidFill>
+                          <a:effectLst/>
+                          <a:latin typeface="Calibri" panose="020F0502020204030204" pitchFamily="34" charset="0"/>
+                          <a:cs typeface="Times New Roman" panose="02020603050405020304" pitchFamily="18" charset="0"/>
+                        </a:rPr>
+                        <a:t>4</a:t>
+                      </a:r>
+                    </a:p>
+                  </a:txBody>
+                  <a:tcPr marL="108842" marR="108842" marT="15117" marB="0">
+                    <a:lnL w="12700" cap="flat" cmpd="sng" algn="ctr">
+                      <a:solidFill>
+                        <a:srgbClr val="000000"/>
+                      </a:solidFill>
+                      <a:prstDash val="solid"/>
+                      <a:round/>
+                      <a:headEnd type="none" w="med" len="med"/>
+                      <a:tailEnd type="none" w="med" len="med"/>
+                    </a:lnL>
+                    <a:lnR w="12700" cap="flat" cmpd="sng" algn="ctr">
+                      <a:solidFill>
+                        <a:srgbClr val="000000"/>
+                      </a:solidFill>
+                      <a:prstDash val="solid"/>
+                      <a:round/>
+                      <a:headEnd type="none" w="med" len="med"/>
+                      <a:tailEnd type="none" w="med" len="med"/>
+                    </a:lnR>
+                    <a:lnT w="12700" cap="flat" cmpd="sng" algn="ctr">
+                      <a:solidFill>
+                        <a:srgbClr val="000000"/>
+                      </a:solidFill>
+                      <a:prstDash val="solid"/>
+                      <a:round/>
+                      <a:headEnd type="none" w="med" len="med"/>
+                      <a:tailEnd type="none" w="med" len="med"/>
+                    </a:lnT>
+                    <a:lnB w="12700" cap="flat" cmpd="sng" algn="ctr">
+                      <a:solidFill>
+                        <a:srgbClr val="000000"/>
+                      </a:solidFill>
+                      <a:prstDash val="solid"/>
+                      <a:round/>
+                      <a:headEnd type="none" w="med" len="med"/>
+                      <a:tailEnd type="none" w="med" len="med"/>
+                    </a:lnB>
+                    <a:noFill/>
+                  </a:tcPr>
+                </a:tc>
+                <a:tc>
+                  <a:txBody>
+                    <a:bodyPr/>
+                    <a:lstStyle/>
+                    <a:p>
+                      <a:pPr algn="l" fontAlgn="t">
+                        <a:lnSpc>
+                          <a:spcPct val="107000"/>
+                        </a:lnSpc>
+                        <a:spcBef>
+                          <a:spcPts val="0"/>
+                        </a:spcBef>
+                        <a:spcAft>
+                          <a:spcPts val="800"/>
+                        </a:spcAft>
+                      </a:pPr>
+                      <a:r>
+                        <a:rPr lang="de-DE" sz="1600" b="0" i="0" u="none" strike="noStrike" kern="1200" dirty="0">
+                          <a:solidFill>
+                            <a:schemeClr val="tx1"/>
+                          </a:solidFill>
+                          <a:effectLst/>
+                          <a:latin typeface="Calibri" panose="020F0502020204030204" pitchFamily="34" charset="0"/>
+                          <a:cs typeface="Times New Roman" panose="02020603050405020304" pitchFamily="18" charset="0"/>
+                        </a:rPr>
+                        <a:t>32</a:t>
+                      </a:r>
+                    </a:p>
+                  </a:txBody>
+                  <a:tcPr marL="108842" marR="108842" marT="15117" marB="0">
+                    <a:lnL w="12700" cap="flat" cmpd="sng" algn="ctr">
+                      <a:solidFill>
+                        <a:srgbClr val="000000"/>
+                      </a:solidFill>
+                      <a:prstDash val="solid"/>
+                      <a:round/>
+                      <a:headEnd type="none" w="med" len="med"/>
+                      <a:tailEnd type="none" w="med" len="med"/>
+                    </a:lnL>
+                    <a:lnR w="12700" cap="flat" cmpd="sng" algn="ctr">
+                      <a:solidFill>
+                        <a:srgbClr val="000000"/>
+                      </a:solidFill>
+                      <a:prstDash val="solid"/>
+                      <a:round/>
+                      <a:headEnd type="none" w="med" len="med"/>
+                      <a:tailEnd type="none" w="med" len="med"/>
+                    </a:lnR>
+                    <a:lnT w="12700" cap="flat" cmpd="sng" algn="ctr">
+                      <a:solidFill>
+                        <a:srgbClr val="000000"/>
+                      </a:solidFill>
+                      <a:prstDash val="solid"/>
+                      <a:round/>
+                      <a:headEnd type="none" w="med" len="med"/>
+                      <a:tailEnd type="none" w="med" len="med"/>
+                    </a:lnT>
+                    <a:lnB w="12700" cap="flat" cmpd="sng" algn="ctr">
+                      <a:solidFill>
+                        <a:srgbClr val="000000"/>
+                      </a:solidFill>
+                      <a:prstDash val="solid"/>
+                      <a:round/>
+                      <a:headEnd type="none" w="med" len="med"/>
+                      <a:tailEnd type="none" w="med" len="med"/>
+                    </a:lnB>
+                    <a:noFill/>
+                  </a:tcPr>
+                </a:tc>
+                <a:extLst>
+                  <a:ext uri="{0D108BD9-81ED-4DB2-BD59-A6C34878D82A}">
+                    <a16:rowId xmlns:a16="http://schemas.microsoft.com/office/drawing/2014/main" val="4247356537"/>
+                  </a:ext>
+                </a:extLst>
+              </a:tr>
+              <a:tr h="797465">
+                <a:tc>
+                  <a:txBody>
+                    <a:bodyPr/>
+                    <a:lstStyle/>
+                    <a:p>
+                      <a:pPr algn="l" fontAlgn="t">
+                        <a:lnSpc>
+                          <a:spcPct val="107000"/>
+                        </a:lnSpc>
+                        <a:spcBef>
+                          <a:spcPts val="0"/>
+                        </a:spcBef>
+                        <a:spcAft>
+                          <a:spcPts val="800"/>
+                        </a:spcAft>
+                      </a:pPr>
+                      <a:r>
+                        <a:rPr lang="de-DE" sz="1600" b="0" i="0" u="none" strike="noStrike">
+                          <a:effectLst/>
+                          <a:latin typeface="Calibri" panose="020F0502020204030204" pitchFamily="34" charset="0"/>
+                          <a:ea typeface="Calibri" panose="020F0502020204030204" pitchFamily="34" charset="0"/>
+                          <a:cs typeface="Times New Roman" panose="02020603050405020304" pitchFamily="18" charset="0"/>
+                        </a:rPr>
+                        <a:t>Nichterfüllen von Anforderungen</a:t>
+                      </a:r>
+                      <a:endParaRPr lang="de-DE" sz="2900" b="0" i="0" u="none" strike="noStrike">
+                        <a:effectLst/>
+                        <a:latin typeface="Arial" panose="020B0604020202020204" pitchFamily="34" charset="0"/>
+                      </a:endParaRPr>
+                    </a:p>
+                  </a:txBody>
+                  <a:tcPr marL="108842" marR="108842" marT="15117" marB="0">
+                    <a:lnL w="12700" cap="flat" cmpd="sng" algn="ctr">
+                      <a:solidFill>
+                        <a:srgbClr val="000000"/>
+                      </a:solidFill>
+                      <a:prstDash val="solid"/>
+                      <a:round/>
+                      <a:headEnd type="none" w="med" len="med"/>
+                      <a:tailEnd type="none" w="med" len="med"/>
+                    </a:lnL>
+                    <a:lnR w="12700" cap="flat" cmpd="sng" algn="ctr">
+                      <a:solidFill>
+                        <a:srgbClr val="000000"/>
+                      </a:solidFill>
+                      <a:prstDash val="solid"/>
+                      <a:round/>
+                      <a:headEnd type="none" w="med" len="med"/>
+                      <a:tailEnd type="none" w="med" len="med"/>
+                    </a:lnR>
+                    <a:lnT w="12700" cap="flat" cmpd="sng" algn="ctr">
+                      <a:solidFill>
+                        <a:srgbClr val="000000"/>
+                      </a:solidFill>
+                      <a:prstDash val="solid"/>
+                      <a:round/>
+                      <a:headEnd type="none" w="med" len="med"/>
+                      <a:tailEnd type="none" w="med" len="med"/>
+                    </a:lnT>
+                    <a:lnB w="12700" cap="flat" cmpd="sng" algn="ctr">
+                      <a:solidFill>
+                        <a:srgbClr val="000000"/>
+                      </a:solidFill>
+                      <a:prstDash val="solid"/>
+                      <a:round/>
+                      <a:headEnd type="none" w="med" len="med"/>
+                      <a:tailEnd type="none" w="med" len="med"/>
+                    </a:lnB>
+                  </a:tcPr>
+                </a:tc>
+                <a:tc>
+                  <a:txBody>
+                    <a:bodyPr/>
+                    <a:lstStyle/>
+                    <a:p>
+                      <a:pPr algn="l" fontAlgn="t">
+                        <a:lnSpc>
+                          <a:spcPct val="107000"/>
+                        </a:lnSpc>
+                        <a:spcBef>
+                          <a:spcPts val="0"/>
+                        </a:spcBef>
+                        <a:spcAft>
+                          <a:spcPts val="800"/>
+                        </a:spcAft>
+                      </a:pPr>
+                      <a:r>
+                        <a:rPr lang="de-DE" sz="1600" b="0" i="0" u="none" strike="noStrike" dirty="0">
+                          <a:effectLst/>
+                          <a:latin typeface="Calibri" panose="020F0502020204030204" pitchFamily="34" charset="0"/>
+                          <a:ea typeface="Calibri" panose="020F0502020204030204" pitchFamily="34" charset="0"/>
+                          <a:cs typeface="Times New Roman" panose="02020603050405020304" pitchFamily="18" charset="0"/>
+                        </a:rPr>
+                        <a:t>Kompetenz, Hohe Ansprüche des Kunden, Hohe Ansprüche an sich</a:t>
+                      </a:r>
+                      <a:endParaRPr lang="de-DE" sz="2900" b="0" i="0" u="none" strike="noStrike" dirty="0">
+                        <a:effectLst/>
+                        <a:latin typeface="Arial" panose="020B0604020202020204" pitchFamily="34" charset="0"/>
+                      </a:endParaRPr>
+                    </a:p>
+                  </a:txBody>
+                  <a:tcPr marL="108842" marR="108842" marT="15117" marB="0">
+                    <a:lnL w="12700" cap="flat" cmpd="sng" algn="ctr">
+                      <a:solidFill>
+                        <a:srgbClr val="000000"/>
+                      </a:solidFill>
+                      <a:prstDash val="solid"/>
+                      <a:round/>
+                      <a:headEnd type="none" w="med" len="med"/>
+                      <a:tailEnd type="none" w="med" len="med"/>
+                    </a:lnL>
+                    <a:lnR w="12700" cap="flat" cmpd="sng" algn="ctr">
+                      <a:solidFill>
+                        <a:srgbClr val="000000"/>
+                      </a:solidFill>
+                      <a:prstDash val="solid"/>
+                      <a:round/>
+                      <a:headEnd type="none" w="med" len="med"/>
+                      <a:tailEnd type="none" w="med" len="med"/>
+                    </a:lnR>
+                    <a:lnT w="12700" cap="flat" cmpd="sng" algn="ctr">
+                      <a:solidFill>
+                        <a:srgbClr val="000000"/>
+                      </a:solidFill>
+                      <a:prstDash val="solid"/>
+                      <a:round/>
+                      <a:headEnd type="none" w="med" len="med"/>
+                      <a:tailEnd type="none" w="med" len="med"/>
+                    </a:lnT>
+                    <a:lnB w="12700" cap="flat" cmpd="sng" algn="ctr">
+                      <a:solidFill>
+                        <a:srgbClr val="000000"/>
+                      </a:solidFill>
+                      <a:prstDash val="solid"/>
+                      <a:round/>
+                      <a:headEnd type="none" w="med" len="med"/>
+                      <a:tailEnd type="none" w="med" len="med"/>
+                    </a:lnB>
+                  </a:tcPr>
+                </a:tc>
+                <a:tc>
+                  <a:txBody>
+                    <a:bodyPr/>
+                    <a:lstStyle/>
+                    <a:p>
+                      <a:pPr algn="l" fontAlgn="t">
+                        <a:lnSpc>
+                          <a:spcPct val="107000"/>
+                        </a:lnSpc>
+                        <a:spcBef>
+                          <a:spcPts val="0"/>
+                        </a:spcBef>
+                        <a:spcAft>
+                          <a:spcPts val="800"/>
+                        </a:spcAft>
+                      </a:pPr>
+                      <a:r>
+                        <a:rPr lang="de-DE" sz="1600" b="0" i="0" u="none" strike="noStrike" dirty="0">
+                          <a:effectLst/>
+                          <a:latin typeface="Calibri" panose="020F0502020204030204" pitchFamily="34" charset="0"/>
+                          <a:ea typeface="Calibri" panose="020F0502020204030204" pitchFamily="34" charset="0"/>
+                          <a:cs typeface="Times New Roman" panose="02020603050405020304" pitchFamily="18" charset="0"/>
+                        </a:rPr>
+                        <a:t>Einschätzen der eigenen Kapazitäten, Anforderungen beurteilen</a:t>
+                      </a:r>
+                      <a:endParaRPr lang="de-DE" sz="2900" b="0" i="0" u="none" strike="noStrike" dirty="0">
+                        <a:effectLst/>
+                        <a:latin typeface="Arial" panose="020B0604020202020204" pitchFamily="34" charset="0"/>
+                      </a:endParaRPr>
+                    </a:p>
+                  </a:txBody>
+                  <a:tcPr marL="108842" marR="108842" marT="15117" marB="0">
+                    <a:lnL w="12700" cap="flat" cmpd="sng" algn="ctr">
+                      <a:solidFill>
+                        <a:srgbClr val="000000"/>
+                      </a:solidFill>
+                      <a:prstDash val="solid"/>
+                      <a:round/>
+                      <a:headEnd type="none" w="med" len="med"/>
+                      <a:tailEnd type="none" w="med" len="med"/>
+                    </a:lnL>
+                    <a:lnR w="12700" cap="flat" cmpd="sng" algn="ctr">
+                      <a:solidFill>
+                        <a:srgbClr val="000000"/>
+                      </a:solidFill>
+                      <a:prstDash val="solid"/>
+                      <a:round/>
+                      <a:headEnd type="none" w="med" len="med"/>
+                      <a:tailEnd type="none" w="med" len="med"/>
+                    </a:lnR>
+                    <a:lnT w="12700" cap="flat" cmpd="sng" algn="ctr">
+                      <a:solidFill>
+                        <a:srgbClr val="000000"/>
+                      </a:solidFill>
+                      <a:prstDash val="solid"/>
+                      <a:round/>
+                      <a:headEnd type="none" w="med" len="med"/>
+                      <a:tailEnd type="none" w="med" len="med"/>
+                    </a:lnT>
+                    <a:lnB w="12700" cap="flat" cmpd="sng" algn="ctr">
+                      <a:solidFill>
+                        <a:srgbClr val="000000"/>
+                      </a:solidFill>
+                      <a:prstDash val="solid"/>
+                      <a:round/>
+                      <a:headEnd type="none" w="med" len="med"/>
+                      <a:tailEnd type="none" w="med" len="med"/>
+                    </a:lnB>
+                  </a:tcPr>
+                </a:tc>
+                <a:tc>
+                  <a:txBody>
+                    <a:bodyPr/>
+                    <a:lstStyle/>
+                    <a:p>
+                      <a:pPr algn="l" fontAlgn="t">
+                        <a:lnSpc>
+                          <a:spcPct val="107000"/>
+                        </a:lnSpc>
+                        <a:spcBef>
+                          <a:spcPts val="0"/>
+                        </a:spcBef>
+                        <a:spcAft>
+                          <a:spcPts val="800"/>
+                        </a:spcAft>
+                      </a:pPr>
+                      <a:r>
+                        <a:rPr lang="de-DE" sz="1600" b="0" i="0" u="none" strike="noStrike" dirty="0">
+                          <a:effectLst/>
+                          <a:latin typeface="Calibri" panose="020F0502020204030204" pitchFamily="34" charset="0"/>
+                          <a:ea typeface="Calibri" panose="020F0502020204030204" pitchFamily="34" charset="0"/>
+                          <a:cs typeface="Times New Roman" panose="02020603050405020304" pitchFamily="18" charset="0"/>
+                        </a:rPr>
+                        <a:t> 3</a:t>
+                      </a:r>
+                      <a:endParaRPr lang="de-DE" sz="2900" b="0" i="0" u="none" strike="noStrike" dirty="0">
+                        <a:effectLst/>
+                        <a:latin typeface="Arial" panose="020B0604020202020204" pitchFamily="34" charset="0"/>
+                      </a:endParaRPr>
+                    </a:p>
+                  </a:txBody>
+                  <a:tcPr marL="108842" marR="108842" marT="15117" marB="0">
+                    <a:lnL w="12700" cap="flat" cmpd="sng" algn="ctr">
+                      <a:solidFill>
+                        <a:srgbClr val="000000"/>
+                      </a:solidFill>
+                      <a:prstDash val="solid"/>
+                      <a:round/>
+                      <a:headEnd type="none" w="med" len="med"/>
+                      <a:tailEnd type="none" w="med" len="med"/>
+                    </a:lnL>
+                    <a:lnR w="12700" cap="flat" cmpd="sng" algn="ctr">
+                      <a:solidFill>
+                        <a:srgbClr val="000000"/>
+                      </a:solidFill>
+                      <a:prstDash val="solid"/>
+                      <a:round/>
+                      <a:headEnd type="none" w="med" len="med"/>
+                      <a:tailEnd type="none" w="med" len="med"/>
+                    </a:lnR>
+                    <a:lnT w="12700" cap="flat" cmpd="sng" algn="ctr">
+                      <a:solidFill>
+                        <a:srgbClr val="000000"/>
+                      </a:solidFill>
+                      <a:prstDash val="solid"/>
+                      <a:round/>
+                      <a:headEnd type="none" w="med" len="med"/>
+                      <a:tailEnd type="none" w="med" len="med"/>
+                    </a:lnT>
+                    <a:lnB w="12700" cap="flat" cmpd="sng" algn="ctr">
+                      <a:solidFill>
+                        <a:srgbClr val="000000"/>
+                      </a:solidFill>
+                      <a:prstDash val="solid"/>
+                      <a:round/>
+                      <a:headEnd type="none" w="med" len="med"/>
+                      <a:tailEnd type="none" w="med" len="med"/>
+                    </a:lnB>
+                    <a:solidFill>
+                      <a:schemeClr val="bg1"/>
+                    </a:solidFill>
+                  </a:tcPr>
+                </a:tc>
+                <a:tc>
+                  <a:txBody>
+                    <a:bodyPr/>
+                    <a:lstStyle/>
+                    <a:p>
+                      <a:pPr algn="l" fontAlgn="t">
+                        <a:lnSpc>
+                          <a:spcPct val="107000"/>
+                        </a:lnSpc>
+                        <a:spcBef>
+                          <a:spcPts val="0"/>
+                        </a:spcBef>
+                        <a:spcAft>
+                          <a:spcPts val="800"/>
+                        </a:spcAft>
+                      </a:pPr>
+                      <a:r>
+                        <a:rPr lang="de-DE" sz="1600" b="0" i="0" u="none" strike="noStrike" kern="1200" dirty="0">
+                          <a:solidFill>
+                            <a:schemeClr val="tx1"/>
+                          </a:solidFill>
+                          <a:effectLst/>
+                          <a:latin typeface="Calibri" panose="020F0502020204030204" pitchFamily="34" charset="0"/>
+                          <a:cs typeface="Times New Roman" panose="02020603050405020304" pitchFamily="18" charset="0"/>
+                        </a:rPr>
+                        <a:t>4</a:t>
+                      </a:r>
+                    </a:p>
+                  </a:txBody>
+                  <a:tcPr marL="108842" marR="108842" marT="15117" marB="0">
+                    <a:lnL w="12700" cap="flat" cmpd="sng" algn="ctr">
+                      <a:solidFill>
+                        <a:srgbClr val="000000"/>
+                      </a:solidFill>
+                      <a:prstDash val="solid"/>
+                      <a:round/>
+                      <a:headEnd type="none" w="med" len="med"/>
+                      <a:tailEnd type="none" w="med" len="med"/>
+                    </a:lnL>
+                    <a:lnR w="12700" cap="flat" cmpd="sng" algn="ctr">
+                      <a:solidFill>
+                        <a:srgbClr val="000000"/>
+                      </a:solidFill>
+                      <a:prstDash val="solid"/>
+                      <a:round/>
+                      <a:headEnd type="none" w="med" len="med"/>
+                      <a:tailEnd type="none" w="med" len="med"/>
+                    </a:lnR>
+                    <a:lnT w="12700" cap="flat" cmpd="sng" algn="ctr">
+                      <a:solidFill>
+                        <a:srgbClr val="000000"/>
+                      </a:solidFill>
+                      <a:prstDash val="solid"/>
+                      <a:round/>
+                      <a:headEnd type="none" w="med" len="med"/>
+                      <a:tailEnd type="none" w="med" len="med"/>
+                    </a:lnT>
+                    <a:lnB w="12700" cap="flat" cmpd="sng" algn="ctr">
+                      <a:solidFill>
+                        <a:srgbClr val="000000"/>
+                      </a:solidFill>
+                      <a:prstDash val="solid"/>
+                      <a:round/>
+                      <a:headEnd type="none" w="med" len="med"/>
+                      <a:tailEnd type="none" w="med" len="med"/>
+                    </a:lnB>
+                    <a:noFill/>
+                  </a:tcPr>
+                </a:tc>
+                <a:tc>
+                  <a:txBody>
+                    <a:bodyPr/>
+                    <a:lstStyle/>
+                    <a:p>
+                      <a:pPr algn="l" fontAlgn="t">
+                        <a:lnSpc>
+                          <a:spcPct val="107000"/>
+                        </a:lnSpc>
+                        <a:spcBef>
+                          <a:spcPts val="0"/>
+                        </a:spcBef>
+                        <a:spcAft>
+                          <a:spcPts val="800"/>
+                        </a:spcAft>
+                      </a:pPr>
+                      <a:r>
+                        <a:rPr lang="de-DE" sz="1600" b="0" i="0" u="none" strike="noStrike" kern="1200" dirty="0">
+                          <a:solidFill>
+                            <a:schemeClr val="tx1"/>
+                          </a:solidFill>
+                          <a:effectLst/>
+                          <a:latin typeface="Calibri" panose="020F0502020204030204" pitchFamily="34" charset="0"/>
+                          <a:cs typeface="Times New Roman" panose="02020603050405020304" pitchFamily="18" charset="0"/>
+                        </a:rPr>
+                        <a:t>12</a:t>
+                      </a:r>
+                    </a:p>
+                  </a:txBody>
+                  <a:tcPr marL="108842" marR="108842" marT="15117" marB="0">
+                    <a:lnL w="12700" cap="flat" cmpd="sng" algn="ctr">
+                      <a:solidFill>
+                        <a:srgbClr val="000000"/>
+                      </a:solidFill>
+                      <a:prstDash val="solid"/>
+                      <a:round/>
+                      <a:headEnd type="none" w="med" len="med"/>
+                      <a:tailEnd type="none" w="med" len="med"/>
+                    </a:lnL>
+                    <a:lnR w="12700" cap="flat" cmpd="sng" algn="ctr">
+                      <a:solidFill>
+                        <a:srgbClr val="000000"/>
+                      </a:solidFill>
+                      <a:prstDash val="solid"/>
+                      <a:round/>
+                      <a:headEnd type="none" w="med" len="med"/>
+                      <a:tailEnd type="none" w="med" len="med"/>
+                    </a:lnR>
+                    <a:lnT w="12700" cap="flat" cmpd="sng" algn="ctr">
+                      <a:solidFill>
+                        <a:srgbClr val="000000"/>
+                      </a:solidFill>
+                      <a:prstDash val="solid"/>
+                      <a:round/>
+                      <a:headEnd type="none" w="med" len="med"/>
+                      <a:tailEnd type="none" w="med" len="med"/>
+                    </a:lnT>
+                    <a:lnB w="12700" cap="flat" cmpd="sng" algn="ctr">
+                      <a:solidFill>
+                        <a:srgbClr val="000000"/>
+                      </a:solidFill>
+                      <a:prstDash val="solid"/>
+                      <a:round/>
+                      <a:headEnd type="none" w="med" len="med"/>
+                      <a:tailEnd type="none" w="med" len="med"/>
+                    </a:lnB>
+                    <a:noFill/>
+                  </a:tcPr>
+                </a:tc>
+                <a:extLst>
+                  <a:ext uri="{0D108BD9-81ED-4DB2-BD59-A6C34878D82A}">
+                    <a16:rowId xmlns:a16="http://schemas.microsoft.com/office/drawing/2014/main" val="910479461"/>
+                  </a:ext>
+                </a:extLst>
+              </a:tr>
+              <a:tr h="797465">
+                <a:tc>
+                  <a:txBody>
+                    <a:bodyPr/>
+                    <a:lstStyle/>
+                    <a:p>
+                      <a:pPr algn="l" fontAlgn="t">
+                        <a:lnSpc>
+                          <a:spcPct val="107000"/>
+                        </a:lnSpc>
+                        <a:spcBef>
+                          <a:spcPts val="0"/>
+                        </a:spcBef>
+                        <a:spcAft>
+                          <a:spcPts val="800"/>
+                        </a:spcAft>
+                      </a:pPr>
+                      <a:r>
+                        <a:rPr lang="de-DE" sz="1600" b="0" i="0" u="none" strike="noStrike" dirty="0">
+                          <a:effectLst/>
+                          <a:latin typeface="Calibri" panose="020F0502020204030204" pitchFamily="34" charset="0"/>
+                          <a:ea typeface="Calibri" panose="020F0502020204030204" pitchFamily="34" charset="0"/>
+                          <a:cs typeface="Times New Roman" panose="02020603050405020304" pitchFamily="18" charset="0"/>
+                        </a:rPr>
+                        <a:t>Arbeitsphasen zu früh oder zu spät beendet</a:t>
+                      </a:r>
+                      <a:endParaRPr lang="de-DE" sz="2900" b="0" i="0" u="none" strike="noStrike" dirty="0">
+                        <a:effectLst/>
+                        <a:latin typeface="Arial" panose="020B0604020202020204" pitchFamily="34" charset="0"/>
+                      </a:endParaRPr>
+                    </a:p>
+                  </a:txBody>
+                  <a:tcPr marL="108842" marR="108842" marT="15117" marB="0">
+                    <a:lnL w="12700" cap="flat" cmpd="sng" algn="ctr">
+                      <a:solidFill>
+                        <a:srgbClr val="000000"/>
+                      </a:solidFill>
+                      <a:prstDash val="solid"/>
+                      <a:round/>
+                      <a:headEnd type="none" w="med" len="med"/>
+                      <a:tailEnd type="none" w="med" len="med"/>
+                    </a:lnL>
+                    <a:lnR w="12700" cap="flat" cmpd="sng" algn="ctr">
+                      <a:solidFill>
+                        <a:srgbClr val="000000"/>
+                      </a:solidFill>
+                      <a:prstDash val="solid"/>
+                      <a:round/>
+                      <a:headEnd type="none" w="med" len="med"/>
+                      <a:tailEnd type="none" w="med" len="med"/>
+                    </a:lnR>
+                    <a:lnT w="12700" cap="flat" cmpd="sng" algn="ctr">
+                      <a:solidFill>
+                        <a:srgbClr val="000000"/>
+                      </a:solidFill>
+                      <a:prstDash val="solid"/>
+                      <a:round/>
+                      <a:headEnd type="none" w="med" len="med"/>
+                      <a:tailEnd type="none" w="med" len="med"/>
+                    </a:lnT>
+                    <a:lnB w="12700" cap="flat" cmpd="sng" algn="ctr">
+                      <a:solidFill>
+                        <a:srgbClr val="000000"/>
+                      </a:solidFill>
+                      <a:prstDash val="solid"/>
+                      <a:round/>
+                      <a:headEnd type="none" w="med" len="med"/>
+                      <a:tailEnd type="none" w="med" len="med"/>
+                    </a:lnB>
+                  </a:tcPr>
+                </a:tc>
+                <a:tc>
+                  <a:txBody>
+                    <a:bodyPr/>
+                    <a:lstStyle/>
+                    <a:p>
+                      <a:pPr algn="l" fontAlgn="t">
+                        <a:lnSpc>
+                          <a:spcPct val="107000"/>
+                        </a:lnSpc>
+                        <a:spcBef>
+                          <a:spcPts val="0"/>
+                        </a:spcBef>
+                        <a:spcAft>
+                          <a:spcPts val="800"/>
+                        </a:spcAft>
+                      </a:pPr>
+                      <a:r>
+                        <a:rPr lang="de-DE" sz="1600" b="0" i="0" u="none" strike="noStrike">
+                          <a:effectLst/>
+                          <a:latin typeface="Calibri" panose="020F0502020204030204" pitchFamily="34" charset="0"/>
+                          <a:ea typeface="Calibri" panose="020F0502020204030204" pitchFamily="34" charset="0"/>
+                          <a:cs typeface="Times New Roman" panose="02020603050405020304" pitchFamily="18" charset="0"/>
+                        </a:rPr>
+                        <a:t>Falsches Zeitmanagement, Zu Viel oder zu Wenig Arbeit</a:t>
+                      </a:r>
+                      <a:endParaRPr lang="de-DE" sz="2900" b="0" i="0" u="none" strike="noStrike">
+                        <a:effectLst/>
+                        <a:latin typeface="Arial" panose="020B0604020202020204" pitchFamily="34" charset="0"/>
+                      </a:endParaRPr>
+                    </a:p>
+                  </a:txBody>
+                  <a:tcPr marL="108842" marR="108842" marT="15117" marB="0">
+                    <a:lnL w="12700" cap="flat" cmpd="sng" algn="ctr">
+                      <a:solidFill>
+                        <a:srgbClr val="000000"/>
+                      </a:solidFill>
+                      <a:prstDash val="solid"/>
+                      <a:round/>
+                      <a:headEnd type="none" w="med" len="med"/>
+                      <a:tailEnd type="none" w="med" len="med"/>
+                    </a:lnL>
+                    <a:lnR w="12700" cap="flat" cmpd="sng" algn="ctr">
+                      <a:solidFill>
+                        <a:srgbClr val="000000"/>
+                      </a:solidFill>
+                      <a:prstDash val="solid"/>
+                      <a:round/>
+                      <a:headEnd type="none" w="med" len="med"/>
+                      <a:tailEnd type="none" w="med" len="med"/>
+                    </a:lnR>
+                    <a:lnT w="12700" cap="flat" cmpd="sng" algn="ctr">
+                      <a:solidFill>
+                        <a:srgbClr val="000000"/>
+                      </a:solidFill>
+                      <a:prstDash val="solid"/>
+                      <a:round/>
+                      <a:headEnd type="none" w="med" len="med"/>
+                      <a:tailEnd type="none" w="med" len="med"/>
+                    </a:lnT>
+                    <a:lnB w="12700" cap="flat" cmpd="sng" algn="ctr">
+                      <a:solidFill>
+                        <a:srgbClr val="000000"/>
+                      </a:solidFill>
+                      <a:prstDash val="solid"/>
+                      <a:round/>
+                      <a:headEnd type="none" w="med" len="med"/>
+                      <a:tailEnd type="none" w="med" len="med"/>
+                    </a:lnB>
+                  </a:tcPr>
+                </a:tc>
+                <a:tc>
+                  <a:txBody>
+                    <a:bodyPr/>
+                    <a:lstStyle/>
+                    <a:p>
+                      <a:pPr algn="l" fontAlgn="t">
+                        <a:lnSpc>
+                          <a:spcPct val="107000"/>
+                        </a:lnSpc>
+                        <a:spcBef>
+                          <a:spcPts val="0"/>
+                        </a:spcBef>
+                        <a:spcAft>
+                          <a:spcPts val="800"/>
+                        </a:spcAft>
+                      </a:pPr>
+                      <a:r>
+                        <a:rPr lang="de-DE" sz="1600" b="0" i="0" u="none" strike="noStrike">
+                          <a:effectLst/>
+                          <a:latin typeface="Calibri" panose="020F0502020204030204" pitchFamily="34" charset="0"/>
+                          <a:ea typeface="Calibri" panose="020F0502020204030204" pitchFamily="34" charset="0"/>
+                          <a:cs typeface="Times New Roman" panose="02020603050405020304" pitchFamily="18" charset="0"/>
+                        </a:rPr>
+                        <a:t>Gut formulierte Ziele, Vernünftiges Aufgabenmanagement</a:t>
+                      </a:r>
+                      <a:endParaRPr lang="de-DE" sz="2900" b="0" i="0" u="none" strike="noStrike">
+                        <a:effectLst/>
+                        <a:latin typeface="Arial" panose="020B0604020202020204" pitchFamily="34" charset="0"/>
+                      </a:endParaRPr>
+                    </a:p>
+                  </a:txBody>
+                  <a:tcPr marL="108842" marR="108842" marT="15117" marB="0">
+                    <a:lnL w="12700" cap="flat" cmpd="sng" algn="ctr">
+                      <a:solidFill>
+                        <a:srgbClr val="000000"/>
+                      </a:solidFill>
+                      <a:prstDash val="solid"/>
+                      <a:round/>
+                      <a:headEnd type="none" w="med" len="med"/>
+                      <a:tailEnd type="none" w="med" len="med"/>
+                    </a:lnL>
+                    <a:lnR w="12700" cap="flat" cmpd="sng" algn="ctr">
+                      <a:solidFill>
+                        <a:srgbClr val="000000"/>
+                      </a:solidFill>
+                      <a:prstDash val="solid"/>
+                      <a:round/>
+                      <a:headEnd type="none" w="med" len="med"/>
+                      <a:tailEnd type="none" w="med" len="med"/>
+                    </a:lnR>
+                    <a:lnT w="12700" cap="flat" cmpd="sng" algn="ctr">
+                      <a:solidFill>
+                        <a:srgbClr val="000000"/>
+                      </a:solidFill>
+                      <a:prstDash val="solid"/>
+                      <a:round/>
+                      <a:headEnd type="none" w="med" len="med"/>
+                      <a:tailEnd type="none" w="med" len="med"/>
+                    </a:lnT>
+                    <a:lnB w="12700" cap="flat" cmpd="sng" algn="ctr">
+                      <a:solidFill>
+                        <a:srgbClr val="000000"/>
+                      </a:solidFill>
+                      <a:prstDash val="solid"/>
+                      <a:round/>
+                      <a:headEnd type="none" w="med" len="med"/>
+                      <a:tailEnd type="none" w="med" len="med"/>
+                    </a:lnB>
+                  </a:tcPr>
+                </a:tc>
+                <a:tc>
+                  <a:txBody>
+                    <a:bodyPr/>
+                    <a:lstStyle/>
+                    <a:p>
+                      <a:pPr algn="l" fontAlgn="t">
+                        <a:lnSpc>
+                          <a:spcPct val="107000"/>
+                        </a:lnSpc>
+                        <a:spcBef>
+                          <a:spcPts val="0"/>
+                        </a:spcBef>
+                        <a:spcAft>
+                          <a:spcPts val="800"/>
+                        </a:spcAft>
+                        <a:tabLst>
+                          <a:tab pos="374650" algn="l"/>
+                        </a:tabLst>
+                      </a:pPr>
+                      <a:r>
+                        <a:rPr lang="de-DE" sz="1600" b="0" i="0" u="none" strike="noStrike" dirty="0">
+                          <a:solidFill>
+                            <a:srgbClr val="000000"/>
+                          </a:solidFill>
+                          <a:effectLst/>
+                          <a:latin typeface="Calibri" panose="020F0502020204030204" pitchFamily="34" charset="0"/>
+                          <a:ea typeface="Calibri" panose="020F0502020204030204" pitchFamily="34" charset="0"/>
+                          <a:cs typeface="Times New Roman" panose="02020603050405020304" pitchFamily="18" charset="0"/>
+                        </a:rPr>
+                        <a:t>9	</a:t>
+                      </a:r>
+                      <a:endParaRPr lang="de-DE" sz="2900" b="0" i="0" u="none" strike="noStrike" dirty="0">
+                        <a:effectLst/>
+                        <a:latin typeface="Arial" panose="020B0604020202020204" pitchFamily="34" charset="0"/>
+                      </a:endParaRPr>
+                    </a:p>
+                  </a:txBody>
+                  <a:tcPr marL="108842" marR="108842" marT="15117" marB="0">
+                    <a:lnL w="12700" cap="flat" cmpd="sng" algn="ctr">
+                      <a:solidFill>
+                        <a:srgbClr val="000000"/>
+                      </a:solidFill>
+                      <a:prstDash val="solid"/>
+                      <a:round/>
+                      <a:headEnd type="none" w="med" len="med"/>
+                      <a:tailEnd type="none" w="med" len="med"/>
+                    </a:lnL>
+                    <a:lnR w="12700" cap="flat" cmpd="sng" algn="ctr">
+                      <a:solidFill>
+                        <a:srgbClr val="000000"/>
+                      </a:solidFill>
+                      <a:prstDash val="solid"/>
+                      <a:round/>
+                      <a:headEnd type="none" w="med" len="med"/>
+                      <a:tailEnd type="none" w="med" len="med"/>
+                    </a:lnR>
+                    <a:lnT w="12700" cap="flat" cmpd="sng" algn="ctr">
+                      <a:solidFill>
+                        <a:srgbClr val="000000"/>
+                      </a:solidFill>
+                      <a:prstDash val="solid"/>
+                      <a:round/>
+                      <a:headEnd type="none" w="med" len="med"/>
+                      <a:tailEnd type="none" w="med" len="med"/>
+                    </a:lnT>
+                    <a:lnB w="12700" cap="flat" cmpd="sng" algn="ctr">
+                      <a:solidFill>
+                        <a:srgbClr val="000000"/>
+                      </a:solidFill>
+                      <a:prstDash val="solid"/>
+                      <a:round/>
+                      <a:headEnd type="none" w="med" len="med"/>
+                      <a:tailEnd type="none" w="med" len="med"/>
+                    </a:lnB>
+                    <a:solidFill>
+                      <a:schemeClr val="bg1"/>
+                    </a:solidFill>
+                  </a:tcPr>
+                </a:tc>
+                <a:tc>
+                  <a:txBody>
+                    <a:bodyPr/>
+                    <a:lstStyle/>
+                    <a:p>
+                      <a:pPr algn="l" fontAlgn="t">
+                        <a:lnSpc>
+                          <a:spcPct val="107000"/>
+                        </a:lnSpc>
+                        <a:spcBef>
+                          <a:spcPts val="0"/>
+                        </a:spcBef>
+                        <a:spcAft>
+                          <a:spcPts val="800"/>
+                        </a:spcAft>
+                        <a:tabLst>
+                          <a:tab pos="374650" algn="l"/>
+                        </a:tabLst>
+                      </a:pPr>
+                      <a:r>
+                        <a:rPr lang="de-DE" sz="1600" b="0" i="0" u="none" strike="noStrike" kern="1200" dirty="0">
+                          <a:solidFill>
+                            <a:schemeClr val="tx1"/>
+                          </a:solidFill>
+                          <a:effectLst/>
+                          <a:latin typeface="Calibri" panose="020F0502020204030204" pitchFamily="34" charset="0"/>
+                          <a:cs typeface="Times New Roman" panose="02020603050405020304" pitchFamily="18" charset="0"/>
+                        </a:rPr>
+                        <a:t>2</a:t>
+                      </a:r>
+                    </a:p>
+                  </a:txBody>
+                  <a:tcPr marL="108842" marR="108842" marT="15117" marB="0">
+                    <a:lnL w="12700" cap="flat" cmpd="sng" algn="ctr">
+                      <a:solidFill>
+                        <a:srgbClr val="000000"/>
+                      </a:solidFill>
+                      <a:prstDash val="solid"/>
+                      <a:round/>
+                      <a:headEnd type="none" w="med" len="med"/>
+                      <a:tailEnd type="none" w="med" len="med"/>
+                    </a:lnL>
+                    <a:lnR w="12700" cap="flat" cmpd="sng" algn="ctr">
+                      <a:solidFill>
+                        <a:srgbClr val="000000"/>
+                      </a:solidFill>
+                      <a:prstDash val="solid"/>
+                      <a:round/>
+                      <a:headEnd type="none" w="med" len="med"/>
+                      <a:tailEnd type="none" w="med" len="med"/>
+                    </a:lnR>
+                    <a:lnT w="12700" cap="flat" cmpd="sng" algn="ctr">
+                      <a:solidFill>
+                        <a:srgbClr val="000000"/>
+                      </a:solidFill>
+                      <a:prstDash val="solid"/>
+                      <a:round/>
+                      <a:headEnd type="none" w="med" len="med"/>
+                      <a:tailEnd type="none" w="med" len="med"/>
+                    </a:lnT>
+                    <a:lnB w="12700" cap="flat" cmpd="sng" algn="ctr">
+                      <a:solidFill>
+                        <a:srgbClr val="000000"/>
+                      </a:solidFill>
+                      <a:prstDash val="solid"/>
+                      <a:round/>
+                      <a:headEnd type="none" w="med" len="med"/>
+                      <a:tailEnd type="none" w="med" len="med"/>
+                    </a:lnB>
+                    <a:noFill/>
+                  </a:tcPr>
+                </a:tc>
+                <a:tc>
+                  <a:txBody>
+                    <a:bodyPr/>
+                    <a:lstStyle/>
+                    <a:p>
+                      <a:pPr algn="l" fontAlgn="t">
+                        <a:lnSpc>
+                          <a:spcPct val="107000"/>
+                        </a:lnSpc>
+                        <a:spcBef>
+                          <a:spcPts val="0"/>
+                        </a:spcBef>
+                        <a:spcAft>
+                          <a:spcPts val="800"/>
+                        </a:spcAft>
+                        <a:tabLst>
+                          <a:tab pos="374650" algn="l"/>
+                        </a:tabLst>
+                      </a:pPr>
+                      <a:r>
+                        <a:rPr lang="de-DE" sz="1600" b="0" i="0" u="none" strike="noStrike" kern="1200" dirty="0">
+                          <a:solidFill>
+                            <a:schemeClr val="tx1"/>
+                          </a:solidFill>
+                          <a:effectLst/>
+                          <a:latin typeface="Calibri" panose="020F0502020204030204" pitchFamily="34" charset="0"/>
+                          <a:cs typeface="Times New Roman" panose="02020603050405020304" pitchFamily="18" charset="0"/>
+                        </a:rPr>
+                        <a:t>18</a:t>
+                      </a:r>
+                    </a:p>
+                  </a:txBody>
+                  <a:tcPr marL="108842" marR="108842" marT="15117" marB="0">
+                    <a:lnL w="12700" cap="flat" cmpd="sng" algn="ctr">
+                      <a:solidFill>
+                        <a:srgbClr val="000000"/>
+                      </a:solidFill>
+                      <a:prstDash val="solid"/>
+                      <a:round/>
+                      <a:headEnd type="none" w="med" len="med"/>
+                      <a:tailEnd type="none" w="med" len="med"/>
+                    </a:lnL>
+                    <a:lnR w="12700" cap="flat" cmpd="sng" algn="ctr">
+                      <a:solidFill>
+                        <a:srgbClr val="000000"/>
+                      </a:solidFill>
+                      <a:prstDash val="solid"/>
+                      <a:round/>
+                      <a:headEnd type="none" w="med" len="med"/>
+                      <a:tailEnd type="none" w="med" len="med"/>
+                    </a:lnR>
+                    <a:lnT w="12700" cap="flat" cmpd="sng" algn="ctr">
+                      <a:solidFill>
+                        <a:srgbClr val="000000"/>
+                      </a:solidFill>
+                      <a:prstDash val="solid"/>
+                      <a:round/>
+                      <a:headEnd type="none" w="med" len="med"/>
+                      <a:tailEnd type="none" w="med" len="med"/>
+                    </a:lnT>
+                    <a:lnB w="12700" cap="flat" cmpd="sng" algn="ctr">
+                      <a:solidFill>
+                        <a:srgbClr val="000000"/>
+                      </a:solidFill>
+                      <a:prstDash val="solid"/>
+                      <a:round/>
+                      <a:headEnd type="none" w="med" len="med"/>
+                      <a:tailEnd type="none" w="med" len="med"/>
+                    </a:lnB>
+                    <a:noFill/>
+                  </a:tcPr>
+                </a:tc>
+                <a:extLst>
+                  <a:ext uri="{0D108BD9-81ED-4DB2-BD59-A6C34878D82A}">
+                    <a16:rowId xmlns:a16="http://schemas.microsoft.com/office/drawing/2014/main" val="303453965"/>
+                  </a:ext>
+                </a:extLst>
+              </a:tr>
+            </a:tbl>
+          </a:graphicData>
+        </a:graphic>
+      </p:graphicFrame>
     </p:spTree>
     <p:extLst>
       <p:ext uri="{BB962C8B-B14F-4D97-AF65-F5344CB8AC3E}">
-        <p14:creationId xmlns:p14="http://schemas.microsoft.com/office/powerpoint/2010/main" val="4162896989"/>
+        <p14:creationId xmlns:p14="http://schemas.microsoft.com/office/powerpoint/2010/main" val="1238952428"/>
       </p:ext>
     </p:extLst>
   </p:cSld>
@@ -4707,7 +7716,7 @@
           <a:p>
             <a:fld id="{4C7FBE89-DCA5-4DC0-AB26-3C3EB1D6532B}" type="datetime1">
               <a:rPr lang="de-DE" smtClean="0"/>
-              <a:t>03.01.2021</a:t>
+              <a:t>11.01.2021</a:t>
             </a:fld>
             <a:endParaRPr lang="de-DE"/>
           </a:p>
@@ -4746,6 +7755,256 @@
             <a:fld id="{2D4C594A-0DAD-48BB-BE3B-8241EF812AB5}" type="slidenum">
               <a:rPr lang="de-DE" smtClean="0"/>
               <a:t>11</a:t>
+            </a:fld>
+            <a:endParaRPr lang="de-DE" dirty="0"/>
+          </a:p>
+        </p:txBody>
+      </p:sp>
+      <p:sp>
+        <p:nvSpPr>
+          <p:cNvPr id="10" name="Textfeld 9">
+            <a:extLst>
+              <a:ext uri="{FF2B5EF4-FFF2-40B4-BE49-F238E27FC236}">
+                <a16:creationId xmlns:a16="http://schemas.microsoft.com/office/drawing/2014/main" id="{2A75AA0E-7344-41A6-A903-9D8A4164AF90}"/>
+              </a:ext>
+            </a:extLst>
+          </p:cNvPr>
+          <p:cNvSpPr txBox="1"/>
+          <p:nvPr/>
+        </p:nvSpPr>
+        <p:spPr>
+          <a:xfrm>
+            <a:off x="1459684" y="788564"/>
+            <a:ext cx="7499758" cy="369332"/>
+          </a:xfrm>
+          <a:prstGeom prst="rect">
+            <a:avLst/>
+          </a:prstGeom>
+          <a:noFill/>
+        </p:spPr>
+        <p:txBody>
+          <a:bodyPr wrap="square" rtlCol="0">
+            <a:spAutoFit/>
+          </a:bodyPr>
+          <a:lstStyle/>
+          <a:p>
+            <a:endParaRPr lang="de-DE" dirty="0"/>
+          </a:p>
+        </p:txBody>
+      </p:sp>
+      <p:sp>
+        <p:nvSpPr>
+          <p:cNvPr id="8" name="Textfeld 7">
+            <a:extLst>
+              <a:ext uri="{FF2B5EF4-FFF2-40B4-BE49-F238E27FC236}">
+                <a16:creationId xmlns:a16="http://schemas.microsoft.com/office/drawing/2014/main" id="{EDBFFB49-FAAA-4383-912E-DCAAB9C0367D}"/>
+              </a:ext>
+            </a:extLst>
+          </p:cNvPr>
+          <p:cNvSpPr txBox="1"/>
+          <p:nvPr/>
+        </p:nvSpPr>
+        <p:spPr>
+          <a:xfrm>
+            <a:off x="1281887" y="760332"/>
+            <a:ext cx="3226974" cy="769441"/>
+          </a:xfrm>
+          <a:prstGeom prst="rect">
+            <a:avLst/>
+          </a:prstGeom>
+          <a:noFill/>
+        </p:spPr>
+        <p:txBody>
+          <a:bodyPr wrap="none" rtlCol="0">
+            <a:spAutoFit/>
+          </a:bodyPr>
+          <a:lstStyle/>
+          <a:p>
+            <a:r>
+              <a:rPr lang="de-DE" sz="4400" dirty="0"/>
+              <a:t>Risikoanalyse</a:t>
+            </a:r>
+          </a:p>
+        </p:txBody>
+      </p:sp>
+      <p:sp>
+        <p:nvSpPr>
+          <p:cNvPr id="3" name="Textfeld 2">
+            <a:extLst>
+              <a:ext uri="{FF2B5EF4-FFF2-40B4-BE49-F238E27FC236}">
+                <a16:creationId xmlns:a16="http://schemas.microsoft.com/office/drawing/2014/main" id="{05220B2E-62E4-49E9-BD29-FD42A6E6701B}"/>
+              </a:ext>
+            </a:extLst>
+          </p:cNvPr>
+          <p:cNvSpPr txBox="1"/>
+          <p:nvPr/>
+        </p:nvSpPr>
+        <p:spPr>
+          <a:xfrm>
+            <a:off x="1281887" y="1959429"/>
+            <a:ext cx="7960725" cy="2031325"/>
+          </a:xfrm>
+          <a:prstGeom prst="rect">
+            <a:avLst/>
+          </a:prstGeom>
+          <a:noFill/>
+        </p:spPr>
+        <p:txBody>
+          <a:bodyPr wrap="square" rtlCol="0">
+            <a:spAutoFit/>
+          </a:bodyPr>
+          <a:lstStyle/>
+          <a:p>
+            <a:r>
+              <a:rPr lang="de-DE" b="1" dirty="0">
+                <a:latin typeface="Calibri" panose="020F0502020204030204" pitchFamily="34" charset="0"/>
+                <a:ea typeface="Calibri" panose="020F0502020204030204" pitchFamily="34" charset="0"/>
+                <a:cs typeface="Times New Roman" panose="02020603050405020304" pitchFamily="18" charset="0"/>
+              </a:rPr>
+              <a:t>Projekt wird nicht fertig gestellt</a:t>
+            </a:r>
+            <a:r>
+              <a:rPr lang="de-DE" dirty="0">
+                <a:latin typeface="Calibri" panose="020F0502020204030204" pitchFamily="34" charset="0"/>
+                <a:ea typeface="Calibri" panose="020F0502020204030204" pitchFamily="34" charset="0"/>
+                <a:cs typeface="Times New Roman" panose="02020603050405020304" pitchFamily="18" charset="0"/>
+              </a:rPr>
+              <a:t>: Aufgrund der hohen Komplexität des neu zu implementierenden Codes wurde der zeitliche Rahmen deutlich überschritten, so dass keine Zeit war die zuvor erstellten Tests durchzuführen. Ohne die Testdurchführung kann das Projekt nicht als abgeschlossen angesehen werden.</a:t>
+            </a:r>
+          </a:p>
+          <a:p>
+            <a:endParaRPr lang="de-DE" dirty="0">
+              <a:latin typeface="Calibri" panose="020F0502020204030204" pitchFamily="34" charset="0"/>
+              <a:cs typeface="Times New Roman" panose="02020603050405020304" pitchFamily="18" charset="0"/>
+            </a:endParaRPr>
+          </a:p>
+          <a:p>
+            <a:r>
+              <a:rPr lang="de-DE" b="1" dirty="0">
+                <a:latin typeface="Calibri" panose="020F0502020204030204" pitchFamily="34" charset="0"/>
+                <a:cs typeface="Times New Roman" panose="02020603050405020304" pitchFamily="18" charset="0"/>
+              </a:rPr>
+              <a:t>System misst falsch oder gar nicht: </a:t>
+            </a:r>
+            <a:r>
+              <a:rPr lang="de-DE" dirty="0">
+                <a:latin typeface="Calibri" panose="020F0502020204030204" pitchFamily="34" charset="0"/>
+                <a:cs typeface="Times New Roman" panose="02020603050405020304" pitchFamily="18" charset="0"/>
+              </a:rPr>
+              <a:t>Aufgrund des </a:t>
+            </a:r>
+            <a:r>
+              <a:rPr lang="de-DE">
+                <a:latin typeface="Calibri" panose="020F0502020204030204" pitchFamily="34" charset="0"/>
+                <a:cs typeface="Times New Roman" panose="02020603050405020304" pitchFamily="18" charset="0"/>
+              </a:rPr>
+              <a:t>implementierten Algorithmus, </a:t>
+            </a:r>
+            <a:r>
+              <a:rPr lang="de-DE" dirty="0">
+                <a:latin typeface="Calibri" panose="020F0502020204030204" pitchFamily="34" charset="0"/>
+                <a:cs typeface="Times New Roman" panose="02020603050405020304" pitchFamily="18" charset="0"/>
+              </a:rPr>
+              <a:t>ist eine Lokalisierung der zu detektierenden Geräuschquelle nicht möglich. </a:t>
+            </a:r>
+            <a:endParaRPr lang="de-DE" dirty="0">
+              <a:latin typeface="Arial" panose="020B0604020202020204" pitchFamily="34" charset="0"/>
+            </a:endParaRPr>
+          </a:p>
+        </p:txBody>
+      </p:sp>
+    </p:spTree>
+    <p:extLst>
+      <p:ext uri="{BB962C8B-B14F-4D97-AF65-F5344CB8AC3E}">
+        <p14:creationId xmlns:p14="http://schemas.microsoft.com/office/powerpoint/2010/main" val="4162896989"/>
+      </p:ext>
+    </p:extLst>
+  </p:cSld>
+  <p:clrMapOvr>
+    <a:masterClrMapping/>
+  </p:clrMapOvr>
+</p:sld>
+</file>
+
+<file path=ppt/slides/slide12.xml><?xml version="1.0" encoding="utf-8"?>
+<p:sld xmlns:a="http://schemas.openxmlformats.org/drawingml/2006/main" xmlns:r="http://schemas.openxmlformats.org/officeDocument/2006/relationships" xmlns:p="http://schemas.openxmlformats.org/presentationml/2006/main">
+  <p:cSld>
+    <p:spTree>
+      <p:nvGrpSpPr>
+        <p:cNvPr id="1" name=""/>
+        <p:cNvGrpSpPr/>
+        <p:nvPr/>
+      </p:nvGrpSpPr>
+      <p:grpSpPr>
+        <a:xfrm>
+          <a:off x="0" y="0"/>
+          <a:ext cx="0" cy="0"/>
+          <a:chOff x="0" y="0"/>
+          <a:chExt cx="0" cy="0"/>
+        </a:xfrm>
+      </p:grpSpPr>
+      <p:sp>
+        <p:nvSpPr>
+          <p:cNvPr id="5" name="Datumsplatzhalter 4">
+            <a:extLst>
+              <a:ext uri="{FF2B5EF4-FFF2-40B4-BE49-F238E27FC236}">
+                <a16:creationId xmlns:a16="http://schemas.microsoft.com/office/drawing/2014/main" id="{02AC242E-056D-4A16-929F-CCEFDAC92688}"/>
+              </a:ext>
+            </a:extLst>
+          </p:cNvPr>
+          <p:cNvSpPr>
+            <a:spLocks noGrp="1"/>
+          </p:cNvSpPr>
+          <p:nvPr>
+            <p:ph type="dt" sz="half" idx="10"/>
+          </p:nvPr>
+        </p:nvSpPr>
+        <p:spPr/>
+        <p:txBody>
+          <a:bodyPr/>
+          <a:lstStyle/>
+          <a:p>
+            <a:fld id="{4C7FBE89-DCA5-4DC0-AB26-3C3EB1D6532B}" type="datetime1">
+              <a:rPr lang="de-DE" smtClean="0"/>
+              <a:t>11.01.2021</a:t>
+            </a:fld>
+            <a:endParaRPr lang="de-DE"/>
+          </a:p>
+        </p:txBody>
+      </p:sp>
+      <p:sp>
+        <p:nvSpPr>
+          <p:cNvPr id="7" name="Foliennummernplatzhalter 6">
+            <a:extLst>
+              <a:ext uri="{FF2B5EF4-FFF2-40B4-BE49-F238E27FC236}">
+                <a16:creationId xmlns:a16="http://schemas.microsoft.com/office/drawing/2014/main" id="{D1C2059F-1072-4A86-9869-7FBD8B5618BD}"/>
+              </a:ext>
+            </a:extLst>
+          </p:cNvPr>
+          <p:cNvSpPr>
+            <a:spLocks noGrp="1"/>
+          </p:cNvSpPr>
+          <p:nvPr>
+            <p:ph type="sldNum" sz="quarter" idx="12"/>
+          </p:nvPr>
+        </p:nvSpPr>
+        <p:spPr>
+          <a:xfrm>
+            <a:off x="8509932" y="6356350"/>
+            <a:ext cx="2743200" cy="365125"/>
+          </a:xfrm>
+        </p:spPr>
+        <p:txBody>
+          <a:bodyPr/>
+          <a:lstStyle/>
+          <a:p>
+            <a:r>
+              <a:rPr lang="de-DE"/>
+              <a:t>	 </a:t>
+            </a:r>
+            <a:fld id="{2D4C594A-0DAD-48BB-BE3B-8241EF812AB5}" type="slidenum">
+              <a:rPr lang="de-DE" smtClean="0"/>
+              <a:t>12</a:t>
             </a:fld>
             <a:endParaRPr lang="de-DE" dirty="0"/>
           </a:p>
@@ -4862,311 +8121,6 @@
 </p:sld>
 </file>
 
-<file path=ppt/slides/slide12.xml><?xml version="1.0" encoding="utf-8"?>
-<p:sld xmlns:a="http://schemas.openxmlformats.org/drawingml/2006/main" xmlns:r="http://schemas.openxmlformats.org/officeDocument/2006/relationships" xmlns:p="http://schemas.openxmlformats.org/presentationml/2006/main">
-  <p:cSld>
-    <p:spTree>
-      <p:nvGrpSpPr>
-        <p:cNvPr id="1" name=""/>
-        <p:cNvGrpSpPr/>
-        <p:nvPr/>
-      </p:nvGrpSpPr>
-      <p:grpSpPr>
-        <a:xfrm>
-          <a:off x="0" y="0"/>
-          <a:ext cx="0" cy="0"/>
-          <a:chOff x="0" y="0"/>
-          <a:chExt cx="0" cy="0"/>
-        </a:xfrm>
-      </p:grpSpPr>
-      <p:sp>
-        <p:nvSpPr>
-          <p:cNvPr id="5" name="Datumsplatzhalter 4">
-            <a:extLst>
-              <a:ext uri="{FF2B5EF4-FFF2-40B4-BE49-F238E27FC236}">
-                <a16:creationId xmlns:a16="http://schemas.microsoft.com/office/drawing/2014/main" id="{02AC242E-056D-4A16-929F-CCEFDAC92688}"/>
-              </a:ext>
-            </a:extLst>
-          </p:cNvPr>
-          <p:cNvSpPr>
-            <a:spLocks noGrp="1"/>
-          </p:cNvSpPr>
-          <p:nvPr>
-            <p:ph type="dt" sz="half" idx="10"/>
-          </p:nvPr>
-        </p:nvSpPr>
-        <p:spPr/>
-        <p:txBody>
-          <a:bodyPr/>
-          <a:lstStyle/>
-          <a:p>
-            <a:fld id="{4C7FBE89-DCA5-4DC0-AB26-3C3EB1D6532B}" type="datetime1">
-              <a:rPr lang="de-DE" smtClean="0"/>
-              <a:t>03.01.2021</a:t>
-            </a:fld>
-            <a:endParaRPr lang="de-DE"/>
-          </a:p>
-        </p:txBody>
-      </p:sp>
-      <p:sp>
-        <p:nvSpPr>
-          <p:cNvPr id="7" name="Foliennummernplatzhalter 6">
-            <a:extLst>
-              <a:ext uri="{FF2B5EF4-FFF2-40B4-BE49-F238E27FC236}">
-                <a16:creationId xmlns:a16="http://schemas.microsoft.com/office/drawing/2014/main" id="{D1C2059F-1072-4A86-9869-7FBD8B5618BD}"/>
-              </a:ext>
-            </a:extLst>
-          </p:cNvPr>
-          <p:cNvSpPr>
-            <a:spLocks noGrp="1"/>
-          </p:cNvSpPr>
-          <p:nvPr>
-            <p:ph type="sldNum" sz="quarter" idx="12"/>
-          </p:nvPr>
-        </p:nvSpPr>
-        <p:spPr>
-          <a:xfrm>
-            <a:off x="8509932" y="6356350"/>
-            <a:ext cx="2743200" cy="365125"/>
-          </a:xfrm>
-        </p:spPr>
-        <p:txBody>
-          <a:bodyPr/>
-          <a:lstStyle/>
-          <a:p>
-            <a:r>
-              <a:rPr lang="de-DE"/>
-              <a:t>	 </a:t>
-            </a:r>
-            <a:fld id="{2D4C594A-0DAD-48BB-BE3B-8241EF812AB5}" type="slidenum">
-              <a:rPr lang="de-DE" smtClean="0"/>
-              <a:t>12</a:t>
-            </a:fld>
-            <a:endParaRPr lang="de-DE" dirty="0"/>
-          </a:p>
-        </p:txBody>
-      </p:sp>
-      <p:sp>
-        <p:nvSpPr>
-          <p:cNvPr id="10" name="Textfeld 9">
-            <a:extLst>
-              <a:ext uri="{FF2B5EF4-FFF2-40B4-BE49-F238E27FC236}">
-                <a16:creationId xmlns:a16="http://schemas.microsoft.com/office/drawing/2014/main" id="{2A75AA0E-7344-41A6-A903-9D8A4164AF90}"/>
-              </a:ext>
-            </a:extLst>
-          </p:cNvPr>
-          <p:cNvSpPr txBox="1"/>
-          <p:nvPr/>
-        </p:nvSpPr>
-        <p:spPr>
-          <a:xfrm>
-            <a:off x="1459684" y="788564"/>
-            <a:ext cx="7499758" cy="369332"/>
-          </a:xfrm>
-          <a:prstGeom prst="rect">
-            <a:avLst/>
-          </a:prstGeom>
-          <a:noFill/>
-        </p:spPr>
-        <p:txBody>
-          <a:bodyPr wrap="square" rtlCol="0">
-            <a:spAutoFit/>
-          </a:bodyPr>
-          <a:lstStyle/>
-          <a:p>
-            <a:endParaRPr lang="de-DE" dirty="0"/>
-          </a:p>
-        </p:txBody>
-      </p:sp>
-      <p:sp>
-        <p:nvSpPr>
-          <p:cNvPr id="8" name="Textfeld 7">
-            <a:extLst>
-              <a:ext uri="{FF2B5EF4-FFF2-40B4-BE49-F238E27FC236}">
-                <a16:creationId xmlns:a16="http://schemas.microsoft.com/office/drawing/2014/main" id="{EDBFFB49-FAAA-4383-912E-DCAAB9C0367D}"/>
-              </a:ext>
-            </a:extLst>
-          </p:cNvPr>
-          <p:cNvSpPr txBox="1"/>
-          <p:nvPr/>
-        </p:nvSpPr>
-        <p:spPr>
-          <a:xfrm>
-            <a:off x="1281887" y="760332"/>
-            <a:ext cx="7771358" cy="769441"/>
-          </a:xfrm>
-          <a:prstGeom prst="rect">
-            <a:avLst/>
-          </a:prstGeom>
-          <a:noFill/>
-        </p:spPr>
-        <p:txBody>
-          <a:bodyPr wrap="none" rtlCol="0">
-            <a:spAutoFit/>
-          </a:bodyPr>
-          <a:lstStyle/>
-          <a:p>
-            <a:r>
-              <a:rPr lang="de-DE" sz="4400" dirty="0"/>
-              <a:t>Feedback der Teilnehmer (Hilfen)</a:t>
-            </a:r>
-          </a:p>
-        </p:txBody>
-      </p:sp>
-      <p:sp>
-        <p:nvSpPr>
-          <p:cNvPr id="2" name="Textfeld 1">
-            <a:extLst>
-              <a:ext uri="{FF2B5EF4-FFF2-40B4-BE49-F238E27FC236}">
-                <a16:creationId xmlns:a16="http://schemas.microsoft.com/office/drawing/2014/main" id="{B4B7D708-731E-4C90-A713-8FF5D22E1042}"/>
-              </a:ext>
-            </a:extLst>
-          </p:cNvPr>
-          <p:cNvSpPr txBox="1"/>
-          <p:nvPr/>
-        </p:nvSpPr>
-        <p:spPr>
-          <a:xfrm>
-            <a:off x="1602377" y="2246811"/>
-            <a:ext cx="6395212" cy="3416320"/>
-          </a:xfrm>
-          <a:prstGeom prst="rect">
-            <a:avLst/>
-          </a:prstGeom>
-          <a:noFill/>
-        </p:spPr>
-        <p:txBody>
-          <a:bodyPr wrap="none" rtlCol="0">
-            <a:spAutoFit/>
-          </a:bodyPr>
-          <a:lstStyle/>
-          <a:p>
-            <a:r>
-              <a:rPr lang="de-DE" dirty="0"/>
-              <a:t>Zwei Dinge, die mir in der Bachelor-Projektarbeit geholfen hat:</a:t>
-            </a:r>
-          </a:p>
-          <a:p>
-            <a:endParaRPr lang="de-DE" dirty="0"/>
-          </a:p>
-          <a:p>
-            <a:pPr marL="285750" indent="-285750">
-              <a:buFontTx/>
-              <a:buChar char="-"/>
-            </a:pPr>
-            <a:r>
-              <a:rPr lang="de-DE" dirty="0" err="1"/>
-              <a:t>Scrumboard</a:t>
-            </a:r>
-            <a:endParaRPr lang="de-DE" dirty="0"/>
-          </a:p>
-          <a:p>
-            <a:pPr marL="285750" indent="-285750">
-              <a:buFontTx/>
-              <a:buChar char="-"/>
-            </a:pPr>
-            <a:r>
-              <a:rPr lang="de-DE" dirty="0"/>
-              <a:t>Kommunikation mit Laborbeteiligten</a:t>
-            </a:r>
-          </a:p>
-          <a:p>
-            <a:pPr marL="285750" indent="-285750">
-              <a:buFontTx/>
-              <a:buChar char="-"/>
-            </a:pPr>
-            <a:r>
-              <a:rPr lang="de-DE" dirty="0"/>
-              <a:t>Vergleich/ Ableitung mit bereits existierenden Projekten</a:t>
-            </a:r>
-          </a:p>
-          <a:p>
-            <a:pPr marL="285750" indent="-285750">
-              <a:buFontTx/>
-              <a:buChar char="-"/>
-            </a:pPr>
-            <a:r>
-              <a:rPr lang="de-DE" dirty="0"/>
-              <a:t>Tools (CAD, </a:t>
-            </a:r>
-            <a:r>
-              <a:rPr lang="de-DE" dirty="0" err="1"/>
-              <a:t>Git</a:t>
-            </a:r>
-            <a:r>
-              <a:rPr lang="de-DE" dirty="0"/>
-              <a:t>, Excel, etc.)</a:t>
-            </a:r>
-          </a:p>
-          <a:p>
-            <a:pPr marL="285750" indent="-285750">
-              <a:buFontTx/>
-              <a:buChar char="-"/>
-            </a:pPr>
-            <a:r>
-              <a:rPr lang="de-DE" dirty="0"/>
-              <a:t>Methoden des sozialen Umgangs</a:t>
-            </a:r>
-          </a:p>
-          <a:p>
-            <a:pPr marL="285750" indent="-285750">
-              <a:buFontTx/>
-              <a:buChar char="-"/>
-            </a:pPr>
-            <a:r>
-              <a:rPr lang="de-DE" dirty="0"/>
-              <a:t>Arbeiten an Hardware, weg vom Abstrakten hin zum Konkreten</a:t>
-            </a:r>
-          </a:p>
-          <a:p>
-            <a:pPr marL="285750" indent="-285750">
-              <a:buFontTx/>
-              <a:buChar char="-"/>
-            </a:pPr>
-            <a:r>
-              <a:rPr lang="de-DE" dirty="0"/>
-              <a:t>Theoretischer Hintergrund über die Teamdynamik </a:t>
-            </a:r>
-          </a:p>
-          <a:p>
-            <a:pPr marL="285750" indent="-285750">
-              <a:buFontTx/>
-              <a:buChar char="-"/>
-            </a:pPr>
-            <a:r>
-              <a:rPr lang="de-DE" dirty="0"/>
-              <a:t>Die Informationen der Auftraggeber-Firma</a:t>
-            </a:r>
-          </a:p>
-          <a:p>
-            <a:pPr marL="285750" indent="-285750">
-              <a:buFontTx/>
-              <a:buChar char="-"/>
-            </a:pPr>
-            <a:endParaRPr lang="de-DE" dirty="0"/>
-          </a:p>
-          <a:p>
-            <a:pPr marL="285750" indent="-285750">
-              <a:buFontTx/>
-              <a:buChar char="-"/>
-            </a:pPr>
-            <a:endParaRPr lang="de-DE" dirty="0"/>
-          </a:p>
-        </p:txBody>
-      </p:sp>
-    </p:spTree>
-    <p:extLst>
-      <p:ext uri="{BB962C8B-B14F-4D97-AF65-F5344CB8AC3E}">
-        <p14:creationId xmlns:p14="http://schemas.microsoft.com/office/powerpoint/2010/main" val="1831678330"/>
-      </p:ext>
-    </p:extLst>
-  </p:cSld>
-  <p:clrMapOvr>
-    <a:masterClrMapping/>
-  </p:clrMapOvr>
-</p:sld>
-</file>
-
 <file path=ppt/slides/slide13.xml><?xml version="1.0" encoding="utf-8"?>
 <p:sld xmlns:a="http://schemas.openxmlformats.org/drawingml/2006/main" xmlns:r="http://schemas.openxmlformats.org/officeDocument/2006/relationships" xmlns:p="http://schemas.openxmlformats.org/presentationml/2006/main">
   <p:cSld>
@@ -5207,7 +8161,7 @@
           <a:p>
             <a:fld id="{4C7FBE89-DCA5-4DC0-AB26-3C3EB1D6532B}" type="datetime1">
               <a:rPr lang="de-DE" smtClean="0"/>
-              <a:t>03.01.2021</a:t>
+              <a:t>11.01.2021</a:t>
             </a:fld>
             <a:endParaRPr lang="de-DE"/>
           </a:p>
@@ -5298,6 +8252,378 @@
         <p:spPr>
           <a:xfrm>
             <a:off x="1281887" y="760332"/>
+            <a:ext cx="7771358" cy="769441"/>
+          </a:xfrm>
+          <a:prstGeom prst="rect">
+            <a:avLst/>
+          </a:prstGeom>
+          <a:noFill/>
+        </p:spPr>
+        <p:txBody>
+          <a:bodyPr wrap="none" rtlCol="0">
+            <a:spAutoFit/>
+          </a:bodyPr>
+          <a:lstStyle/>
+          <a:p>
+            <a:r>
+              <a:rPr lang="de-DE" sz="4400" dirty="0"/>
+              <a:t>Feedback der Teilnehmer (Hilfen)</a:t>
+            </a:r>
+          </a:p>
+        </p:txBody>
+      </p:sp>
+      <p:sp>
+        <p:nvSpPr>
+          <p:cNvPr id="2" name="Textfeld 1">
+            <a:extLst>
+              <a:ext uri="{FF2B5EF4-FFF2-40B4-BE49-F238E27FC236}">
+                <a16:creationId xmlns:a16="http://schemas.microsoft.com/office/drawing/2014/main" id="{B4B7D708-731E-4C90-A713-8FF5D22E1042}"/>
+              </a:ext>
+            </a:extLst>
+          </p:cNvPr>
+          <p:cNvSpPr txBox="1"/>
+          <p:nvPr/>
+        </p:nvSpPr>
+        <p:spPr>
+          <a:xfrm>
+            <a:off x="1602377" y="2246811"/>
+            <a:ext cx="7946150" cy="3416320"/>
+          </a:xfrm>
+          <a:prstGeom prst="rect">
+            <a:avLst/>
+          </a:prstGeom>
+          <a:noFill/>
+        </p:spPr>
+        <p:txBody>
+          <a:bodyPr wrap="none" rtlCol="0">
+            <a:spAutoFit/>
+          </a:bodyPr>
+          <a:lstStyle/>
+          <a:p>
+            <a:r>
+              <a:rPr lang="de-DE" dirty="0"/>
+              <a:t>Zwei Dinge, die mir in der Bachelor-Projektarbeit geholfen hat:</a:t>
+            </a:r>
+          </a:p>
+          <a:p>
+            <a:endParaRPr lang="de-DE" dirty="0"/>
+          </a:p>
+          <a:p>
+            <a:pPr marL="285750" indent="-285750">
+              <a:buFontTx/>
+              <a:buChar char="-"/>
+            </a:pPr>
+            <a:r>
+              <a:rPr lang="de-DE" dirty="0" err="1"/>
+              <a:t>Scrumboard</a:t>
+            </a:r>
+            <a:r>
+              <a:rPr lang="de-DE" dirty="0"/>
+              <a:t> (</a:t>
+            </a:r>
+            <a:r>
+              <a:rPr lang="de-DE" b="1" dirty="0"/>
+              <a:t>Marc Bolsch</a:t>
+            </a:r>
+            <a:r>
+              <a:rPr lang="de-DE" dirty="0"/>
+              <a:t>)</a:t>
+            </a:r>
+          </a:p>
+          <a:p>
+            <a:pPr marL="285750" indent="-285750">
+              <a:buFontTx/>
+              <a:buChar char="-"/>
+            </a:pPr>
+            <a:r>
+              <a:rPr lang="de-DE" dirty="0"/>
+              <a:t>Kommunikation mit Laborbeteiligten (</a:t>
+            </a:r>
+            <a:r>
+              <a:rPr lang="de-DE" b="1" dirty="0"/>
+              <a:t>Philipp Otto</a:t>
+            </a:r>
+            <a:r>
+              <a:rPr lang="de-DE" dirty="0"/>
+              <a:t>)</a:t>
+            </a:r>
+          </a:p>
+          <a:p>
+            <a:pPr marL="285750" indent="-285750">
+              <a:buFontTx/>
+              <a:buChar char="-"/>
+            </a:pPr>
+            <a:r>
+              <a:rPr lang="de-DE" dirty="0"/>
+              <a:t>Vergleich/ Ableitung mit bereits existierenden Projekten (</a:t>
+            </a:r>
+            <a:r>
+              <a:rPr lang="de-DE" b="1" dirty="0"/>
+              <a:t>Philip Otto</a:t>
+            </a:r>
+            <a:r>
+              <a:rPr lang="de-DE" dirty="0"/>
+              <a:t>)</a:t>
+            </a:r>
+          </a:p>
+          <a:p>
+            <a:pPr marL="285750" indent="-285750">
+              <a:buFontTx/>
+              <a:buChar char="-"/>
+            </a:pPr>
+            <a:r>
+              <a:rPr lang="de-DE" dirty="0"/>
+              <a:t>Tools (CAD, </a:t>
+            </a:r>
+            <a:r>
+              <a:rPr lang="de-DE" dirty="0" err="1"/>
+              <a:t>Git</a:t>
+            </a:r>
+            <a:r>
+              <a:rPr lang="de-DE" dirty="0"/>
+              <a:t>, Excel, etc.) (</a:t>
+            </a:r>
+            <a:r>
+              <a:rPr lang="de-DE" b="1" dirty="0"/>
+              <a:t>Marc Bolsch</a:t>
+            </a:r>
+            <a:r>
+              <a:rPr lang="de-DE" dirty="0"/>
+              <a:t>)</a:t>
+            </a:r>
+          </a:p>
+          <a:p>
+            <a:pPr marL="285750" indent="-285750">
+              <a:buFontTx/>
+              <a:buChar char="-"/>
+            </a:pPr>
+            <a:r>
+              <a:rPr lang="de-DE" dirty="0"/>
+              <a:t>Methoden des sozialen Umgangs (</a:t>
+            </a:r>
+            <a:r>
+              <a:rPr lang="de-DE" b="1" dirty="0"/>
+              <a:t>Heiko Nöldeke</a:t>
+            </a:r>
+            <a:r>
+              <a:rPr lang="de-DE" dirty="0"/>
+              <a:t>)</a:t>
+            </a:r>
+          </a:p>
+          <a:p>
+            <a:pPr marL="285750" indent="-285750">
+              <a:buFontTx/>
+              <a:buChar char="-"/>
+            </a:pPr>
+            <a:r>
+              <a:rPr lang="de-DE" dirty="0"/>
+              <a:t>Arbeiten an Hardware, weg vom Abstrakten hin zum Konkreten (</a:t>
+            </a:r>
+            <a:r>
+              <a:rPr lang="de-DE" b="1" dirty="0"/>
+              <a:t>Heiko Nöldeke</a:t>
+            </a:r>
+            <a:r>
+              <a:rPr lang="de-DE" dirty="0"/>
+              <a:t>)</a:t>
+            </a:r>
+          </a:p>
+          <a:p>
+            <a:pPr marL="285750" indent="-285750">
+              <a:buFontTx/>
+              <a:buChar char="-"/>
+            </a:pPr>
+            <a:r>
+              <a:rPr lang="de-DE" dirty="0"/>
+              <a:t>Theoretischer Hintergrund über die Teamdynamik  (</a:t>
+            </a:r>
+            <a:r>
+              <a:rPr lang="de-DE" b="1" dirty="0"/>
+              <a:t>Pascal Roschkowski</a:t>
+            </a:r>
+            <a:r>
+              <a:rPr lang="de-DE" dirty="0"/>
+              <a:t>)</a:t>
+            </a:r>
+          </a:p>
+          <a:p>
+            <a:pPr marL="285750" indent="-285750">
+              <a:buFontTx/>
+              <a:buChar char="-"/>
+            </a:pPr>
+            <a:r>
+              <a:rPr lang="de-DE" dirty="0"/>
+              <a:t>Die Informationen der Auftraggeber-Firma (</a:t>
+            </a:r>
+            <a:r>
+              <a:rPr lang="de-DE" b="1" dirty="0"/>
+              <a:t>Pascal Roschkowski</a:t>
+            </a:r>
+            <a:r>
+              <a:rPr lang="de-DE" dirty="0"/>
+              <a:t>)</a:t>
+            </a:r>
+          </a:p>
+          <a:p>
+            <a:pPr marL="285750" indent="-285750">
+              <a:buFontTx/>
+              <a:buChar char="-"/>
+            </a:pPr>
+            <a:endParaRPr lang="de-DE" dirty="0"/>
+          </a:p>
+          <a:p>
+            <a:pPr marL="285750" indent="-285750">
+              <a:buFontTx/>
+              <a:buChar char="-"/>
+            </a:pPr>
+            <a:endParaRPr lang="de-DE" dirty="0"/>
+          </a:p>
+        </p:txBody>
+      </p:sp>
+    </p:spTree>
+    <p:extLst>
+      <p:ext uri="{BB962C8B-B14F-4D97-AF65-F5344CB8AC3E}">
+        <p14:creationId xmlns:p14="http://schemas.microsoft.com/office/powerpoint/2010/main" val="1831678330"/>
+      </p:ext>
+    </p:extLst>
+  </p:cSld>
+  <p:clrMapOvr>
+    <a:masterClrMapping/>
+  </p:clrMapOvr>
+</p:sld>
+</file>
+
+<file path=ppt/slides/slide14.xml><?xml version="1.0" encoding="utf-8"?>
+<p:sld xmlns:a="http://schemas.openxmlformats.org/drawingml/2006/main" xmlns:r="http://schemas.openxmlformats.org/officeDocument/2006/relationships" xmlns:p="http://schemas.openxmlformats.org/presentationml/2006/main">
+  <p:cSld>
+    <p:spTree>
+      <p:nvGrpSpPr>
+        <p:cNvPr id="1" name=""/>
+        <p:cNvGrpSpPr/>
+        <p:nvPr/>
+      </p:nvGrpSpPr>
+      <p:grpSpPr>
+        <a:xfrm>
+          <a:off x="0" y="0"/>
+          <a:ext cx="0" cy="0"/>
+          <a:chOff x="0" y="0"/>
+          <a:chExt cx="0" cy="0"/>
+        </a:xfrm>
+      </p:grpSpPr>
+      <p:sp>
+        <p:nvSpPr>
+          <p:cNvPr id="5" name="Datumsplatzhalter 4">
+            <a:extLst>
+              <a:ext uri="{FF2B5EF4-FFF2-40B4-BE49-F238E27FC236}">
+                <a16:creationId xmlns:a16="http://schemas.microsoft.com/office/drawing/2014/main" id="{02AC242E-056D-4A16-929F-CCEFDAC92688}"/>
+              </a:ext>
+            </a:extLst>
+          </p:cNvPr>
+          <p:cNvSpPr>
+            <a:spLocks noGrp="1"/>
+          </p:cNvSpPr>
+          <p:nvPr>
+            <p:ph type="dt" sz="half" idx="10"/>
+          </p:nvPr>
+        </p:nvSpPr>
+        <p:spPr/>
+        <p:txBody>
+          <a:bodyPr/>
+          <a:lstStyle/>
+          <a:p>
+            <a:fld id="{4C7FBE89-DCA5-4DC0-AB26-3C3EB1D6532B}" type="datetime1">
+              <a:rPr lang="de-DE" smtClean="0"/>
+              <a:t>11.01.2021</a:t>
+            </a:fld>
+            <a:endParaRPr lang="de-DE"/>
+          </a:p>
+        </p:txBody>
+      </p:sp>
+      <p:sp>
+        <p:nvSpPr>
+          <p:cNvPr id="7" name="Foliennummernplatzhalter 6">
+            <a:extLst>
+              <a:ext uri="{FF2B5EF4-FFF2-40B4-BE49-F238E27FC236}">
+                <a16:creationId xmlns:a16="http://schemas.microsoft.com/office/drawing/2014/main" id="{D1C2059F-1072-4A86-9869-7FBD8B5618BD}"/>
+              </a:ext>
+            </a:extLst>
+          </p:cNvPr>
+          <p:cNvSpPr>
+            <a:spLocks noGrp="1"/>
+          </p:cNvSpPr>
+          <p:nvPr>
+            <p:ph type="sldNum" sz="quarter" idx="12"/>
+          </p:nvPr>
+        </p:nvSpPr>
+        <p:spPr>
+          <a:xfrm>
+            <a:off x="8509932" y="6356350"/>
+            <a:ext cx="2743200" cy="365125"/>
+          </a:xfrm>
+        </p:spPr>
+        <p:txBody>
+          <a:bodyPr/>
+          <a:lstStyle/>
+          <a:p>
+            <a:r>
+              <a:rPr lang="de-DE"/>
+              <a:t>	 </a:t>
+            </a:r>
+            <a:fld id="{2D4C594A-0DAD-48BB-BE3B-8241EF812AB5}" type="slidenum">
+              <a:rPr lang="de-DE" smtClean="0"/>
+              <a:t>14</a:t>
+            </a:fld>
+            <a:endParaRPr lang="de-DE" dirty="0"/>
+          </a:p>
+        </p:txBody>
+      </p:sp>
+      <p:sp>
+        <p:nvSpPr>
+          <p:cNvPr id="10" name="Textfeld 9">
+            <a:extLst>
+              <a:ext uri="{FF2B5EF4-FFF2-40B4-BE49-F238E27FC236}">
+                <a16:creationId xmlns:a16="http://schemas.microsoft.com/office/drawing/2014/main" id="{2A75AA0E-7344-41A6-A903-9D8A4164AF90}"/>
+              </a:ext>
+            </a:extLst>
+          </p:cNvPr>
+          <p:cNvSpPr txBox="1"/>
+          <p:nvPr/>
+        </p:nvSpPr>
+        <p:spPr>
+          <a:xfrm>
+            <a:off x="1459684" y="788564"/>
+            <a:ext cx="7499758" cy="369332"/>
+          </a:xfrm>
+          <a:prstGeom prst="rect">
+            <a:avLst/>
+          </a:prstGeom>
+          <a:noFill/>
+        </p:spPr>
+        <p:txBody>
+          <a:bodyPr wrap="square" rtlCol="0">
+            <a:spAutoFit/>
+          </a:bodyPr>
+          <a:lstStyle/>
+          <a:p>
+            <a:endParaRPr lang="de-DE" dirty="0"/>
+          </a:p>
+        </p:txBody>
+      </p:sp>
+      <p:sp>
+        <p:nvSpPr>
+          <p:cNvPr id="8" name="Textfeld 7">
+            <a:extLst>
+              <a:ext uri="{FF2B5EF4-FFF2-40B4-BE49-F238E27FC236}">
+                <a16:creationId xmlns:a16="http://schemas.microsoft.com/office/drawing/2014/main" id="{EDBFFB49-FAAA-4383-912E-DCAAB9C0367D}"/>
+              </a:ext>
+            </a:extLst>
+          </p:cNvPr>
+          <p:cNvSpPr txBox="1"/>
+          <p:nvPr/>
+        </p:nvSpPr>
+        <p:spPr>
+          <a:xfrm>
+            <a:off x="1281887" y="760332"/>
             <a:ext cx="10346294" cy="769441"/>
           </a:xfrm>
           <a:prstGeom prst="rect">
@@ -5333,7 +8659,7 @@
         <p:spPr>
           <a:xfrm>
             <a:off x="1602377" y="2246811"/>
-            <a:ext cx="8302145" cy="3416320"/>
+            <a:ext cx="9645333" cy="3139321"/>
           </a:xfrm>
           <a:prstGeom prst="rect">
             <a:avLst/>
@@ -5361,7 +8687,15 @@
             </a:pPr>
             <a:r>
               <a:rPr lang="de-DE" dirty="0"/>
-              <a:t>Eine engere Zusammenarbeit mit dem Auftraggeber</a:t>
+              <a:t>Eine engere Zusammenarbeit mit dem Auftraggeber (</a:t>
+            </a:r>
+            <a:r>
+              <a:rPr lang="de-DE" b="1" dirty="0"/>
+              <a:t>Philipp Otto</a:t>
+            </a:r>
+            <a:r>
+              <a:rPr lang="de-DE" dirty="0"/>
+              <a:t>)</a:t>
             </a:r>
           </a:p>
           <a:p>
@@ -5371,7 +8705,15 @@
             </a:pPr>
             <a:r>
               <a:rPr lang="de-DE" dirty="0"/>
-              <a:t>Frühere Montage des Prototypen, um umfangreichere Tests durchführen zu können</a:t>
+              <a:t>Frühere Montage des Prototypen, um umfangreichere Tests durchführen zu können (</a:t>
+            </a:r>
+            <a:r>
+              <a:rPr lang="de-DE" b="1" dirty="0"/>
+              <a:t>Philipp Otto</a:t>
+            </a:r>
+            <a:r>
+              <a:rPr lang="de-DE" dirty="0"/>
+              <a:t>)</a:t>
             </a:r>
           </a:p>
           <a:p>
@@ -5381,7 +8723,15 @@
             </a:pPr>
             <a:r>
               <a:rPr lang="de-DE" dirty="0"/>
-              <a:t>Kontinuierlichere Arbeit</a:t>
+              <a:t>Kontinuierlichere Arbeit (</a:t>
+            </a:r>
+            <a:r>
+              <a:rPr lang="de-DE" b="1" dirty="0"/>
+              <a:t>Marc Bolsch</a:t>
+            </a:r>
+            <a:r>
+              <a:rPr lang="de-DE" dirty="0"/>
+              <a:t>)</a:t>
             </a:r>
           </a:p>
           <a:p>
@@ -5391,7 +8741,15 @@
             </a:pPr>
             <a:r>
               <a:rPr lang="de-DE" dirty="0"/>
-              <a:t>Klarere Aufgabenformulierung</a:t>
+              <a:t>Klarere Aufgabenformulierung (</a:t>
+            </a:r>
+            <a:r>
+              <a:rPr lang="de-DE" b="1" dirty="0"/>
+              <a:t>Pascal Roschkowski</a:t>
+            </a:r>
+            <a:r>
+              <a:rPr lang="de-DE" dirty="0"/>
+              <a:t>)</a:t>
             </a:r>
           </a:p>
           <a:p>
@@ -5401,7 +8759,15 @@
             </a:pPr>
             <a:r>
               <a:rPr lang="de-DE" dirty="0"/>
-              <a:t>Kommunikation auf elektronischem Weg</a:t>
+              <a:t>Kommunikation auf elektronischem Weg (</a:t>
+            </a:r>
+            <a:r>
+              <a:rPr lang="de-DE" b="1" dirty="0"/>
+              <a:t>Heiko Nöldeke</a:t>
+            </a:r>
+            <a:r>
+              <a:rPr lang="de-DE" dirty="0"/>
+              <a:t>)</a:t>
             </a:r>
           </a:p>
           <a:p>
@@ -5411,7 +8777,15 @@
             </a:pPr>
             <a:r>
               <a:rPr lang="de-DE" dirty="0"/>
-              <a:t>Struktur von uns verbessern</a:t>
+              <a:t>Struktur von uns verbessern (</a:t>
+            </a:r>
+            <a:r>
+              <a:rPr lang="de-DE" b="1" dirty="0"/>
+              <a:t>Pascal Roschkowski</a:t>
+            </a:r>
+            <a:r>
+              <a:rPr lang="de-DE" dirty="0"/>
+              <a:t>)</a:t>
             </a:r>
           </a:p>
           <a:p>
@@ -5421,7 +8795,15 @@
             </a:pPr>
             <a:r>
               <a:rPr lang="de-DE" dirty="0"/>
-              <a:t>VIEL mehr Fragen stellen</a:t>
+              <a:t>VIEL mehr Fragen stellen (</a:t>
+            </a:r>
+            <a:r>
+              <a:rPr lang="de-DE" b="1" dirty="0"/>
+              <a:t>Heiko Nöldeke</a:t>
+            </a:r>
+            <a:r>
+              <a:rPr lang="de-DE" dirty="0"/>
+              <a:t>)</a:t>
             </a:r>
           </a:p>
           <a:p>
@@ -5430,17 +8812,17 @@
               <a:buChar char="-"/>
             </a:pPr>
             <a:r>
-              <a:rPr lang="de-DE"/>
-              <a:t>Selbstmotivation verbessern</a:t>
-            </a:r>
-            <a:endParaRPr lang="de-DE" dirty="0"/>
-          </a:p>
-          <a:p>
-            <a:pPr marL="285750" indent="-285750">
-              <a:buFontTx/>
-              <a:buChar char="-"/>
-            </a:pPr>
-            <a:endParaRPr lang="de-DE" dirty="0"/>
+              <a:rPr lang="de-DE" dirty="0"/>
+              <a:t>Selbstmotivation verbessern (</a:t>
+            </a:r>
+            <a:r>
+              <a:rPr lang="de-DE" b="1" dirty="0"/>
+              <a:t>Marc Bolsch</a:t>
+            </a:r>
+            <a:r>
+              <a:rPr lang="de-DE" dirty="0"/>
+              <a:t>)</a:t>
+            </a:r>
           </a:p>
           <a:p>
             <a:pPr marL="285750" indent="-285750">
@@ -5504,7 +8886,7 @@
           <a:p>
             <a:fld id="{4C7FBE89-DCA5-4DC0-AB26-3C3EB1D6532B}" type="datetime1">
               <a:rPr lang="de-DE" smtClean="0"/>
-              <a:t>03.01.2021</a:t>
+              <a:t>11.01.2021</a:t>
             </a:fld>
             <a:endParaRPr lang="de-DE" dirty="0"/>
           </a:p>
@@ -5630,7 +9012,7 @@
         <p:spPr>
           <a:xfrm>
             <a:off x="1459684" y="1679631"/>
-            <a:ext cx="5896101" cy="4154984"/>
+            <a:ext cx="5896101" cy="4524315"/>
           </a:xfrm>
           <a:prstGeom prst="rect">
             <a:avLst/>
@@ -5642,6 +9024,16 @@
             <a:spAutoFit/>
           </a:bodyPr>
           <a:lstStyle/>
+          <a:p>
+            <a:pPr marL="285750" indent="-285750">
+              <a:buFont typeface="Wingdings" panose="05000000000000000000" pitchFamily="2" charset="2"/>
+              <a:buChar char="Ø"/>
+            </a:pPr>
+            <a:r>
+              <a:rPr lang="de-DE" sz="2400" dirty="0"/>
+              <a:t>Auftragsschreiben</a:t>
+            </a:r>
+          </a:p>
           <a:p>
             <a:pPr marL="285750" indent="-285750">
               <a:buFont typeface="Wingdings" panose="05000000000000000000" pitchFamily="2" charset="2"/>
@@ -5804,9 +9196,9 @@
           <a:p>
             <a:fld id="{4C7FBE89-DCA5-4DC0-AB26-3C3EB1D6532B}" type="datetime1">
               <a:rPr lang="de-DE" smtClean="0"/>
-              <a:t>03.01.2021</a:t>
+              <a:t>11.01.2021</a:t>
             </a:fld>
-            <a:endParaRPr lang="de-DE"/>
+            <a:endParaRPr lang="de-DE" dirty="0"/>
           </a:p>
         </p:txBody>
       </p:sp>
@@ -5843,6 +9235,311 @@
             <a:fld id="{2D4C594A-0DAD-48BB-BE3B-8241EF812AB5}" type="slidenum">
               <a:rPr lang="de-DE" smtClean="0"/>
               <a:t>3</a:t>
+            </a:fld>
+            <a:endParaRPr lang="de-DE" dirty="0"/>
+          </a:p>
+        </p:txBody>
+      </p:sp>
+      <p:sp>
+        <p:nvSpPr>
+          <p:cNvPr id="10" name="Textfeld 9">
+            <a:extLst>
+              <a:ext uri="{FF2B5EF4-FFF2-40B4-BE49-F238E27FC236}">
+                <a16:creationId xmlns:a16="http://schemas.microsoft.com/office/drawing/2014/main" id="{2A75AA0E-7344-41A6-A903-9D8A4164AF90}"/>
+              </a:ext>
+            </a:extLst>
+          </p:cNvPr>
+          <p:cNvSpPr txBox="1"/>
+          <p:nvPr/>
+        </p:nvSpPr>
+        <p:spPr>
+          <a:xfrm>
+            <a:off x="1459684" y="788564"/>
+            <a:ext cx="7499758" cy="369332"/>
+          </a:xfrm>
+          <a:prstGeom prst="rect">
+            <a:avLst/>
+          </a:prstGeom>
+          <a:noFill/>
+        </p:spPr>
+        <p:txBody>
+          <a:bodyPr wrap="square" rtlCol="0">
+            <a:spAutoFit/>
+          </a:bodyPr>
+          <a:lstStyle/>
+          <a:p>
+            <a:endParaRPr lang="de-DE" dirty="0"/>
+          </a:p>
+        </p:txBody>
+      </p:sp>
+      <p:sp>
+        <p:nvSpPr>
+          <p:cNvPr id="11" name="Textfeld 10">
+            <a:extLst>
+              <a:ext uri="{FF2B5EF4-FFF2-40B4-BE49-F238E27FC236}">
+                <a16:creationId xmlns:a16="http://schemas.microsoft.com/office/drawing/2014/main" id="{EC1649EB-0EBA-41DE-8352-F1895953B522}"/>
+              </a:ext>
+            </a:extLst>
+          </p:cNvPr>
+          <p:cNvSpPr txBox="1"/>
+          <p:nvPr/>
+        </p:nvSpPr>
+        <p:spPr>
+          <a:xfrm>
+            <a:off x="1459684" y="588509"/>
+            <a:ext cx="4343112" cy="769441"/>
+          </a:xfrm>
+          <a:prstGeom prst="rect">
+            <a:avLst/>
+          </a:prstGeom>
+          <a:noFill/>
+        </p:spPr>
+        <p:txBody>
+          <a:bodyPr wrap="none" rtlCol="0">
+            <a:spAutoFit/>
+          </a:bodyPr>
+          <a:lstStyle/>
+          <a:p>
+            <a:r>
+              <a:rPr lang="de-DE" sz="4400" dirty="0"/>
+              <a:t>Auftragsschreiben</a:t>
+            </a:r>
+          </a:p>
+        </p:txBody>
+      </p:sp>
+      <p:grpSp>
+        <p:nvGrpSpPr>
+          <p:cNvPr id="16" name="Gruppieren 15">
+            <a:extLst>
+              <a:ext uri="{FF2B5EF4-FFF2-40B4-BE49-F238E27FC236}">
+                <a16:creationId xmlns:a16="http://schemas.microsoft.com/office/drawing/2014/main" id="{72CE45F5-A5CA-4BCD-8B05-AF1794C3F2E9}"/>
+              </a:ext>
+            </a:extLst>
+          </p:cNvPr>
+          <p:cNvGrpSpPr/>
+          <p:nvPr/>
+        </p:nvGrpSpPr>
+        <p:grpSpPr>
+          <a:xfrm>
+            <a:off x="720332" y="1957119"/>
+            <a:ext cx="10751336" cy="3600000"/>
+            <a:chOff x="612855" y="1434783"/>
+            <a:chExt cx="10751336" cy="3600000"/>
+          </a:xfrm>
+        </p:grpSpPr>
+        <p:pic>
+          <p:nvPicPr>
+            <p:cNvPr id="4" name="Grafik 3">
+              <a:extLst>
+                <a:ext uri="{FF2B5EF4-FFF2-40B4-BE49-F238E27FC236}">
+                  <a16:creationId xmlns:a16="http://schemas.microsoft.com/office/drawing/2014/main" id="{F3FF5F96-5258-43A7-970D-EB1230B38483}"/>
+                </a:ext>
+              </a:extLst>
+            </p:cNvPr>
+            <p:cNvPicPr>
+              <a:picLocks noChangeAspect="1"/>
+            </p:cNvPicPr>
+            <p:nvPr/>
+          </p:nvPicPr>
+          <p:blipFill>
+            <a:blip r:embed="rId2"/>
+            <a:stretch>
+              <a:fillRect/>
+            </a:stretch>
+          </p:blipFill>
+          <p:spPr>
+            <a:xfrm>
+              <a:off x="6096000" y="1434783"/>
+              <a:ext cx="2566667" cy="3600000"/>
+            </a:xfrm>
+            <a:prstGeom prst="rect">
+              <a:avLst/>
+            </a:prstGeom>
+          </p:spPr>
+        </p:pic>
+        <p:pic>
+          <p:nvPicPr>
+            <p:cNvPr id="8" name="Grafik 7">
+              <a:extLst>
+                <a:ext uri="{FF2B5EF4-FFF2-40B4-BE49-F238E27FC236}">
+                  <a16:creationId xmlns:a16="http://schemas.microsoft.com/office/drawing/2014/main" id="{E126B883-5261-4620-B1B3-06FA20B90D56}"/>
+                </a:ext>
+              </a:extLst>
+            </p:cNvPr>
+            <p:cNvPicPr>
+              <a:picLocks noChangeAspect="1"/>
+            </p:cNvPicPr>
+            <p:nvPr/>
+          </p:nvPicPr>
+          <p:blipFill>
+            <a:blip r:embed="rId3"/>
+            <a:stretch>
+              <a:fillRect/>
+            </a:stretch>
+          </p:blipFill>
+          <p:spPr>
+            <a:xfrm>
+              <a:off x="8817338" y="1434783"/>
+              <a:ext cx="2546853" cy="3600000"/>
+            </a:xfrm>
+            <a:prstGeom prst="rect">
+              <a:avLst/>
+            </a:prstGeom>
+          </p:spPr>
+        </p:pic>
+        <p:pic>
+          <p:nvPicPr>
+            <p:cNvPr id="12" name="Grafik 11">
+              <a:extLst>
+                <a:ext uri="{FF2B5EF4-FFF2-40B4-BE49-F238E27FC236}">
+                  <a16:creationId xmlns:a16="http://schemas.microsoft.com/office/drawing/2014/main" id="{DD4E8B5C-4DF7-4D56-B4F4-DDCE3A76D068}"/>
+                </a:ext>
+              </a:extLst>
+            </p:cNvPr>
+            <p:cNvPicPr>
+              <a:picLocks noChangeAspect="1"/>
+            </p:cNvPicPr>
+            <p:nvPr/>
+          </p:nvPicPr>
+          <p:blipFill>
+            <a:blip r:embed="rId4"/>
+            <a:stretch>
+              <a:fillRect/>
+            </a:stretch>
+          </p:blipFill>
+          <p:spPr>
+            <a:xfrm>
+              <a:off x="3311918" y="1434783"/>
+              <a:ext cx="2629411" cy="3600000"/>
+            </a:xfrm>
+            <a:prstGeom prst="rect">
+              <a:avLst/>
+            </a:prstGeom>
+          </p:spPr>
+        </p:pic>
+        <p:pic>
+          <p:nvPicPr>
+            <p:cNvPr id="14" name="Grafik 13">
+              <a:extLst>
+                <a:ext uri="{FF2B5EF4-FFF2-40B4-BE49-F238E27FC236}">
+                  <a16:creationId xmlns:a16="http://schemas.microsoft.com/office/drawing/2014/main" id="{850A9AAB-7D41-4AED-9FBC-AA3DE9BD78BE}"/>
+                </a:ext>
+              </a:extLst>
+            </p:cNvPr>
+            <p:cNvPicPr>
+              <a:picLocks noChangeAspect="1"/>
+            </p:cNvPicPr>
+            <p:nvPr/>
+          </p:nvPicPr>
+          <p:blipFill>
+            <a:blip r:embed="rId5"/>
+            <a:stretch>
+              <a:fillRect/>
+            </a:stretch>
+          </p:blipFill>
+          <p:spPr>
+            <a:xfrm>
+              <a:off x="612855" y="1434783"/>
+              <a:ext cx="2544392" cy="3600000"/>
+            </a:xfrm>
+            <a:prstGeom prst="rect">
+              <a:avLst/>
+            </a:prstGeom>
+          </p:spPr>
+        </p:pic>
+      </p:grpSp>
+    </p:spTree>
+    <p:extLst>
+      <p:ext uri="{BB962C8B-B14F-4D97-AF65-F5344CB8AC3E}">
+        <p14:creationId xmlns:p14="http://schemas.microsoft.com/office/powerpoint/2010/main" val="830735769"/>
+      </p:ext>
+    </p:extLst>
+  </p:cSld>
+  <p:clrMapOvr>
+    <a:masterClrMapping/>
+  </p:clrMapOvr>
+</p:sld>
+</file>
+
+<file path=ppt/slides/slide4.xml><?xml version="1.0" encoding="utf-8"?>
+<p:sld xmlns:a="http://schemas.openxmlformats.org/drawingml/2006/main" xmlns:r="http://schemas.openxmlformats.org/officeDocument/2006/relationships" xmlns:p="http://schemas.openxmlformats.org/presentationml/2006/main">
+  <p:cSld>
+    <p:spTree>
+      <p:nvGrpSpPr>
+        <p:cNvPr id="1" name=""/>
+        <p:cNvGrpSpPr/>
+        <p:nvPr/>
+      </p:nvGrpSpPr>
+      <p:grpSpPr>
+        <a:xfrm>
+          <a:off x="0" y="0"/>
+          <a:ext cx="0" cy="0"/>
+          <a:chOff x="0" y="0"/>
+          <a:chExt cx="0" cy="0"/>
+        </a:xfrm>
+      </p:grpSpPr>
+      <p:sp>
+        <p:nvSpPr>
+          <p:cNvPr id="5" name="Datumsplatzhalter 4">
+            <a:extLst>
+              <a:ext uri="{FF2B5EF4-FFF2-40B4-BE49-F238E27FC236}">
+                <a16:creationId xmlns:a16="http://schemas.microsoft.com/office/drawing/2014/main" id="{02AC242E-056D-4A16-929F-CCEFDAC92688}"/>
+              </a:ext>
+            </a:extLst>
+          </p:cNvPr>
+          <p:cNvSpPr>
+            <a:spLocks noGrp="1"/>
+          </p:cNvSpPr>
+          <p:nvPr>
+            <p:ph type="dt" sz="half" idx="10"/>
+          </p:nvPr>
+        </p:nvSpPr>
+        <p:spPr/>
+        <p:txBody>
+          <a:bodyPr/>
+          <a:lstStyle/>
+          <a:p>
+            <a:fld id="{4C7FBE89-DCA5-4DC0-AB26-3C3EB1D6532B}" type="datetime1">
+              <a:rPr lang="de-DE" smtClean="0"/>
+              <a:t>11.01.2021</a:t>
+            </a:fld>
+            <a:endParaRPr lang="de-DE"/>
+          </a:p>
+        </p:txBody>
+      </p:sp>
+      <p:sp>
+        <p:nvSpPr>
+          <p:cNvPr id="7" name="Foliennummernplatzhalter 6">
+            <a:extLst>
+              <a:ext uri="{FF2B5EF4-FFF2-40B4-BE49-F238E27FC236}">
+                <a16:creationId xmlns:a16="http://schemas.microsoft.com/office/drawing/2014/main" id="{D1C2059F-1072-4A86-9869-7FBD8B5618BD}"/>
+              </a:ext>
+            </a:extLst>
+          </p:cNvPr>
+          <p:cNvSpPr>
+            <a:spLocks noGrp="1"/>
+          </p:cNvSpPr>
+          <p:nvPr>
+            <p:ph type="sldNum" sz="quarter" idx="12"/>
+          </p:nvPr>
+        </p:nvSpPr>
+        <p:spPr>
+          <a:xfrm>
+            <a:off x="8509932" y="6356350"/>
+            <a:ext cx="2743200" cy="365125"/>
+          </a:xfrm>
+        </p:spPr>
+        <p:txBody>
+          <a:bodyPr/>
+          <a:lstStyle/>
+          <a:p>
+            <a:r>
+              <a:rPr lang="de-DE" dirty="0"/>
+              <a:t>	 </a:t>
+            </a:r>
+            <a:fld id="{2D4C594A-0DAD-48BB-BE3B-8241EF812AB5}" type="slidenum">
+              <a:rPr lang="de-DE" smtClean="0"/>
+              <a:t>4</a:t>
             </a:fld>
             <a:endParaRPr lang="de-DE" dirty="0"/>
           </a:p>
@@ -6400,289 +10097,6 @@
 </p:sld>
 </file>
 
-<file path=ppt/slides/slide4.xml><?xml version="1.0" encoding="utf-8"?>
-<p:sld xmlns:a="http://schemas.openxmlformats.org/drawingml/2006/main" xmlns:r="http://schemas.openxmlformats.org/officeDocument/2006/relationships" xmlns:p="http://schemas.openxmlformats.org/presentationml/2006/main">
-  <p:cSld>
-    <p:spTree>
-      <p:nvGrpSpPr>
-        <p:cNvPr id="1" name=""/>
-        <p:cNvGrpSpPr/>
-        <p:nvPr/>
-      </p:nvGrpSpPr>
-      <p:grpSpPr>
-        <a:xfrm>
-          <a:off x="0" y="0"/>
-          <a:ext cx="0" cy="0"/>
-          <a:chOff x="0" y="0"/>
-          <a:chExt cx="0" cy="0"/>
-        </a:xfrm>
-      </p:grpSpPr>
-      <p:sp>
-        <p:nvSpPr>
-          <p:cNvPr id="5" name="Datumsplatzhalter 4">
-            <a:extLst>
-              <a:ext uri="{FF2B5EF4-FFF2-40B4-BE49-F238E27FC236}">
-                <a16:creationId xmlns:a16="http://schemas.microsoft.com/office/drawing/2014/main" id="{02AC242E-056D-4A16-929F-CCEFDAC92688}"/>
-              </a:ext>
-            </a:extLst>
-          </p:cNvPr>
-          <p:cNvSpPr>
-            <a:spLocks noGrp="1"/>
-          </p:cNvSpPr>
-          <p:nvPr>
-            <p:ph type="dt" sz="half" idx="10"/>
-          </p:nvPr>
-        </p:nvSpPr>
-        <p:spPr/>
-        <p:txBody>
-          <a:bodyPr/>
-          <a:lstStyle/>
-          <a:p>
-            <a:fld id="{4C7FBE89-DCA5-4DC0-AB26-3C3EB1D6532B}" type="datetime1">
-              <a:rPr lang="de-DE" smtClean="0"/>
-              <a:t>03.01.2021</a:t>
-            </a:fld>
-            <a:endParaRPr lang="de-DE"/>
-          </a:p>
-        </p:txBody>
-      </p:sp>
-      <p:sp>
-        <p:nvSpPr>
-          <p:cNvPr id="7" name="Foliennummernplatzhalter 6">
-            <a:extLst>
-              <a:ext uri="{FF2B5EF4-FFF2-40B4-BE49-F238E27FC236}">
-                <a16:creationId xmlns:a16="http://schemas.microsoft.com/office/drawing/2014/main" id="{D1C2059F-1072-4A86-9869-7FBD8B5618BD}"/>
-              </a:ext>
-            </a:extLst>
-          </p:cNvPr>
-          <p:cNvSpPr>
-            <a:spLocks noGrp="1"/>
-          </p:cNvSpPr>
-          <p:nvPr>
-            <p:ph type="sldNum" sz="quarter" idx="12"/>
-          </p:nvPr>
-        </p:nvSpPr>
-        <p:spPr>
-          <a:xfrm>
-            <a:off x="8509932" y="6356350"/>
-            <a:ext cx="2743200" cy="365125"/>
-          </a:xfrm>
-        </p:spPr>
-        <p:txBody>
-          <a:bodyPr/>
-          <a:lstStyle/>
-          <a:p>
-            <a:r>
-              <a:rPr lang="de-DE" dirty="0"/>
-              <a:t>	 </a:t>
-            </a:r>
-            <a:fld id="{2D4C594A-0DAD-48BB-BE3B-8241EF812AB5}" type="slidenum">
-              <a:rPr lang="de-DE" smtClean="0"/>
-              <a:t>4</a:t>
-            </a:fld>
-            <a:endParaRPr lang="de-DE" dirty="0"/>
-          </a:p>
-        </p:txBody>
-      </p:sp>
-      <p:sp>
-        <p:nvSpPr>
-          <p:cNvPr id="10" name="Textfeld 9">
-            <a:extLst>
-              <a:ext uri="{FF2B5EF4-FFF2-40B4-BE49-F238E27FC236}">
-                <a16:creationId xmlns:a16="http://schemas.microsoft.com/office/drawing/2014/main" id="{2A75AA0E-7344-41A6-A903-9D8A4164AF90}"/>
-              </a:ext>
-            </a:extLst>
-          </p:cNvPr>
-          <p:cNvSpPr txBox="1"/>
-          <p:nvPr/>
-        </p:nvSpPr>
-        <p:spPr>
-          <a:xfrm>
-            <a:off x="1459684" y="788564"/>
-            <a:ext cx="7499758" cy="369332"/>
-          </a:xfrm>
-          <a:prstGeom prst="rect">
-            <a:avLst/>
-          </a:prstGeom>
-          <a:noFill/>
-        </p:spPr>
-        <p:txBody>
-          <a:bodyPr wrap="square" rtlCol="0">
-            <a:spAutoFit/>
-          </a:bodyPr>
-          <a:lstStyle/>
-          <a:p>
-            <a:endParaRPr lang="de-DE" dirty="0"/>
-          </a:p>
-        </p:txBody>
-      </p:sp>
-      <p:sp>
-        <p:nvSpPr>
-          <p:cNvPr id="11" name="Textfeld 10">
-            <a:extLst>
-              <a:ext uri="{FF2B5EF4-FFF2-40B4-BE49-F238E27FC236}">
-                <a16:creationId xmlns:a16="http://schemas.microsoft.com/office/drawing/2014/main" id="{EC1649EB-0EBA-41DE-8352-F1895953B522}"/>
-              </a:ext>
-            </a:extLst>
-          </p:cNvPr>
-          <p:cNvSpPr txBox="1"/>
-          <p:nvPr/>
-        </p:nvSpPr>
-        <p:spPr>
-          <a:xfrm>
-            <a:off x="1459684" y="588509"/>
-            <a:ext cx="2810256" cy="769441"/>
-          </a:xfrm>
-          <a:prstGeom prst="rect">
-            <a:avLst/>
-          </a:prstGeom>
-          <a:noFill/>
-        </p:spPr>
-        <p:txBody>
-          <a:bodyPr wrap="none" rtlCol="0">
-            <a:spAutoFit/>
-          </a:bodyPr>
-          <a:lstStyle/>
-          <a:p>
-            <a:r>
-              <a:rPr lang="de-DE" sz="4400" dirty="0"/>
-              <a:t>Kritikregeln</a:t>
-            </a:r>
-          </a:p>
-        </p:txBody>
-      </p:sp>
-      <p:sp>
-        <p:nvSpPr>
-          <p:cNvPr id="2" name="Textfeld 1">
-            <a:extLst>
-              <a:ext uri="{FF2B5EF4-FFF2-40B4-BE49-F238E27FC236}">
-                <a16:creationId xmlns:a16="http://schemas.microsoft.com/office/drawing/2014/main" id="{F60EE419-C6E6-4075-AEAF-A1C91621BD34}"/>
-              </a:ext>
-            </a:extLst>
-          </p:cNvPr>
-          <p:cNvSpPr txBox="1"/>
-          <p:nvPr/>
-        </p:nvSpPr>
-        <p:spPr>
-          <a:xfrm>
-            <a:off x="1413488" y="1840292"/>
-            <a:ext cx="5712903" cy="2585323"/>
-          </a:xfrm>
-          <a:prstGeom prst="rect">
-            <a:avLst/>
-          </a:prstGeom>
-          <a:noFill/>
-        </p:spPr>
-        <p:txBody>
-          <a:bodyPr wrap="square" rtlCol="0">
-            <a:spAutoFit/>
-          </a:bodyPr>
-          <a:lstStyle/>
-          <a:p>
-            <a:pPr marL="285750" indent="-285750">
-              <a:buFont typeface="Wingdings" panose="05000000000000000000" pitchFamily="2" charset="2"/>
-              <a:buChar char="Ø"/>
-            </a:pPr>
-            <a:r>
-              <a:rPr lang="de-DE" dirty="0"/>
-              <a:t>Es geht um eine Sache, nicht um eine Person</a:t>
-            </a:r>
-          </a:p>
-          <a:p>
-            <a:pPr marL="285750" indent="-285750">
-              <a:buFont typeface="Wingdings" panose="05000000000000000000" pitchFamily="2" charset="2"/>
-              <a:buChar char="Ø"/>
-            </a:pPr>
-            <a:r>
-              <a:rPr lang="de-DE" dirty="0"/>
-              <a:t>Konkret werden</a:t>
-            </a:r>
-          </a:p>
-          <a:p>
-            <a:pPr marL="285750" indent="-285750">
-              <a:buFont typeface="Wingdings" panose="05000000000000000000" pitchFamily="2" charset="2"/>
-              <a:buChar char="Ø"/>
-            </a:pPr>
-            <a:r>
-              <a:rPr lang="de-DE" dirty="0"/>
-              <a:t>Keine Interpretationen</a:t>
-            </a:r>
-          </a:p>
-          <a:p>
-            <a:pPr marL="285750" indent="-285750">
-              <a:buFont typeface="Wingdings" panose="05000000000000000000" pitchFamily="2" charset="2"/>
-              <a:buChar char="Ø"/>
-            </a:pPr>
-            <a:r>
-              <a:rPr lang="de-DE" dirty="0"/>
-              <a:t>Nicht übertreiben</a:t>
-            </a:r>
-          </a:p>
-          <a:p>
-            <a:pPr marL="285750" indent="-285750">
-              <a:buFont typeface="Wingdings" panose="05000000000000000000" pitchFamily="2" charset="2"/>
-              <a:buChar char="Ø"/>
-            </a:pPr>
-            <a:r>
-              <a:rPr lang="de-DE" dirty="0"/>
-              <a:t>Negatives und Positives trennen</a:t>
-            </a:r>
-          </a:p>
-          <a:p>
-            <a:pPr marL="285750" indent="-285750">
-              <a:buFont typeface="Wingdings" panose="05000000000000000000" pitchFamily="2" charset="2"/>
-              <a:buChar char="Ø"/>
-            </a:pPr>
-            <a:r>
-              <a:rPr lang="de-DE" dirty="0"/>
-              <a:t>Auch die Gegenseite anhören</a:t>
-            </a:r>
-          </a:p>
-          <a:p>
-            <a:pPr marL="285750" indent="-285750">
-              <a:buFont typeface="Wingdings" panose="05000000000000000000" pitchFamily="2" charset="2"/>
-              <a:buChar char="Ø"/>
-            </a:pPr>
-            <a:r>
-              <a:rPr lang="de-DE" dirty="0"/>
-              <a:t>Lösungen anbieten</a:t>
-            </a:r>
-          </a:p>
-          <a:p>
-            <a:pPr marL="285750" indent="-285750">
-              <a:buFont typeface="Wingdings" panose="05000000000000000000" pitchFamily="2" charset="2"/>
-              <a:buChar char="Ø"/>
-            </a:pPr>
-            <a:r>
-              <a:rPr lang="de-DE" dirty="0"/>
-              <a:t>Niemals Kritik vor versammelter Mannschaft</a:t>
-            </a:r>
-          </a:p>
-          <a:p>
-            <a:pPr marL="285750" indent="-285750">
-              <a:buFont typeface="Wingdings" panose="05000000000000000000" pitchFamily="2" charset="2"/>
-              <a:buChar char="Ø"/>
-            </a:pPr>
-            <a:r>
-              <a:rPr lang="de-DE" dirty="0"/>
-              <a:t>Kritik unkommentiert annehmen</a:t>
-            </a:r>
-          </a:p>
-        </p:txBody>
-      </p:sp>
-    </p:spTree>
-    <p:extLst>
-      <p:ext uri="{BB962C8B-B14F-4D97-AF65-F5344CB8AC3E}">
-        <p14:creationId xmlns:p14="http://schemas.microsoft.com/office/powerpoint/2010/main" val="942950947"/>
-      </p:ext>
-    </p:extLst>
-  </p:cSld>
-  <p:clrMapOvr>
-    <a:masterClrMapping/>
-  </p:clrMapOvr>
-</p:sld>
-</file>
-
 <file path=ppt/slides/slide5.xml><?xml version="1.0" encoding="utf-8"?>
 <p:sld xmlns:a="http://schemas.openxmlformats.org/drawingml/2006/main" xmlns:r="http://schemas.openxmlformats.org/officeDocument/2006/relationships" xmlns:p="http://schemas.openxmlformats.org/presentationml/2006/main">
   <p:cSld>
@@ -6723,7 +10137,7 @@
           <a:p>
             <a:fld id="{4C7FBE89-DCA5-4DC0-AB26-3C3EB1D6532B}" type="datetime1">
               <a:rPr lang="de-DE" smtClean="0"/>
-              <a:t>03.01.2021</a:t>
+              <a:t>11.01.2021</a:t>
             </a:fld>
             <a:endParaRPr lang="de-DE"/>
           </a:p>
@@ -6801,10 +10215,10 @@
       </p:sp>
       <p:sp>
         <p:nvSpPr>
-          <p:cNvPr id="8" name="Textfeld 7">
-            <a:extLst>
-              <a:ext uri="{FF2B5EF4-FFF2-40B4-BE49-F238E27FC236}">
-                <a16:creationId xmlns:a16="http://schemas.microsoft.com/office/drawing/2014/main" id="{EDBFFB49-FAAA-4383-912E-DCAAB9C0367D}"/>
+          <p:cNvPr id="11" name="Textfeld 10">
+            <a:extLst>
+              <a:ext uri="{FF2B5EF4-FFF2-40B4-BE49-F238E27FC236}">
+                <a16:creationId xmlns:a16="http://schemas.microsoft.com/office/drawing/2014/main" id="{EC1649EB-0EBA-41DE-8352-F1895953B522}"/>
               </a:ext>
             </a:extLst>
           </p:cNvPr>
@@ -6814,7 +10228,7 @@
         <p:spPr>
           <a:xfrm>
             <a:off x="1459684" y="588509"/>
-            <a:ext cx="3320524" cy="769441"/>
+            <a:ext cx="2810256" cy="769441"/>
           </a:xfrm>
           <a:prstGeom prst="rect">
             <a:avLst/>
@@ -6829,17 +10243,17 @@
           <a:p>
             <a:r>
               <a:rPr lang="de-DE" sz="4400" dirty="0"/>
-              <a:t>Meilensteine:</a:t>
-            </a:r>
-          </a:p>
-        </p:txBody>
-      </p:sp>
-      <p:sp>
-        <p:nvSpPr>
-          <p:cNvPr id="4" name="Textfeld 3">
-            <a:extLst>
-              <a:ext uri="{FF2B5EF4-FFF2-40B4-BE49-F238E27FC236}">
-                <a16:creationId xmlns:a16="http://schemas.microsoft.com/office/drawing/2014/main" id="{2F868670-3615-427C-86F8-07098407B34C}"/>
+              <a:t>Kritikregeln</a:t>
+            </a:r>
+          </a:p>
+        </p:txBody>
+      </p:sp>
+      <p:sp>
+        <p:nvSpPr>
+          <p:cNvPr id="2" name="Textfeld 1">
+            <a:extLst>
+              <a:ext uri="{FF2B5EF4-FFF2-40B4-BE49-F238E27FC236}">
+                <a16:creationId xmlns:a16="http://schemas.microsoft.com/office/drawing/2014/main" id="{F60EE419-C6E6-4075-AEAF-A1C91621BD34}"/>
               </a:ext>
             </a:extLst>
           </p:cNvPr>
@@ -6848,8 +10262,8 @@
         </p:nvSpPr>
         <p:spPr>
           <a:xfrm>
-            <a:off x="1459684" y="1909998"/>
-            <a:ext cx="6348213" cy="3139321"/>
+            <a:off x="1413488" y="1840292"/>
+            <a:ext cx="5712903" cy="2585323"/>
           </a:xfrm>
           <a:prstGeom prst="rect">
             <a:avLst/>
@@ -6857,7 +10271,7 @@
           <a:noFill/>
         </p:spPr>
         <p:txBody>
-          <a:bodyPr wrap="none" rtlCol="0">
+          <a:bodyPr wrap="square" rtlCol="0">
             <a:spAutoFit/>
           </a:bodyPr>
           <a:lstStyle/>
@@ -6868,47 +10282,7 @@
             </a:pPr>
             <a:r>
               <a:rPr lang="de-DE" dirty="0"/>
-              <a:t>Meilenstein 1 (23. 11. 2020):</a:t>
-            </a:r>
-          </a:p>
-          <a:p>
-            <a:pPr marL="742950" lvl="1" indent="-285750">
-              <a:buFont typeface="Wingdings" panose="05000000000000000000" pitchFamily="2" charset="2"/>
-              <a:buChar char="§"/>
-            </a:pPr>
-            <a:r>
-              <a:rPr lang="de-DE" dirty="0"/>
-              <a:t>Statusbericht in der GPM-Veranstaltung vorstellen</a:t>
-            </a:r>
-          </a:p>
-          <a:p>
-            <a:pPr marL="742950" lvl="1" indent="-285750">
-              <a:buFont typeface="Wingdings" panose="05000000000000000000" pitchFamily="2" charset="2"/>
-              <a:buChar char="§"/>
-            </a:pPr>
-            <a:r>
-              <a:rPr lang="de-DE" dirty="0"/>
-              <a:t>Gantt-Chart fertiggestellt</a:t>
-            </a:r>
-          </a:p>
-          <a:p>
-            <a:pPr marL="742950" lvl="1" indent="-285750">
-              <a:buFont typeface="Wingdings" panose="05000000000000000000" pitchFamily="2" charset="2"/>
-              <a:buChar char="§"/>
-            </a:pPr>
-            <a:r>
-              <a:rPr lang="de-DE" dirty="0"/>
-              <a:t>Lastenheft abgesegnet</a:t>
-            </a:r>
-          </a:p>
-          <a:p>
-            <a:pPr marL="742950" lvl="1" indent="-285750">
-              <a:buFont typeface="Wingdings" panose="05000000000000000000" pitchFamily="2" charset="2"/>
-              <a:buChar char="§"/>
-            </a:pPr>
-            <a:r>
-              <a:rPr lang="de-DE" dirty="0"/>
-              <a:t>Projekt final definiert</a:t>
+              <a:t>Es geht um eine Sache, nicht um eine Person</a:t>
             </a:r>
           </a:p>
           <a:p>
@@ -6918,37 +10292,7 @@
             </a:pPr>
             <a:r>
               <a:rPr lang="de-DE" dirty="0"/>
-              <a:t>Meilenstein 2 (04. 01. 2021):</a:t>
-            </a:r>
-          </a:p>
-          <a:p>
-            <a:pPr marL="742950" lvl="1" indent="-285750">
-              <a:buFont typeface="Wingdings" panose="05000000000000000000" pitchFamily="2" charset="2"/>
-              <a:buChar char="§"/>
-            </a:pPr>
-            <a:r>
-              <a:rPr lang="de-DE" dirty="0"/>
-              <a:t>Aktualisierung des Gantt-Charts und des Teambarometers</a:t>
-            </a:r>
-          </a:p>
-          <a:p>
-            <a:pPr marL="742950" lvl="1" indent="-285750">
-              <a:buFont typeface="Wingdings" panose="05000000000000000000" pitchFamily="2" charset="2"/>
-              <a:buChar char="§"/>
-            </a:pPr>
-            <a:r>
-              <a:rPr lang="de-DE" dirty="0"/>
-              <a:t>Feedback der Gruppenmitglieder hinzufügen</a:t>
-            </a:r>
-          </a:p>
-          <a:p>
-            <a:pPr marL="742950" lvl="1" indent="-285750">
-              <a:buFont typeface="Wingdings" panose="05000000000000000000" pitchFamily="2" charset="2"/>
-              <a:buChar char="§"/>
-            </a:pPr>
-            <a:r>
-              <a:rPr lang="de-DE" dirty="0"/>
-              <a:t>Risikoanalyse überarbeiten</a:t>
+              <a:t>Konkret werden</a:t>
             </a:r>
           </a:p>
           <a:p>
@@ -6958,26 +10302,75 @@
             </a:pPr>
             <a:r>
               <a:rPr lang="de-DE" dirty="0"/>
-              <a:t>Meilenstein 3 (30. 03. 2021):</a:t>
-            </a:r>
-          </a:p>
-          <a:p>
-            <a:pPr marL="742950" lvl="1" indent="-285750">
+              <a:t>Keine Interpretationen</a:t>
+            </a:r>
+          </a:p>
+          <a:p>
+            <a:pPr marL="285750" indent="-285750">
               <a:buFont typeface="Wingdings" panose="05000000000000000000" pitchFamily="2" charset="2"/>
-              <a:buChar char="§"/>
+              <a:buChar char="Ø"/>
             </a:pPr>
             <a:r>
-              <a:rPr lang="de-DE" dirty="0" err="1"/>
-              <a:t>tbd</a:t>
-            </a:r>
-            <a:endParaRPr lang="de-DE" dirty="0"/>
+              <a:rPr lang="de-DE" dirty="0"/>
+              <a:t>Nicht übertreiben</a:t>
+            </a:r>
+          </a:p>
+          <a:p>
+            <a:pPr marL="285750" indent="-285750">
+              <a:buFont typeface="Wingdings" panose="05000000000000000000" pitchFamily="2" charset="2"/>
+              <a:buChar char="Ø"/>
+            </a:pPr>
+            <a:r>
+              <a:rPr lang="de-DE" dirty="0"/>
+              <a:t>Negatives und Positives trennen</a:t>
+            </a:r>
+          </a:p>
+          <a:p>
+            <a:pPr marL="285750" indent="-285750">
+              <a:buFont typeface="Wingdings" panose="05000000000000000000" pitchFamily="2" charset="2"/>
+              <a:buChar char="Ø"/>
+            </a:pPr>
+            <a:r>
+              <a:rPr lang="de-DE" dirty="0"/>
+              <a:t>Auch die Gegenseite anhören</a:t>
+            </a:r>
+          </a:p>
+          <a:p>
+            <a:pPr marL="285750" indent="-285750">
+              <a:buFont typeface="Wingdings" panose="05000000000000000000" pitchFamily="2" charset="2"/>
+              <a:buChar char="Ø"/>
+            </a:pPr>
+            <a:r>
+              <a:rPr lang="de-DE" dirty="0"/>
+              <a:t>Lösungen anbieten</a:t>
+            </a:r>
+          </a:p>
+          <a:p>
+            <a:pPr marL="285750" indent="-285750">
+              <a:buFont typeface="Wingdings" panose="05000000000000000000" pitchFamily="2" charset="2"/>
+              <a:buChar char="Ø"/>
+            </a:pPr>
+            <a:r>
+              <a:rPr lang="de-DE" dirty="0"/>
+              <a:t>Niemals Kritik vor versammelter Mannschaft</a:t>
+            </a:r>
+          </a:p>
+          <a:p>
+            <a:pPr marL="285750" indent="-285750">
+              <a:buFont typeface="Wingdings" panose="05000000000000000000" pitchFamily="2" charset="2"/>
+              <a:buChar char="Ø"/>
+            </a:pPr>
+            <a:r>
+              <a:rPr lang="de-DE" dirty="0"/>
+              <a:t>Kritik unkommentiert annehmen</a:t>
+            </a:r>
           </a:p>
         </p:txBody>
       </p:sp>
     </p:spTree>
     <p:extLst>
       <p:ext uri="{BB962C8B-B14F-4D97-AF65-F5344CB8AC3E}">
-        <p14:creationId xmlns:p14="http://schemas.microsoft.com/office/powerpoint/2010/main" val="2614439235"/>
+        <p14:creationId xmlns:p14="http://schemas.microsoft.com/office/powerpoint/2010/main" val="942950947"/>
       </p:ext>
     </p:extLst>
   </p:cSld>
@@ -7027,7 +10420,7 @@
           <a:p>
             <a:fld id="{4C7FBE89-DCA5-4DC0-AB26-3C3EB1D6532B}" type="datetime1">
               <a:rPr lang="de-DE" smtClean="0"/>
-              <a:t>03.01.2021</a:t>
+              <a:t>11.01.2021</a:t>
             </a:fld>
             <a:endParaRPr lang="de-DE"/>
           </a:p>
@@ -7118,7 +10511,7 @@
         <p:spPr>
           <a:xfrm>
             <a:off x="1459684" y="588509"/>
-            <a:ext cx="5978624" cy="769441"/>
+            <a:ext cx="3320524" cy="769441"/>
           </a:xfrm>
           <a:prstGeom prst="rect">
             <a:avLst/>
@@ -7133,7 +10526,7 @@
           <a:p>
             <a:r>
               <a:rPr lang="de-DE" sz="4400" dirty="0"/>
-              <a:t>Rollenverteilung im Team</a:t>
+              <a:t>Meilensteine:</a:t>
             </a:r>
           </a:p>
         </p:txBody>
@@ -7152,8 +10545,8 @@
         </p:nvSpPr>
         <p:spPr>
           <a:xfrm>
-            <a:off x="1459684" y="2069389"/>
-            <a:ext cx="5222905" cy="2308324"/>
+            <a:off x="1459684" y="1909998"/>
+            <a:ext cx="6348213" cy="3139321"/>
           </a:xfrm>
           <a:prstGeom prst="rect">
             <a:avLst/>
@@ -7172,7 +10565,7 @@
             </a:pPr>
             <a:r>
               <a:rPr lang="de-DE" dirty="0"/>
-              <a:t>Bolsch, Marc: </a:t>
+              <a:t>Meilenstein 1 (23. 11. 2020):</a:t>
             </a:r>
           </a:p>
           <a:p>
@@ -7182,7 +10575,37 @@
             </a:pPr>
             <a:r>
               <a:rPr lang="de-DE" dirty="0"/>
-              <a:t> Mechaniker und Designer</a:t>
+              <a:t>Statusbericht in der GPM-Veranstaltung vorstellen</a:t>
+            </a:r>
+          </a:p>
+          <a:p>
+            <a:pPr marL="742950" lvl="1" indent="-285750">
+              <a:buFont typeface="Wingdings" panose="05000000000000000000" pitchFamily="2" charset="2"/>
+              <a:buChar char="§"/>
+            </a:pPr>
+            <a:r>
+              <a:rPr lang="de-DE" dirty="0"/>
+              <a:t>Gantt-Chart fertiggestellt</a:t>
+            </a:r>
+          </a:p>
+          <a:p>
+            <a:pPr marL="742950" lvl="1" indent="-285750">
+              <a:buFont typeface="Wingdings" panose="05000000000000000000" pitchFamily="2" charset="2"/>
+              <a:buChar char="§"/>
+            </a:pPr>
+            <a:r>
+              <a:rPr lang="de-DE" dirty="0"/>
+              <a:t>Lastenheft abgesegnet</a:t>
+            </a:r>
+          </a:p>
+          <a:p>
+            <a:pPr marL="742950" lvl="1" indent="-285750">
+              <a:buFont typeface="Wingdings" panose="05000000000000000000" pitchFamily="2" charset="2"/>
+              <a:buChar char="§"/>
+            </a:pPr>
+            <a:r>
+              <a:rPr lang="de-DE" dirty="0"/>
+              <a:t>Projekt final definiert</a:t>
             </a:r>
           </a:p>
           <a:p>
@@ -7192,7 +10615,7 @@
             </a:pPr>
             <a:r>
               <a:rPr lang="de-DE" dirty="0"/>
-              <a:t>Nöldeke Heiko:</a:t>
+              <a:t>Meilenstein 2 (04. 01. 2021):</a:t>
             </a:r>
           </a:p>
           <a:p>
@@ -7202,13 +10625,28 @@
             </a:pPr>
             <a:r>
               <a:rPr lang="de-DE" dirty="0"/>
-              <a:t>Projektleiter und </a:t>
-            </a:r>
-            <a:r>
-              <a:rPr lang="de-DE" dirty="0" err="1"/>
-              <a:t>Dokumentationsbeauftrager</a:t>
-            </a:r>
-            <a:endParaRPr lang="de-DE" dirty="0"/>
+              <a:t>Aktualisierung des Gantt-Charts und des Teambarometers</a:t>
+            </a:r>
+          </a:p>
+          <a:p>
+            <a:pPr marL="742950" lvl="1" indent="-285750">
+              <a:buFont typeface="Wingdings" panose="05000000000000000000" pitchFamily="2" charset="2"/>
+              <a:buChar char="§"/>
+            </a:pPr>
+            <a:r>
+              <a:rPr lang="de-DE" dirty="0"/>
+              <a:t>Feedback der Gruppenmitglieder hinzufügen</a:t>
+            </a:r>
+          </a:p>
+          <a:p>
+            <a:pPr marL="742950" lvl="1" indent="-285750">
+              <a:buFont typeface="Wingdings" panose="05000000000000000000" pitchFamily="2" charset="2"/>
+              <a:buChar char="§"/>
+            </a:pPr>
+            <a:r>
+              <a:rPr lang="de-DE" dirty="0"/>
+              <a:t>Risikoanalyse überarbeiten</a:t>
+            </a:r>
           </a:p>
           <a:p>
             <a:pPr marL="285750" indent="-285750">
@@ -7217,7 +10655,7 @@
             </a:pPr>
             <a:r>
               <a:rPr lang="de-DE" dirty="0"/>
-              <a:t>Otto, Philipp:</a:t>
+              <a:t>Meilenstein 3 (30. 03. 2021):</a:t>
             </a:r>
           </a:p>
           <a:p>
@@ -7226,36 +10664,17 @@
               <a:buChar char="§"/>
             </a:pPr>
             <a:r>
-              <a:rPr lang="de-DE" dirty="0"/>
-              <a:t>Programmierer, Hardware</a:t>
-            </a:r>
-          </a:p>
-          <a:p>
-            <a:pPr marL="285750" indent="-285750">
-              <a:buFont typeface="Wingdings" panose="05000000000000000000" pitchFamily="2" charset="2"/>
-              <a:buChar char="Ø"/>
-            </a:pPr>
-            <a:r>
-              <a:rPr lang="de-DE" dirty="0"/>
-              <a:t>Roschkowski, Pascal:</a:t>
-            </a:r>
-          </a:p>
-          <a:p>
-            <a:pPr marL="742950" lvl="1" indent="-285750">
-              <a:buFont typeface="Wingdings" panose="05000000000000000000" pitchFamily="2" charset="2"/>
-              <a:buChar char="§"/>
-            </a:pPr>
-            <a:r>
-              <a:rPr lang="de-DE" dirty="0"/>
-              <a:t>Programmierer, Software</a:t>
-            </a:r>
+              <a:rPr lang="de-DE" dirty="0" err="1"/>
+              <a:t>tbd</a:t>
+            </a:r>
+            <a:endParaRPr lang="de-DE" dirty="0"/>
           </a:p>
         </p:txBody>
       </p:sp>
     </p:spTree>
     <p:extLst>
       <p:ext uri="{BB962C8B-B14F-4D97-AF65-F5344CB8AC3E}">
-        <p14:creationId xmlns:p14="http://schemas.microsoft.com/office/powerpoint/2010/main" val="2209516226"/>
+        <p14:creationId xmlns:p14="http://schemas.microsoft.com/office/powerpoint/2010/main" val="2614439235"/>
       </p:ext>
     </p:extLst>
   </p:cSld>
@@ -7305,7 +10724,7 @@
           <a:p>
             <a:fld id="{4C7FBE89-DCA5-4DC0-AB26-3C3EB1D6532B}" type="datetime1">
               <a:rPr lang="de-DE" smtClean="0"/>
-              <a:t>03.01.2021</a:t>
+              <a:t>11.01.2021</a:t>
             </a:fld>
             <a:endParaRPr lang="de-DE"/>
           </a:p>
@@ -7396,7 +10815,7 @@
         <p:spPr>
           <a:xfrm>
             <a:off x="1459684" y="588509"/>
-            <a:ext cx="2901307" cy="769441"/>
+            <a:ext cx="5978624" cy="769441"/>
           </a:xfrm>
           <a:prstGeom prst="rect">
             <a:avLst/>
@@ -7411,45 +10830,129 @@
           <a:p>
             <a:r>
               <a:rPr lang="de-DE" sz="4400" dirty="0"/>
-              <a:t>Gantt-Chart</a:t>
-            </a:r>
-          </a:p>
-        </p:txBody>
-      </p:sp>
-      <p:pic>
-        <p:nvPicPr>
-          <p:cNvPr id="4" name="Grafik 3">
-            <a:extLst>
-              <a:ext uri="{FF2B5EF4-FFF2-40B4-BE49-F238E27FC236}">
-                <a16:creationId xmlns:a16="http://schemas.microsoft.com/office/drawing/2014/main" id="{4E5063ED-D9FA-4FB4-8EC6-2BBF8FADDEBA}"/>
-              </a:ext>
-            </a:extLst>
-          </p:cNvPr>
-          <p:cNvPicPr>
-            <a:picLocks noChangeAspect="1"/>
-          </p:cNvPicPr>
+              <a:t>Rollenverteilung im Team</a:t>
+            </a:r>
+          </a:p>
+        </p:txBody>
+      </p:sp>
+      <p:sp>
+        <p:nvSpPr>
+          <p:cNvPr id="4" name="Textfeld 3">
+            <a:extLst>
+              <a:ext uri="{FF2B5EF4-FFF2-40B4-BE49-F238E27FC236}">
+                <a16:creationId xmlns:a16="http://schemas.microsoft.com/office/drawing/2014/main" id="{2F868670-3615-427C-86F8-07098407B34C}"/>
+              </a:ext>
+            </a:extLst>
+          </p:cNvPr>
+          <p:cNvSpPr txBox="1"/>
           <p:nvPr/>
-        </p:nvPicPr>
-        <p:blipFill>
-          <a:blip r:embed="rId2"/>
-          <a:stretch>
-            <a:fillRect/>
-          </a:stretch>
-        </p:blipFill>
+        </p:nvSpPr>
         <p:spPr>
           <a:xfrm>
-            <a:off x="970272" y="1712971"/>
-            <a:ext cx="10251455" cy="3432057"/>
+            <a:off x="1459684" y="2069389"/>
+            <a:ext cx="5222905" cy="2308324"/>
           </a:xfrm>
           <a:prstGeom prst="rect">
             <a:avLst/>
           </a:prstGeom>
+          <a:noFill/>
         </p:spPr>
-      </p:pic>
+        <p:txBody>
+          <a:bodyPr wrap="none" rtlCol="0">
+            <a:spAutoFit/>
+          </a:bodyPr>
+          <a:lstStyle/>
+          <a:p>
+            <a:pPr marL="285750" indent="-285750">
+              <a:buFont typeface="Wingdings" panose="05000000000000000000" pitchFamily="2" charset="2"/>
+              <a:buChar char="Ø"/>
+            </a:pPr>
+            <a:r>
+              <a:rPr lang="de-DE" dirty="0"/>
+              <a:t>Bolsch, Marc: </a:t>
+            </a:r>
+          </a:p>
+          <a:p>
+            <a:pPr marL="742950" lvl="1" indent="-285750">
+              <a:buFont typeface="Wingdings" panose="05000000000000000000" pitchFamily="2" charset="2"/>
+              <a:buChar char="§"/>
+            </a:pPr>
+            <a:r>
+              <a:rPr lang="de-DE" dirty="0"/>
+              <a:t> Mechaniker und Designer</a:t>
+            </a:r>
+          </a:p>
+          <a:p>
+            <a:pPr marL="285750" indent="-285750">
+              <a:buFont typeface="Wingdings" panose="05000000000000000000" pitchFamily="2" charset="2"/>
+              <a:buChar char="Ø"/>
+            </a:pPr>
+            <a:r>
+              <a:rPr lang="de-DE" dirty="0"/>
+              <a:t>Nöldeke Heiko:</a:t>
+            </a:r>
+          </a:p>
+          <a:p>
+            <a:pPr marL="742950" lvl="1" indent="-285750">
+              <a:buFont typeface="Wingdings" panose="05000000000000000000" pitchFamily="2" charset="2"/>
+              <a:buChar char="§"/>
+            </a:pPr>
+            <a:r>
+              <a:rPr lang="de-DE" dirty="0"/>
+              <a:t>Projektleiter und </a:t>
+            </a:r>
+            <a:r>
+              <a:rPr lang="de-DE" dirty="0" err="1"/>
+              <a:t>Dokumentationsbeauftrager</a:t>
+            </a:r>
+            <a:endParaRPr lang="de-DE" dirty="0"/>
+          </a:p>
+          <a:p>
+            <a:pPr marL="285750" indent="-285750">
+              <a:buFont typeface="Wingdings" panose="05000000000000000000" pitchFamily="2" charset="2"/>
+              <a:buChar char="Ø"/>
+            </a:pPr>
+            <a:r>
+              <a:rPr lang="de-DE" dirty="0"/>
+              <a:t>Otto, Philipp:</a:t>
+            </a:r>
+          </a:p>
+          <a:p>
+            <a:pPr marL="742950" lvl="1" indent="-285750">
+              <a:buFont typeface="Wingdings" panose="05000000000000000000" pitchFamily="2" charset="2"/>
+              <a:buChar char="§"/>
+            </a:pPr>
+            <a:r>
+              <a:rPr lang="de-DE" dirty="0"/>
+              <a:t>Programmierer, Hardware</a:t>
+            </a:r>
+          </a:p>
+          <a:p>
+            <a:pPr marL="285750" indent="-285750">
+              <a:buFont typeface="Wingdings" panose="05000000000000000000" pitchFamily="2" charset="2"/>
+              <a:buChar char="Ø"/>
+            </a:pPr>
+            <a:r>
+              <a:rPr lang="de-DE" dirty="0"/>
+              <a:t>Roschkowski, Pascal:</a:t>
+            </a:r>
+          </a:p>
+          <a:p>
+            <a:pPr marL="742950" lvl="1" indent="-285750">
+              <a:buFont typeface="Wingdings" panose="05000000000000000000" pitchFamily="2" charset="2"/>
+              <a:buChar char="§"/>
+            </a:pPr>
+            <a:r>
+              <a:rPr lang="de-DE" dirty="0"/>
+              <a:t>Programmierer, Software</a:t>
+            </a:r>
+          </a:p>
+        </p:txBody>
+      </p:sp>
     </p:spTree>
     <p:extLst>
       <p:ext uri="{BB962C8B-B14F-4D97-AF65-F5344CB8AC3E}">
-        <p14:creationId xmlns:p14="http://schemas.microsoft.com/office/powerpoint/2010/main" val="2451452056"/>
+        <p14:creationId xmlns:p14="http://schemas.microsoft.com/office/powerpoint/2010/main" val="2209516226"/>
       </p:ext>
     </p:extLst>
   </p:cSld>
@@ -7499,7 +11002,7 @@
           <a:p>
             <a:fld id="{4C7FBE89-DCA5-4DC0-AB26-3C3EB1D6532B}" type="datetime1">
               <a:rPr lang="de-DE" smtClean="0"/>
-              <a:t>03.01.2021</a:t>
+              <a:t>11.01.2021</a:t>
             </a:fld>
             <a:endParaRPr lang="de-DE"/>
           </a:p>
@@ -7532,7 +11035,7 @@
           <a:lstStyle/>
           <a:p>
             <a:r>
-              <a:rPr lang="de-DE"/>
+              <a:rPr lang="de-DE" dirty="0"/>
               <a:t>	 </a:t>
             </a:r>
             <a:fld id="{2D4C594A-0DAD-48BB-BE3B-8241EF812AB5}" type="slidenum">
@@ -7590,7 +11093,7 @@
         <p:spPr>
           <a:xfrm>
             <a:off x="1459684" y="588509"/>
-            <a:ext cx="6349623" cy="769441"/>
+            <a:ext cx="2901307" cy="769441"/>
           </a:xfrm>
           <a:prstGeom prst="rect">
             <a:avLst/>
@@ -7605,17 +11108,17 @@
           <a:p>
             <a:r>
               <a:rPr lang="de-DE" sz="4400" dirty="0"/>
-              <a:t>Projekt-Struktur-Plan (PSP)</a:t>
+              <a:t>Gantt-Chart</a:t>
             </a:r>
           </a:p>
         </p:txBody>
       </p:sp>
       <p:pic>
         <p:nvPicPr>
-          <p:cNvPr id="4" name="Grafik 3">
-            <a:extLst>
-              <a:ext uri="{FF2B5EF4-FFF2-40B4-BE49-F238E27FC236}">
-                <a16:creationId xmlns:a16="http://schemas.microsoft.com/office/drawing/2014/main" id="{EE75142B-A2F2-4636-97A8-A0F3503AA053}"/>
+          <p:cNvPr id="9" name="Grafik 8">
+            <a:extLst>
+              <a:ext uri="{FF2B5EF4-FFF2-40B4-BE49-F238E27FC236}">
+                <a16:creationId xmlns:a16="http://schemas.microsoft.com/office/drawing/2014/main" id="{DF6661D9-8199-4038-B130-56243471584A}"/>
               </a:ext>
             </a:extLst>
           </p:cNvPr>
@@ -7632,8 +11135,8 @@
         </p:blipFill>
         <p:spPr>
           <a:xfrm>
-            <a:off x="2399977" y="1549459"/>
-            <a:ext cx="7392045" cy="4519977"/>
+            <a:off x="784459" y="1297393"/>
+            <a:ext cx="10623082" cy="4919452"/>
           </a:xfrm>
           <a:prstGeom prst="rect">
             <a:avLst/>
@@ -7643,7 +11146,7 @@
     </p:spTree>
     <p:extLst>
       <p:ext uri="{BB962C8B-B14F-4D97-AF65-F5344CB8AC3E}">
-        <p14:creationId xmlns:p14="http://schemas.microsoft.com/office/powerpoint/2010/main" val="1285503323"/>
+        <p14:creationId xmlns:p14="http://schemas.microsoft.com/office/powerpoint/2010/main" val="2451452056"/>
       </p:ext>
     </p:extLst>
   </p:cSld>
@@ -7693,7 +11196,7 @@
           <a:p>
             <a:fld id="{4C7FBE89-DCA5-4DC0-AB26-3C3EB1D6532B}" type="datetime1">
               <a:rPr lang="de-DE" smtClean="0"/>
-              <a:t>03.01.2021</a:t>
+              <a:t>11.01.2021</a:t>
             </a:fld>
             <a:endParaRPr lang="de-DE"/>
           </a:p>
@@ -7783,8 +11286,8 @@
         </p:nvSpPr>
         <p:spPr>
           <a:xfrm>
-            <a:off x="1281887" y="760332"/>
-            <a:ext cx="3226974" cy="769441"/>
+            <a:off x="1459684" y="588509"/>
+            <a:ext cx="6349623" cy="769441"/>
           </a:xfrm>
           <a:prstGeom prst="rect">
             <a:avLst/>
@@ -7799,3115 +11302,45 @@
           <a:p>
             <a:r>
               <a:rPr lang="de-DE" sz="4400" dirty="0"/>
-              <a:t>Risikoanalyse</a:t>
-            </a:r>
-          </a:p>
-        </p:txBody>
-      </p:sp>
-      <p:graphicFrame>
-        <p:nvGraphicFramePr>
-          <p:cNvPr id="9" name="Inhaltsplatzhalter 5">
-            <a:extLst>
-              <a:ext uri="{FF2B5EF4-FFF2-40B4-BE49-F238E27FC236}">
-                <a16:creationId xmlns:a16="http://schemas.microsoft.com/office/drawing/2014/main" id="{9CA81959-487E-4843-9FF9-B41C3FA8A3CA}"/>
-              </a:ext>
-            </a:extLst>
-          </p:cNvPr>
-          <p:cNvGraphicFramePr>
-            <a:graphicFrameLocks/>
-          </p:cNvGraphicFramePr>
-          <p:nvPr>
-            <p:extLst>
-              <p:ext uri="{D42A27DB-BD31-4B8C-83A1-F6EECF244321}">
-                <p14:modId xmlns:p14="http://schemas.microsoft.com/office/powerpoint/2010/main" val="2466030807"/>
-              </p:ext>
-            </p:extLst>
-          </p:nvPr>
-        </p:nvGraphicFramePr>
-        <p:xfrm>
-          <a:off x="1281886" y="1413970"/>
-          <a:ext cx="10518228" cy="4576638"/>
-        </p:xfrm>
-        <a:graphic>
-          <a:graphicData uri="http://schemas.openxmlformats.org/drawingml/2006/table">
-            <a:tbl>
-              <a:tblPr firstRow="1" firstCol="1" bandRow="1"/>
-              <a:tblGrid>
-                <a:gridCol w="2235861">
-                  <a:extLst>
-                    <a:ext uri="{9D8B030D-6E8A-4147-A177-3AD203B41FA5}">
-                      <a16:colId xmlns:a16="http://schemas.microsoft.com/office/drawing/2014/main" val="1937100112"/>
-                    </a:ext>
-                  </a:extLst>
-                </a:gridCol>
-                <a:gridCol w="2700601">
-                  <a:extLst>
-                    <a:ext uri="{9D8B030D-6E8A-4147-A177-3AD203B41FA5}">
-                      <a16:colId xmlns:a16="http://schemas.microsoft.com/office/drawing/2014/main" val="1805933689"/>
-                    </a:ext>
-                  </a:extLst>
-                </a:gridCol>
-                <a:gridCol w="2260969">
-                  <a:extLst>
-                    <a:ext uri="{9D8B030D-6E8A-4147-A177-3AD203B41FA5}">
-                      <a16:colId xmlns:a16="http://schemas.microsoft.com/office/drawing/2014/main" val="210679154"/>
-                    </a:ext>
-                  </a:extLst>
-                </a:gridCol>
-                <a:gridCol w="1596500">
-                  <a:extLst>
-                    <a:ext uri="{9D8B030D-6E8A-4147-A177-3AD203B41FA5}">
-                      <a16:colId xmlns:a16="http://schemas.microsoft.com/office/drawing/2014/main" val="3002741590"/>
-                    </a:ext>
-                  </a:extLst>
-                </a:gridCol>
-                <a:gridCol w="1262743">
-                  <a:extLst>
-                    <a:ext uri="{9D8B030D-6E8A-4147-A177-3AD203B41FA5}">
-                      <a16:colId xmlns:a16="http://schemas.microsoft.com/office/drawing/2014/main" val="3554861885"/>
-                    </a:ext>
-                  </a:extLst>
-                </a:gridCol>
-                <a:gridCol w="461554">
-                  <a:extLst>
-                    <a:ext uri="{9D8B030D-6E8A-4147-A177-3AD203B41FA5}">
-                      <a16:colId xmlns:a16="http://schemas.microsoft.com/office/drawing/2014/main" val="1462727777"/>
-                    </a:ext>
-                  </a:extLst>
-                </a:gridCol>
-              </a:tblGrid>
-              <a:tr h="311608">
-                <a:tc>
-                  <a:txBody>
-                    <a:bodyPr/>
-                    <a:lstStyle/>
-                    <a:p>
-                      <a:pPr algn="l" fontAlgn="t">
-                        <a:lnSpc>
-                          <a:spcPct val="107000"/>
-                        </a:lnSpc>
-                        <a:spcBef>
-                          <a:spcPts val="0"/>
-                        </a:spcBef>
-                        <a:spcAft>
-                          <a:spcPts val="800"/>
-                        </a:spcAft>
-                      </a:pPr>
-                      <a:r>
-                        <a:rPr lang="de-DE" sz="1600" b="0" i="0" u="none" strike="noStrike">
-                          <a:effectLst/>
-                          <a:latin typeface="Calibri" panose="020F0502020204030204" pitchFamily="34" charset="0"/>
-                          <a:ea typeface="Calibri" panose="020F0502020204030204" pitchFamily="34" charset="0"/>
-                          <a:cs typeface="Times New Roman" panose="02020603050405020304" pitchFamily="18" charset="0"/>
-                        </a:rPr>
-                        <a:t>Bezeichnung</a:t>
-                      </a:r>
-                      <a:endParaRPr lang="de-DE" sz="2900" b="0" i="0" u="none" strike="noStrike">
-                        <a:effectLst/>
-                        <a:latin typeface="Arial" panose="020B0604020202020204" pitchFamily="34" charset="0"/>
-                      </a:endParaRPr>
-                    </a:p>
-                  </a:txBody>
-                  <a:tcPr marL="108842" marR="108842" marT="15117" marB="0">
-                    <a:lnL w="12700" cap="flat" cmpd="sng" algn="ctr">
-                      <a:solidFill>
-                        <a:srgbClr val="000000"/>
-                      </a:solidFill>
-                      <a:prstDash val="solid"/>
-                      <a:round/>
-                      <a:headEnd type="none" w="med" len="med"/>
-                      <a:tailEnd type="none" w="med" len="med"/>
-                    </a:lnL>
-                    <a:lnR w="12700" cap="flat" cmpd="sng" algn="ctr">
-                      <a:solidFill>
-                        <a:srgbClr val="000000"/>
-                      </a:solidFill>
-                      <a:prstDash val="solid"/>
-                      <a:round/>
-                      <a:headEnd type="none" w="med" len="med"/>
-                      <a:tailEnd type="none" w="med" len="med"/>
-                    </a:lnR>
-                    <a:lnT w="12700" cap="flat" cmpd="sng" algn="ctr">
-                      <a:solidFill>
-                        <a:srgbClr val="000000"/>
-                      </a:solidFill>
-                      <a:prstDash val="solid"/>
-                      <a:round/>
-                      <a:headEnd type="none" w="med" len="med"/>
-                      <a:tailEnd type="none" w="med" len="med"/>
-                    </a:lnT>
-                    <a:lnB w="12700" cap="flat" cmpd="sng" algn="ctr">
-                      <a:solidFill>
-                        <a:srgbClr val="000000"/>
-                      </a:solidFill>
-                      <a:prstDash val="solid"/>
-                      <a:round/>
-                      <a:headEnd type="none" w="med" len="med"/>
-                      <a:tailEnd type="none" w="med" len="med"/>
-                    </a:lnB>
-                  </a:tcPr>
-                </a:tc>
-                <a:tc>
-                  <a:txBody>
-                    <a:bodyPr/>
-                    <a:lstStyle/>
-                    <a:p>
-                      <a:pPr algn="l" fontAlgn="t">
-                        <a:lnSpc>
-                          <a:spcPct val="107000"/>
-                        </a:lnSpc>
-                        <a:spcBef>
-                          <a:spcPts val="0"/>
-                        </a:spcBef>
-                        <a:spcAft>
-                          <a:spcPts val="800"/>
-                        </a:spcAft>
-                      </a:pPr>
-                      <a:r>
-                        <a:rPr lang="de-DE" sz="1600" b="0" i="0" u="none" strike="noStrike" dirty="0">
-                          <a:effectLst/>
-                          <a:latin typeface="Calibri" panose="020F0502020204030204" pitchFamily="34" charset="0"/>
-                          <a:ea typeface="Calibri" panose="020F0502020204030204" pitchFamily="34" charset="0"/>
-                          <a:cs typeface="Times New Roman" panose="02020603050405020304" pitchFamily="18" charset="0"/>
-                        </a:rPr>
-                        <a:t>Ursache</a:t>
-                      </a:r>
-                      <a:endParaRPr lang="de-DE" sz="2900" b="0" i="0" u="none" strike="noStrike" dirty="0">
-                        <a:effectLst/>
-                        <a:latin typeface="Arial" panose="020B0604020202020204" pitchFamily="34" charset="0"/>
-                      </a:endParaRPr>
-                    </a:p>
-                  </a:txBody>
-                  <a:tcPr marL="108842" marR="108842" marT="15117" marB="0">
-                    <a:lnL w="12700" cap="flat" cmpd="sng" algn="ctr">
-                      <a:solidFill>
-                        <a:srgbClr val="000000"/>
-                      </a:solidFill>
-                      <a:prstDash val="solid"/>
-                      <a:round/>
-                      <a:headEnd type="none" w="med" len="med"/>
-                      <a:tailEnd type="none" w="med" len="med"/>
-                    </a:lnL>
-                    <a:lnR w="12700" cap="flat" cmpd="sng" algn="ctr">
-                      <a:solidFill>
-                        <a:srgbClr val="000000"/>
-                      </a:solidFill>
-                      <a:prstDash val="solid"/>
-                      <a:round/>
-                      <a:headEnd type="none" w="med" len="med"/>
-                      <a:tailEnd type="none" w="med" len="med"/>
-                    </a:lnR>
-                    <a:lnT w="12700" cap="flat" cmpd="sng" algn="ctr">
-                      <a:solidFill>
-                        <a:srgbClr val="000000"/>
-                      </a:solidFill>
-                      <a:prstDash val="solid"/>
-                      <a:round/>
-                      <a:headEnd type="none" w="med" len="med"/>
-                      <a:tailEnd type="none" w="med" len="med"/>
-                    </a:lnT>
-                    <a:lnB w="12700" cap="flat" cmpd="sng" algn="ctr">
-                      <a:solidFill>
-                        <a:srgbClr val="000000"/>
-                      </a:solidFill>
-                      <a:prstDash val="solid"/>
-                      <a:round/>
-                      <a:headEnd type="none" w="med" len="med"/>
-                      <a:tailEnd type="none" w="med" len="med"/>
-                    </a:lnB>
-                  </a:tcPr>
-                </a:tc>
-                <a:tc>
-                  <a:txBody>
-                    <a:bodyPr/>
-                    <a:lstStyle/>
-                    <a:p>
-                      <a:pPr algn="l" fontAlgn="t">
-                        <a:lnSpc>
-                          <a:spcPct val="107000"/>
-                        </a:lnSpc>
-                        <a:spcBef>
-                          <a:spcPts val="0"/>
-                        </a:spcBef>
-                        <a:spcAft>
-                          <a:spcPts val="800"/>
-                        </a:spcAft>
-                      </a:pPr>
-                      <a:r>
-                        <a:rPr lang="de-DE" sz="1600" b="0" i="0" u="none" strike="noStrike" dirty="0">
-                          <a:effectLst/>
-                          <a:latin typeface="Calibri" panose="020F0502020204030204" pitchFamily="34" charset="0"/>
-                          <a:ea typeface="Calibri" panose="020F0502020204030204" pitchFamily="34" charset="0"/>
-                          <a:cs typeface="Times New Roman" panose="02020603050405020304" pitchFamily="18" charset="0"/>
-                        </a:rPr>
-                        <a:t>Konsequenz</a:t>
-                      </a:r>
-                      <a:endParaRPr lang="de-DE" sz="2900" b="0" i="0" u="none" strike="noStrike" dirty="0">
-                        <a:effectLst/>
-                        <a:latin typeface="Arial" panose="020B0604020202020204" pitchFamily="34" charset="0"/>
-                      </a:endParaRPr>
-                    </a:p>
-                  </a:txBody>
-                  <a:tcPr marL="108842" marR="108842" marT="15117" marB="0">
-                    <a:lnL w="12700" cap="flat" cmpd="sng" algn="ctr">
-                      <a:solidFill>
-                        <a:srgbClr val="000000"/>
-                      </a:solidFill>
-                      <a:prstDash val="solid"/>
-                      <a:round/>
-                      <a:headEnd type="none" w="med" len="med"/>
-                      <a:tailEnd type="none" w="med" len="med"/>
-                    </a:lnL>
-                    <a:lnR w="12700" cap="flat" cmpd="sng" algn="ctr">
-                      <a:solidFill>
-                        <a:srgbClr val="000000"/>
-                      </a:solidFill>
-                      <a:prstDash val="solid"/>
-                      <a:round/>
-                      <a:headEnd type="none" w="med" len="med"/>
-                      <a:tailEnd type="none" w="med" len="med"/>
-                    </a:lnR>
-                    <a:lnT w="12700" cap="flat" cmpd="sng" algn="ctr">
-                      <a:solidFill>
-                        <a:srgbClr val="000000"/>
-                      </a:solidFill>
-                      <a:prstDash val="solid"/>
-                      <a:round/>
-                      <a:headEnd type="none" w="med" len="med"/>
-                      <a:tailEnd type="none" w="med" len="med"/>
-                    </a:lnT>
-                    <a:lnB w="12700" cap="flat" cmpd="sng" algn="ctr">
-                      <a:solidFill>
-                        <a:srgbClr val="000000"/>
-                      </a:solidFill>
-                      <a:prstDash val="solid"/>
-                      <a:round/>
-                      <a:headEnd type="none" w="med" len="med"/>
-                      <a:tailEnd type="none" w="med" len="med"/>
-                    </a:lnB>
-                  </a:tcPr>
-                </a:tc>
-                <a:tc>
-                  <a:txBody>
-                    <a:bodyPr/>
-                    <a:lstStyle/>
-                    <a:p>
-                      <a:pPr algn="l" fontAlgn="t">
-                        <a:lnSpc>
-                          <a:spcPct val="107000"/>
-                        </a:lnSpc>
-                        <a:spcBef>
-                          <a:spcPts val="0"/>
-                        </a:spcBef>
-                        <a:spcAft>
-                          <a:spcPts val="800"/>
-                        </a:spcAft>
-                      </a:pPr>
-                      <a:r>
-                        <a:rPr lang="de-DE" sz="1600" b="0" i="0" u="none" strike="noStrike" dirty="0">
-                          <a:effectLst/>
-                          <a:latin typeface="Calibri" panose="020F0502020204030204" pitchFamily="34" charset="0"/>
-                          <a:cs typeface="Times New Roman" panose="02020603050405020304" pitchFamily="18" charset="0"/>
-                        </a:rPr>
-                        <a:t>Auftrittswahr-</a:t>
-                      </a:r>
-                      <a:r>
-                        <a:rPr lang="de-DE" sz="1600" b="0" i="0" u="none" strike="noStrike" dirty="0" err="1">
-                          <a:effectLst/>
-                          <a:latin typeface="Calibri" panose="020F0502020204030204" pitchFamily="34" charset="0"/>
-                          <a:cs typeface="Times New Roman" panose="02020603050405020304" pitchFamily="18" charset="0"/>
-                        </a:rPr>
-                        <a:t>scheinlichkeit</a:t>
-                      </a:r>
-                      <a:endParaRPr lang="de-DE" sz="2900" b="0" i="0" u="none" strike="noStrike" dirty="0">
-                        <a:effectLst/>
-                        <a:latin typeface="Arial" panose="020B0604020202020204" pitchFamily="34" charset="0"/>
-                      </a:endParaRPr>
-                    </a:p>
-                  </a:txBody>
-                  <a:tcPr marL="108842" marR="108842" marT="15117" marB="0">
-                    <a:lnL w="12700" cap="flat" cmpd="sng" algn="ctr">
-                      <a:solidFill>
-                        <a:srgbClr val="000000"/>
-                      </a:solidFill>
-                      <a:prstDash val="solid"/>
-                      <a:round/>
-                      <a:headEnd type="none" w="med" len="med"/>
-                      <a:tailEnd type="none" w="med" len="med"/>
-                    </a:lnL>
-                    <a:lnR w="12700" cap="flat" cmpd="sng" algn="ctr">
-                      <a:solidFill>
-                        <a:srgbClr val="000000"/>
-                      </a:solidFill>
-                      <a:prstDash val="solid"/>
-                      <a:round/>
-                      <a:headEnd type="none" w="med" len="med"/>
-                      <a:tailEnd type="none" w="med" len="med"/>
-                    </a:lnR>
-                    <a:lnT w="12700" cap="flat" cmpd="sng" algn="ctr">
-                      <a:solidFill>
-                        <a:srgbClr val="000000"/>
-                      </a:solidFill>
-                      <a:prstDash val="solid"/>
-                      <a:round/>
-                      <a:headEnd type="none" w="med" len="med"/>
-                      <a:tailEnd type="none" w="med" len="med"/>
-                    </a:lnT>
-                    <a:lnB w="12700" cap="flat" cmpd="sng" algn="ctr">
-                      <a:solidFill>
-                        <a:srgbClr val="000000"/>
-                      </a:solidFill>
-                      <a:prstDash val="solid"/>
-                      <a:round/>
-                      <a:headEnd type="none" w="med" len="med"/>
-                      <a:tailEnd type="none" w="med" len="med"/>
-                    </a:lnB>
-                  </a:tcPr>
-                </a:tc>
-                <a:tc>
-                  <a:txBody>
-                    <a:bodyPr/>
-                    <a:lstStyle/>
-                    <a:p>
-                      <a:pPr algn="l" fontAlgn="t">
-                        <a:lnSpc>
-                          <a:spcPct val="107000"/>
-                        </a:lnSpc>
-                        <a:spcBef>
-                          <a:spcPts val="0"/>
-                        </a:spcBef>
-                        <a:spcAft>
-                          <a:spcPts val="0"/>
-                        </a:spcAft>
-                      </a:pPr>
-                      <a:r>
-                        <a:rPr lang="de-DE" sz="1600" b="0" i="0" u="none" strike="noStrike" kern="1200" dirty="0">
-                          <a:solidFill>
-                            <a:schemeClr val="tx1"/>
-                          </a:solidFill>
-                          <a:effectLst/>
-                          <a:latin typeface="Calibri" panose="020F0502020204030204" pitchFamily="34" charset="0"/>
-                          <a:cs typeface="Times New Roman" panose="02020603050405020304" pitchFamily="18" charset="0"/>
-                        </a:rPr>
-                        <a:t>Schadens-</a:t>
-                      </a:r>
-                    </a:p>
-                    <a:p>
-                      <a:pPr algn="l" fontAlgn="t">
-                        <a:lnSpc>
-                          <a:spcPct val="107000"/>
-                        </a:lnSpc>
-                        <a:spcBef>
-                          <a:spcPts val="0"/>
-                        </a:spcBef>
-                        <a:spcAft>
-                          <a:spcPts val="0"/>
-                        </a:spcAft>
-                      </a:pPr>
-                      <a:r>
-                        <a:rPr lang="de-DE" sz="1600" b="0" i="0" u="none" strike="noStrike" kern="1200" dirty="0">
-                          <a:solidFill>
-                            <a:schemeClr val="tx1"/>
-                          </a:solidFill>
-                          <a:effectLst/>
-                          <a:latin typeface="Calibri" panose="020F0502020204030204" pitchFamily="34" charset="0"/>
-                          <a:cs typeface="Times New Roman" panose="02020603050405020304" pitchFamily="18" charset="0"/>
-                        </a:rPr>
-                        <a:t>ausmaß</a:t>
-                      </a:r>
-                    </a:p>
-                  </a:txBody>
-                  <a:tcPr marL="108842" marR="108842" marT="15117" marB="0">
-                    <a:lnL w="12700" cap="flat" cmpd="sng" algn="ctr">
-                      <a:solidFill>
-                        <a:srgbClr val="000000"/>
-                      </a:solidFill>
-                      <a:prstDash val="solid"/>
-                      <a:round/>
-                      <a:headEnd type="none" w="med" len="med"/>
-                      <a:tailEnd type="none" w="med" len="med"/>
-                    </a:lnL>
-                    <a:lnR w="12700" cap="flat" cmpd="sng" algn="ctr">
-                      <a:solidFill>
-                        <a:srgbClr val="000000"/>
-                      </a:solidFill>
-                      <a:prstDash val="solid"/>
-                      <a:round/>
-                      <a:headEnd type="none" w="med" len="med"/>
-                      <a:tailEnd type="none" w="med" len="med"/>
-                    </a:lnR>
-                    <a:lnT w="12700" cap="flat" cmpd="sng" algn="ctr">
-                      <a:solidFill>
-                        <a:srgbClr val="000000"/>
-                      </a:solidFill>
-                      <a:prstDash val="solid"/>
-                      <a:round/>
-                      <a:headEnd type="none" w="med" len="med"/>
-                      <a:tailEnd type="none" w="med" len="med"/>
-                    </a:lnT>
-                    <a:lnB w="12700" cap="flat" cmpd="sng" algn="ctr">
-                      <a:solidFill>
-                        <a:srgbClr val="000000"/>
-                      </a:solidFill>
-                      <a:prstDash val="solid"/>
-                      <a:round/>
-                      <a:headEnd type="none" w="med" len="med"/>
-                      <a:tailEnd type="none" w="med" len="med"/>
-                    </a:lnB>
-                  </a:tcPr>
-                </a:tc>
-                <a:tc>
-                  <a:txBody>
-                    <a:bodyPr/>
-                    <a:lstStyle/>
-                    <a:p>
-                      <a:pPr algn="l" fontAlgn="t">
-                        <a:lnSpc>
-                          <a:spcPct val="107000"/>
-                        </a:lnSpc>
-                        <a:spcBef>
-                          <a:spcPts val="0"/>
-                        </a:spcBef>
-                        <a:spcAft>
-                          <a:spcPts val="0"/>
-                        </a:spcAft>
-                      </a:pPr>
-                      <a:r>
-                        <a:rPr lang="de-DE" sz="1600" b="0" i="0" u="none" strike="noStrike" kern="1200" dirty="0">
-                          <a:solidFill>
-                            <a:schemeClr val="tx1"/>
-                          </a:solidFill>
-                          <a:effectLst/>
-                          <a:latin typeface="Calibri" panose="020F0502020204030204" pitchFamily="34" charset="0"/>
-                          <a:cs typeface="Times New Roman" panose="02020603050405020304" pitchFamily="18" charset="0"/>
-                        </a:rPr>
-                        <a:t>RZ</a:t>
-                      </a:r>
-                    </a:p>
-                  </a:txBody>
-                  <a:tcPr marL="108842" marR="108842" marT="15117" marB="0">
-                    <a:lnL w="12700" cap="flat" cmpd="sng" algn="ctr">
-                      <a:solidFill>
-                        <a:srgbClr val="000000"/>
-                      </a:solidFill>
-                      <a:prstDash val="solid"/>
-                      <a:round/>
-                      <a:headEnd type="none" w="med" len="med"/>
-                      <a:tailEnd type="none" w="med" len="med"/>
-                    </a:lnL>
-                    <a:lnR w="12700" cap="flat" cmpd="sng" algn="ctr">
-                      <a:solidFill>
-                        <a:srgbClr val="000000"/>
-                      </a:solidFill>
-                      <a:prstDash val="solid"/>
-                      <a:round/>
-                      <a:headEnd type="none" w="med" len="med"/>
-                      <a:tailEnd type="none" w="med" len="med"/>
-                    </a:lnR>
-                    <a:lnT w="12700" cap="flat" cmpd="sng" algn="ctr">
-                      <a:solidFill>
-                        <a:srgbClr val="000000"/>
-                      </a:solidFill>
-                      <a:prstDash val="solid"/>
-                      <a:round/>
-                      <a:headEnd type="none" w="med" len="med"/>
-                      <a:tailEnd type="none" w="med" len="med"/>
-                    </a:lnT>
-                    <a:lnB w="12700" cap="flat" cmpd="sng" algn="ctr">
-                      <a:solidFill>
-                        <a:srgbClr val="000000"/>
-                      </a:solidFill>
-                      <a:prstDash val="solid"/>
-                      <a:round/>
-                      <a:headEnd type="none" w="med" len="med"/>
-                      <a:tailEnd type="none" w="med" len="med"/>
-                    </a:lnB>
-                  </a:tcPr>
-                </a:tc>
-                <a:extLst>
-                  <a:ext uri="{0D108BD9-81ED-4DB2-BD59-A6C34878D82A}">
-                    <a16:rowId xmlns:a16="http://schemas.microsoft.com/office/drawing/2014/main" val="2301141173"/>
-                  </a:ext>
-                </a:extLst>
-              </a:tr>
-              <a:tr h="0">
-                <a:tc>
-                  <a:txBody>
-                    <a:bodyPr/>
-                    <a:lstStyle/>
-                    <a:p>
-                      <a:pPr algn="l" fontAlgn="t">
-                        <a:lnSpc>
-                          <a:spcPct val="107000"/>
-                        </a:lnSpc>
-                        <a:spcBef>
-                          <a:spcPts val="0"/>
-                        </a:spcBef>
-                        <a:spcAft>
-                          <a:spcPts val="800"/>
-                        </a:spcAft>
-                      </a:pPr>
-                      <a:r>
-                        <a:rPr lang="de-DE" sz="1600" b="0" i="0" u="none" strike="noStrike" dirty="0">
-                          <a:effectLst/>
-                          <a:latin typeface="Calibri" panose="020F0502020204030204" pitchFamily="34" charset="0"/>
-                          <a:ea typeface="Calibri" panose="020F0502020204030204" pitchFamily="34" charset="0"/>
-                          <a:cs typeface="Times New Roman" panose="02020603050405020304" pitchFamily="18" charset="0"/>
-                        </a:rPr>
-                        <a:t> </a:t>
-                      </a:r>
-                      <a:endParaRPr lang="de-DE" sz="2900" b="0" i="0" u="none" strike="noStrike" dirty="0">
-                        <a:effectLst/>
-                        <a:latin typeface="Arial" panose="020B0604020202020204" pitchFamily="34" charset="0"/>
-                      </a:endParaRPr>
-                    </a:p>
-                  </a:txBody>
-                  <a:tcPr marL="108842" marR="108842" marT="15117" marB="0">
-                    <a:lnL w="12700" cap="flat" cmpd="sng" algn="ctr">
-                      <a:solidFill>
-                        <a:srgbClr val="000000"/>
-                      </a:solidFill>
-                      <a:prstDash val="solid"/>
-                      <a:round/>
-                      <a:headEnd type="none" w="med" len="med"/>
-                      <a:tailEnd type="none" w="med" len="med"/>
-                    </a:lnL>
-                    <a:lnR w="12700" cap="flat" cmpd="sng" algn="ctr">
-                      <a:solidFill>
-                        <a:srgbClr val="000000"/>
-                      </a:solidFill>
-                      <a:prstDash val="solid"/>
-                      <a:round/>
-                      <a:headEnd type="none" w="med" len="med"/>
-                      <a:tailEnd type="none" w="med" len="med"/>
-                    </a:lnR>
-                    <a:lnT w="12700" cap="flat" cmpd="sng" algn="ctr">
-                      <a:solidFill>
-                        <a:srgbClr val="000000"/>
-                      </a:solidFill>
-                      <a:prstDash val="solid"/>
-                      <a:round/>
-                      <a:headEnd type="none" w="med" len="med"/>
-                      <a:tailEnd type="none" w="med" len="med"/>
-                    </a:lnT>
-                    <a:lnB w="12700" cap="flat" cmpd="sng" algn="ctr">
-                      <a:solidFill>
-                        <a:srgbClr val="000000"/>
-                      </a:solidFill>
-                      <a:prstDash val="solid"/>
-                      <a:round/>
-                      <a:headEnd type="none" w="med" len="med"/>
-                      <a:tailEnd type="none" w="med" len="med"/>
-                    </a:lnB>
-                  </a:tcPr>
-                </a:tc>
-                <a:tc>
-                  <a:txBody>
-                    <a:bodyPr/>
-                    <a:lstStyle/>
-                    <a:p>
-                      <a:pPr algn="l" fontAlgn="t">
-                        <a:lnSpc>
-                          <a:spcPct val="107000"/>
-                        </a:lnSpc>
-                        <a:spcBef>
-                          <a:spcPts val="0"/>
-                        </a:spcBef>
-                        <a:spcAft>
-                          <a:spcPts val="800"/>
-                        </a:spcAft>
-                      </a:pPr>
-                      <a:r>
-                        <a:rPr lang="de-DE" sz="1600" b="0" i="0" u="none" strike="noStrike">
-                          <a:effectLst/>
-                          <a:latin typeface="Calibri" panose="020F0502020204030204" pitchFamily="34" charset="0"/>
-                          <a:ea typeface="Calibri" panose="020F0502020204030204" pitchFamily="34" charset="0"/>
-                          <a:cs typeface="Times New Roman" panose="02020603050405020304" pitchFamily="18" charset="0"/>
-                        </a:rPr>
-                        <a:t> </a:t>
-                      </a:r>
-                      <a:endParaRPr lang="de-DE" sz="2900" b="0" i="0" u="none" strike="noStrike">
-                        <a:effectLst/>
-                        <a:latin typeface="Arial" panose="020B0604020202020204" pitchFamily="34" charset="0"/>
-                      </a:endParaRPr>
-                    </a:p>
-                  </a:txBody>
-                  <a:tcPr marL="108842" marR="108842" marT="15117" marB="0">
-                    <a:lnL w="12700" cap="flat" cmpd="sng" algn="ctr">
-                      <a:solidFill>
-                        <a:srgbClr val="000000"/>
-                      </a:solidFill>
-                      <a:prstDash val="solid"/>
-                      <a:round/>
-                      <a:headEnd type="none" w="med" len="med"/>
-                      <a:tailEnd type="none" w="med" len="med"/>
-                    </a:lnL>
-                    <a:lnR w="12700" cap="flat" cmpd="sng" algn="ctr">
-                      <a:solidFill>
-                        <a:srgbClr val="000000"/>
-                      </a:solidFill>
-                      <a:prstDash val="solid"/>
-                      <a:round/>
-                      <a:headEnd type="none" w="med" len="med"/>
-                      <a:tailEnd type="none" w="med" len="med"/>
-                    </a:lnR>
-                    <a:lnT w="12700" cap="flat" cmpd="sng" algn="ctr">
-                      <a:solidFill>
-                        <a:srgbClr val="000000"/>
-                      </a:solidFill>
-                      <a:prstDash val="solid"/>
-                      <a:round/>
-                      <a:headEnd type="none" w="med" len="med"/>
-                      <a:tailEnd type="none" w="med" len="med"/>
-                    </a:lnT>
-                    <a:lnB w="12700" cap="flat" cmpd="sng" algn="ctr">
-                      <a:solidFill>
-                        <a:srgbClr val="000000"/>
-                      </a:solidFill>
-                      <a:prstDash val="solid"/>
-                      <a:round/>
-                      <a:headEnd type="none" w="med" len="med"/>
-                      <a:tailEnd type="none" w="med" len="med"/>
-                    </a:lnB>
-                  </a:tcPr>
-                </a:tc>
-                <a:tc>
-                  <a:txBody>
-                    <a:bodyPr/>
-                    <a:lstStyle/>
-                    <a:p>
-                      <a:pPr algn="l" fontAlgn="t">
-                        <a:lnSpc>
-                          <a:spcPct val="107000"/>
-                        </a:lnSpc>
-                        <a:spcBef>
-                          <a:spcPts val="0"/>
-                        </a:spcBef>
-                        <a:spcAft>
-                          <a:spcPts val="800"/>
-                        </a:spcAft>
-                      </a:pPr>
-                      <a:r>
-                        <a:rPr lang="de-DE" sz="1600" b="0" i="0" u="none" strike="noStrike" dirty="0">
-                          <a:effectLst/>
-                          <a:latin typeface="Calibri" panose="020F0502020204030204" pitchFamily="34" charset="0"/>
-                          <a:ea typeface="Calibri" panose="020F0502020204030204" pitchFamily="34" charset="0"/>
-                          <a:cs typeface="Times New Roman" panose="02020603050405020304" pitchFamily="18" charset="0"/>
-                        </a:rPr>
-                        <a:t> </a:t>
-                      </a:r>
-                      <a:endParaRPr lang="de-DE" sz="2900" b="0" i="0" u="none" strike="noStrike" dirty="0">
-                        <a:effectLst/>
-                        <a:latin typeface="Arial" panose="020B0604020202020204" pitchFamily="34" charset="0"/>
-                      </a:endParaRPr>
-                    </a:p>
-                  </a:txBody>
-                  <a:tcPr marL="108842" marR="108842" marT="15117" marB="0">
-                    <a:lnL w="12700" cap="flat" cmpd="sng" algn="ctr">
-                      <a:solidFill>
-                        <a:srgbClr val="000000"/>
-                      </a:solidFill>
-                      <a:prstDash val="solid"/>
-                      <a:round/>
-                      <a:headEnd type="none" w="med" len="med"/>
-                      <a:tailEnd type="none" w="med" len="med"/>
-                    </a:lnL>
-                    <a:lnR w="12700" cap="flat" cmpd="sng" algn="ctr">
-                      <a:solidFill>
-                        <a:srgbClr val="000000"/>
-                      </a:solidFill>
-                      <a:prstDash val="solid"/>
-                      <a:round/>
-                      <a:headEnd type="none" w="med" len="med"/>
-                      <a:tailEnd type="none" w="med" len="med"/>
-                    </a:lnR>
-                    <a:lnT w="12700" cap="flat" cmpd="sng" algn="ctr">
-                      <a:solidFill>
-                        <a:srgbClr val="000000"/>
-                      </a:solidFill>
-                      <a:prstDash val="solid"/>
-                      <a:round/>
-                      <a:headEnd type="none" w="med" len="med"/>
-                      <a:tailEnd type="none" w="med" len="med"/>
-                    </a:lnT>
-                    <a:lnB w="12700" cap="flat" cmpd="sng" algn="ctr">
-                      <a:solidFill>
-                        <a:srgbClr val="000000"/>
-                      </a:solidFill>
-                      <a:prstDash val="solid"/>
-                      <a:round/>
-                      <a:headEnd type="none" w="med" len="med"/>
-                      <a:tailEnd type="none" w="med" len="med"/>
-                    </a:lnB>
-                  </a:tcPr>
-                </a:tc>
-                <a:tc>
-                  <a:txBody>
-                    <a:bodyPr/>
-                    <a:lstStyle/>
-                    <a:p>
-                      <a:pPr algn="l" fontAlgn="t">
-                        <a:lnSpc>
-                          <a:spcPct val="107000"/>
-                        </a:lnSpc>
-                        <a:spcBef>
-                          <a:spcPts val="0"/>
-                        </a:spcBef>
-                        <a:spcAft>
-                          <a:spcPts val="800"/>
-                        </a:spcAft>
-                      </a:pPr>
-                      <a:r>
-                        <a:rPr lang="de-DE" sz="1600" b="0" i="0" u="none" strike="noStrike" dirty="0">
-                          <a:effectLst/>
-                          <a:latin typeface="Calibri" panose="020F0502020204030204" pitchFamily="34" charset="0"/>
-                          <a:ea typeface="Calibri" panose="020F0502020204030204" pitchFamily="34" charset="0"/>
-                          <a:cs typeface="Times New Roman" panose="02020603050405020304" pitchFamily="18" charset="0"/>
-                        </a:rPr>
-                        <a:t> </a:t>
-                      </a:r>
-                      <a:endParaRPr lang="de-DE" sz="2900" b="0" i="0" u="none" strike="noStrike" dirty="0">
-                        <a:effectLst/>
-                        <a:latin typeface="Arial" panose="020B0604020202020204" pitchFamily="34" charset="0"/>
-                      </a:endParaRPr>
-                    </a:p>
-                  </a:txBody>
-                  <a:tcPr marL="108842" marR="108842" marT="15117" marB="0">
-                    <a:lnL w="12700" cap="flat" cmpd="sng" algn="ctr">
-                      <a:solidFill>
-                        <a:srgbClr val="000000"/>
-                      </a:solidFill>
-                      <a:prstDash val="solid"/>
-                      <a:round/>
-                      <a:headEnd type="none" w="med" len="med"/>
-                      <a:tailEnd type="none" w="med" len="med"/>
-                    </a:lnL>
-                    <a:lnR w="12700" cap="flat" cmpd="sng" algn="ctr">
-                      <a:solidFill>
-                        <a:srgbClr val="000000"/>
-                      </a:solidFill>
-                      <a:prstDash val="solid"/>
-                      <a:round/>
-                      <a:headEnd type="none" w="med" len="med"/>
-                      <a:tailEnd type="none" w="med" len="med"/>
-                    </a:lnR>
-                    <a:lnT w="12700" cap="flat" cmpd="sng" algn="ctr">
-                      <a:solidFill>
-                        <a:srgbClr val="000000"/>
-                      </a:solidFill>
-                      <a:prstDash val="solid"/>
-                      <a:round/>
-                      <a:headEnd type="none" w="med" len="med"/>
-                      <a:tailEnd type="none" w="med" len="med"/>
-                    </a:lnT>
-                    <a:lnB w="12700" cap="flat" cmpd="sng" algn="ctr">
-                      <a:solidFill>
-                        <a:srgbClr val="000000"/>
-                      </a:solidFill>
-                      <a:prstDash val="solid"/>
-                      <a:round/>
-                      <a:headEnd type="none" w="med" len="med"/>
-                      <a:tailEnd type="none" w="med" len="med"/>
-                    </a:lnB>
-                  </a:tcPr>
-                </a:tc>
-                <a:tc>
-                  <a:txBody>
-                    <a:bodyPr/>
-                    <a:lstStyle/>
-                    <a:p>
-                      <a:pPr algn="l" fontAlgn="t">
-                        <a:lnSpc>
-                          <a:spcPct val="107000"/>
-                        </a:lnSpc>
-                        <a:spcBef>
-                          <a:spcPts val="0"/>
-                        </a:spcBef>
-                        <a:spcAft>
-                          <a:spcPts val="800"/>
-                        </a:spcAft>
-                      </a:pPr>
-                      <a:endParaRPr lang="de-DE" sz="1600" b="0" i="0" u="none" strike="noStrike" kern="1200" dirty="0">
-                        <a:solidFill>
-                          <a:schemeClr val="tx1"/>
-                        </a:solidFill>
-                        <a:effectLst/>
-                        <a:latin typeface="Calibri" panose="020F0502020204030204" pitchFamily="34" charset="0"/>
-                        <a:cs typeface="Times New Roman" panose="02020603050405020304" pitchFamily="18" charset="0"/>
-                      </a:endParaRPr>
-                    </a:p>
-                  </a:txBody>
-                  <a:tcPr marL="108842" marR="108842" marT="15117" marB="0">
-                    <a:lnL w="12700" cap="flat" cmpd="sng" algn="ctr">
-                      <a:solidFill>
-                        <a:srgbClr val="000000"/>
-                      </a:solidFill>
-                      <a:prstDash val="solid"/>
-                      <a:round/>
-                      <a:headEnd type="none" w="med" len="med"/>
-                      <a:tailEnd type="none" w="med" len="med"/>
-                    </a:lnL>
-                    <a:lnR w="12700" cap="flat" cmpd="sng" algn="ctr">
-                      <a:solidFill>
-                        <a:srgbClr val="000000"/>
-                      </a:solidFill>
-                      <a:prstDash val="solid"/>
-                      <a:round/>
-                      <a:headEnd type="none" w="med" len="med"/>
-                      <a:tailEnd type="none" w="med" len="med"/>
-                    </a:lnR>
-                    <a:lnT w="12700" cap="flat" cmpd="sng" algn="ctr">
-                      <a:solidFill>
-                        <a:srgbClr val="000000"/>
-                      </a:solidFill>
-                      <a:prstDash val="solid"/>
-                      <a:round/>
-                      <a:headEnd type="none" w="med" len="med"/>
-                      <a:tailEnd type="none" w="med" len="med"/>
-                    </a:lnT>
-                    <a:lnB w="12700" cap="flat" cmpd="sng" algn="ctr">
-                      <a:solidFill>
-                        <a:srgbClr val="000000"/>
-                      </a:solidFill>
-                      <a:prstDash val="solid"/>
-                      <a:round/>
-                      <a:headEnd type="none" w="med" len="med"/>
-                      <a:tailEnd type="none" w="med" len="med"/>
-                    </a:lnB>
-                  </a:tcPr>
-                </a:tc>
-                <a:tc>
-                  <a:txBody>
-                    <a:bodyPr/>
-                    <a:lstStyle/>
-                    <a:p>
-                      <a:pPr algn="l" fontAlgn="t">
-                        <a:lnSpc>
-                          <a:spcPct val="107000"/>
-                        </a:lnSpc>
-                        <a:spcBef>
-                          <a:spcPts val="0"/>
-                        </a:spcBef>
-                        <a:spcAft>
-                          <a:spcPts val="800"/>
-                        </a:spcAft>
-                      </a:pPr>
-                      <a:endParaRPr lang="de-DE" sz="1600" b="0" i="0" u="none" strike="noStrike" kern="1200" dirty="0">
-                        <a:solidFill>
-                          <a:schemeClr val="tx1"/>
-                        </a:solidFill>
-                        <a:effectLst/>
-                        <a:latin typeface="Calibri" panose="020F0502020204030204" pitchFamily="34" charset="0"/>
-                        <a:cs typeface="Times New Roman" panose="02020603050405020304" pitchFamily="18" charset="0"/>
-                      </a:endParaRPr>
-                    </a:p>
-                  </a:txBody>
-                  <a:tcPr marL="108842" marR="108842" marT="15117" marB="0">
-                    <a:lnL w="12700" cap="flat" cmpd="sng" algn="ctr">
-                      <a:solidFill>
-                        <a:srgbClr val="000000"/>
-                      </a:solidFill>
-                      <a:prstDash val="solid"/>
-                      <a:round/>
-                      <a:headEnd type="none" w="med" len="med"/>
-                      <a:tailEnd type="none" w="med" len="med"/>
-                    </a:lnL>
-                    <a:lnR w="12700" cap="flat" cmpd="sng" algn="ctr">
-                      <a:solidFill>
-                        <a:srgbClr val="000000"/>
-                      </a:solidFill>
-                      <a:prstDash val="solid"/>
-                      <a:round/>
-                      <a:headEnd type="none" w="med" len="med"/>
-                      <a:tailEnd type="none" w="med" len="med"/>
-                    </a:lnR>
-                    <a:lnT w="12700" cap="flat" cmpd="sng" algn="ctr">
-                      <a:solidFill>
-                        <a:srgbClr val="000000"/>
-                      </a:solidFill>
-                      <a:prstDash val="solid"/>
-                      <a:round/>
-                      <a:headEnd type="none" w="med" len="med"/>
-                      <a:tailEnd type="none" w="med" len="med"/>
-                    </a:lnT>
-                    <a:lnB w="12700" cap="flat" cmpd="sng" algn="ctr">
-                      <a:solidFill>
-                        <a:srgbClr val="000000"/>
-                      </a:solidFill>
-                      <a:prstDash val="solid"/>
-                      <a:round/>
-                      <a:headEnd type="none" w="med" len="med"/>
-                      <a:tailEnd type="none" w="med" len="med"/>
-                    </a:lnB>
-                  </a:tcPr>
-                </a:tc>
-                <a:extLst>
-                  <a:ext uri="{0D108BD9-81ED-4DB2-BD59-A6C34878D82A}">
-                    <a16:rowId xmlns:a16="http://schemas.microsoft.com/office/drawing/2014/main" val="2564595019"/>
-                  </a:ext>
-                </a:extLst>
-              </a:tr>
-              <a:tr h="554536">
-                <a:tc>
-                  <a:txBody>
-                    <a:bodyPr/>
-                    <a:lstStyle/>
-                    <a:p>
-                      <a:pPr algn="l" fontAlgn="t">
-                        <a:lnSpc>
-                          <a:spcPct val="107000"/>
-                        </a:lnSpc>
-                        <a:spcBef>
-                          <a:spcPts val="0"/>
-                        </a:spcBef>
-                        <a:spcAft>
-                          <a:spcPts val="800"/>
-                        </a:spcAft>
-                      </a:pPr>
-                      <a:r>
-                        <a:rPr lang="de-DE" sz="1600" b="0" i="0" u="none" strike="noStrike" dirty="0">
-                          <a:effectLst/>
-                          <a:latin typeface="Calibri" panose="020F0502020204030204" pitchFamily="34" charset="0"/>
-                          <a:ea typeface="Calibri" panose="020F0502020204030204" pitchFamily="34" charset="0"/>
-                          <a:cs typeface="Times New Roman" panose="02020603050405020304" pitchFamily="18" charset="0"/>
-                        </a:rPr>
-                        <a:t>Projekt wird nicht fertig gestellt</a:t>
-                      </a:r>
-                      <a:endParaRPr lang="de-DE" sz="2900" b="0" i="0" u="none" strike="noStrike" dirty="0">
-                        <a:effectLst/>
-                        <a:latin typeface="Arial" panose="020B0604020202020204" pitchFamily="34" charset="0"/>
-                      </a:endParaRPr>
-                    </a:p>
-                  </a:txBody>
-                  <a:tcPr marL="108842" marR="108842" marT="15117" marB="0">
-                    <a:lnL w="12700" cap="flat" cmpd="sng" algn="ctr">
-                      <a:solidFill>
-                        <a:srgbClr val="000000"/>
-                      </a:solidFill>
-                      <a:prstDash val="solid"/>
-                      <a:round/>
-                      <a:headEnd type="none" w="med" len="med"/>
-                      <a:tailEnd type="none" w="med" len="med"/>
-                    </a:lnL>
-                    <a:lnR w="12700" cap="flat" cmpd="sng" algn="ctr">
-                      <a:solidFill>
-                        <a:srgbClr val="000000"/>
-                      </a:solidFill>
-                      <a:prstDash val="solid"/>
-                      <a:round/>
-                      <a:headEnd type="none" w="med" len="med"/>
-                      <a:tailEnd type="none" w="med" len="med"/>
-                    </a:lnR>
-                    <a:lnT w="12700" cap="flat" cmpd="sng" algn="ctr">
-                      <a:solidFill>
-                        <a:srgbClr val="000000"/>
-                      </a:solidFill>
-                      <a:prstDash val="solid"/>
-                      <a:round/>
-                      <a:headEnd type="none" w="med" len="med"/>
-                      <a:tailEnd type="none" w="med" len="med"/>
-                    </a:lnT>
-                    <a:lnB w="12700" cap="flat" cmpd="sng" algn="ctr">
-                      <a:solidFill>
-                        <a:srgbClr val="000000"/>
-                      </a:solidFill>
-                      <a:prstDash val="solid"/>
-                      <a:round/>
-                      <a:headEnd type="none" w="med" len="med"/>
-                      <a:tailEnd type="none" w="med" len="med"/>
-                    </a:lnB>
-                    <a:noFill/>
-                  </a:tcPr>
-                </a:tc>
-                <a:tc>
-                  <a:txBody>
-                    <a:bodyPr/>
-                    <a:lstStyle/>
-                    <a:p>
-                      <a:pPr algn="l" fontAlgn="t">
-                        <a:lnSpc>
-                          <a:spcPct val="107000"/>
-                        </a:lnSpc>
-                        <a:spcBef>
-                          <a:spcPts val="0"/>
-                        </a:spcBef>
-                        <a:spcAft>
-                          <a:spcPts val="800"/>
-                        </a:spcAft>
-                      </a:pPr>
-                      <a:r>
-                        <a:rPr lang="de-DE" sz="1600" b="0" i="0" u="none" strike="noStrike" dirty="0">
-                          <a:effectLst/>
-                          <a:latin typeface="Calibri" panose="020F0502020204030204" pitchFamily="34" charset="0"/>
-                          <a:ea typeface="Calibri" panose="020F0502020204030204" pitchFamily="34" charset="0"/>
-                          <a:cs typeface="Times New Roman" panose="02020603050405020304" pitchFamily="18" charset="0"/>
-                        </a:rPr>
-                        <a:t>Zeitmangel, Kapazitätsmangel</a:t>
-                      </a:r>
-                      <a:endParaRPr lang="de-DE" sz="2900" b="0" i="0" u="none" strike="noStrike" dirty="0">
-                        <a:effectLst/>
-                        <a:latin typeface="Arial" panose="020B0604020202020204" pitchFamily="34" charset="0"/>
-                      </a:endParaRPr>
-                    </a:p>
-                  </a:txBody>
-                  <a:tcPr marL="108842" marR="108842" marT="15117" marB="0">
-                    <a:lnL w="12700" cap="flat" cmpd="sng" algn="ctr">
-                      <a:solidFill>
-                        <a:srgbClr val="000000"/>
-                      </a:solidFill>
-                      <a:prstDash val="solid"/>
-                      <a:round/>
-                      <a:headEnd type="none" w="med" len="med"/>
-                      <a:tailEnd type="none" w="med" len="med"/>
-                    </a:lnL>
-                    <a:lnR w="12700" cap="flat" cmpd="sng" algn="ctr">
-                      <a:solidFill>
-                        <a:srgbClr val="000000"/>
-                      </a:solidFill>
-                      <a:prstDash val="solid"/>
-                      <a:round/>
-                      <a:headEnd type="none" w="med" len="med"/>
-                      <a:tailEnd type="none" w="med" len="med"/>
-                    </a:lnR>
-                    <a:lnT w="12700" cap="flat" cmpd="sng" algn="ctr">
-                      <a:solidFill>
-                        <a:srgbClr val="000000"/>
-                      </a:solidFill>
-                      <a:prstDash val="solid"/>
-                      <a:round/>
-                      <a:headEnd type="none" w="med" len="med"/>
-                      <a:tailEnd type="none" w="med" len="med"/>
-                    </a:lnT>
-                    <a:lnB w="12700" cap="flat" cmpd="sng" algn="ctr">
-                      <a:solidFill>
-                        <a:srgbClr val="000000"/>
-                      </a:solidFill>
-                      <a:prstDash val="solid"/>
-                      <a:round/>
-                      <a:headEnd type="none" w="med" len="med"/>
-                      <a:tailEnd type="none" w="med" len="med"/>
-                    </a:lnB>
-                  </a:tcPr>
-                </a:tc>
-                <a:tc>
-                  <a:txBody>
-                    <a:bodyPr/>
-                    <a:lstStyle/>
-                    <a:p>
-                      <a:pPr algn="l" fontAlgn="t">
-                        <a:lnSpc>
-                          <a:spcPct val="107000"/>
-                        </a:lnSpc>
-                        <a:spcBef>
-                          <a:spcPts val="0"/>
-                        </a:spcBef>
-                        <a:spcAft>
-                          <a:spcPts val="800"/>
-                        </a:spcAft>
-                      </a:pPr>
-                      <a:r>
-                        <a:rPr lang="de-DE" sz="1600" b="0" i="0" u="none" strike="noStrike" dirty="0">
-                          <a:effectLst/>
-                          <a:latin typeface="Calibri" panose="020F0502020204030204" pitchFamily="34" charset="0"/>
-                          <a:ea typeface="Calibri" panose="020F0502020204030204" pitchFamily="34" charset="0"/>
-                          <a:cs typeface="Times New Roman" panose="02020603050405020304" pitchFamily="18" charset="0"/>
-                        </a:rPr>
-                        <a:t>Frühzeitiges Erkennen von Rückständen</a:t>
-                      </a:r>
-                      <a:endParaRPr lang="de-DE" sz="2900" b="0" i="0" u="none" strike="noStrike" dirty="0">
-                        <a:effectLst/>
-                        <a:latin typeface="Arial" panose="020B0604020202020204" pitchFamily="34" charset="0"/>
-                      </a:endParaRPr>
-                    </a:p>
-                  </a:txBody>
-                  <a:tcPr marL="108842" marR="108842" marT="15117" marB="0">
-                    <a:lnL w="12700" cap="flat" cmpd="sng" algn="ctr">
-                      <a:solidFill>
-                        <a:srgbClr val="000000"/>
-                      </a:solidFill>
-                      <a:prstDash val="solid"/>
-                      <a:round/>
-                      <a:headEnd type="none" w="med" len="med"/>
-                      <a:tailEnd type="none" w="med" len="med"/>
-                    </a:lnL>
-                    <a:lnR w="12700" cap="flat" cmpd="sng" algn="ctr">
-                      <a:solidFill>
-                        <a:srgbClr val="000000"/>
-                      </a:solidFill>
-                      <a:prstDash val="solid"/>
-                      <a:round/>
-                      <a:headEnd type="none" w="med" len="med"/>
-                      <a:tailEnd type="none" w="med" len="med"/>
-                    </a:lnR>
-                    <a:lnT w="12700" cap="flat" cmpd="sng" algn="ctr">
-                      <a:solidFill>
-                        <a:srgbClr val="000000"/>
-                      </a:solidFill>
-                      <a:prstDash val="solid"/>
-                      <a:round/>
-                      <a:headEnd type="none" w="med" len="med"/>
-                      <a:tailEnd type="none" w="med" len="med"/>
-                    </a:lnT>
-                    <a:lnB w="12700" cap="flat" cmpd="sng" algn="ctr">
-                      <a:solidFill>
-                        <a:srgbClr val="000000"/>
-                      </a:solidFill>
-                      <a:prstDash val="solid"/>
-                      <a:round/>
-                      <a:headEnd type="none" w="med" len="med"/>
-                      <a:tailEnd type="none" w="med" len="med"/>
-                    </a:lnB>
-                  </a:tcPr>
-                </a:tc>
-                <a:tc>
-                  <a:txBody>
-                    <a:bodyPr/>
-                    <a:lstStyle/>
-                    <a:p>
-                      <a:pPr algn="l" fontAlgn="t">
-                        <a:lnSpc>
-                          <a:spcPct val="107000"/>
-                        </a:lnSpc>
-                        <a:spcBef>
-                          <a:spcPts val="0"/>
-                        </a:spcBef>
-                        <a:spcAft>
-                          <a:spcPts val="800"/>
-                        </a:spcAft>
-                      </a:pPr>
-                      <a:r>
-                        <a:rPr lang="de-DE" sz="1600" b="0" i="0" u="none" strike="noStrike" dirty="0">
-                          <a:effectLst/>
-                          <a:latin typeface="Calibri" panose="020F0502020204030204" pitchFamily="34" charset="0"/>
-                          <a:ea typeface="Calibri" panose="020F0502020204030204" pitchFamily="34" charset="0"/>
-                          <a:cs typeface="Times New Roman" panose="02020603050405020304" pitchFamily="18" charset="0"/>
-                        </a:rPr>
-                        <a:t> 6</a:t>
-                      </a:r>
-                      <a:endParaRPr lang="de-DE" sz="2900" b="0" i="0" u="none" strike="noStrike" dirty="0">
-                        <a:effectLst/>
-                        <a:latin typeface="Arial" panose="020B0604020202020204" pitchFamily="34" charset="0"/>
-                      </a:endParaRPr>
-                    </a:p>
-                  </a:txBody>
-                  <a:tcPr marL="108842" marR="108842" marT="15117" marB="0">
-                    <a:lnL w="12700" cap="flat" cmpd="sng" algn="ctr">
-                      <a:solidFill>
-                        <a:srgbClr val="000000"/>
-                      </a:solidFill>
-                      <a:prstDash val="solid"/>
-                      <a:round/>
-                      <a:headEnd type="none" w="med" len="med"/>
-                      <a:tailEnd type="none" w="med" len="med"/>
-                    </a:lnL>
-                    <a:lnR w="12700" cap="flat" cmpd="sng" algn="ctr">
-                      <a:solidFill>
-                        <a:srgbClr val="000000"/>
-                      </a:solidFill>
-                      <a:prstDash val="solid"/>
-                      <a:round/>
-                      <a:headEnd type="none" w="med" len="med"/>
-                      <a:tailEnd type="none" w="med" len="med"/>
-                    </a:lnR>
-                    <a:lnT w="12700" cap="flat" cmpd="sng" algn="ctr">
-                      <a:solidFill>
-                        <a:srgbClr val="000000"/>
-                      </a:solidFill>
-                      <a:prstDash val="solid"/>
-                      <a:round/>
-                      <a:headEnd type="none" w="med" len="med"/>
-                      <a:tailEnd type="none" w="med" len="med"/>
-                    </a:lnT>
-                    <a:lnB w="12700" cap="flat" cmpd="sng" algn="ctr">
-                      <a:solidFill>
-                        <a:srgbClr val="000000"/>
-                      </a:solidFill>
-                      <a:prstDash val="solid"/>
-                      <a:round/>
-                      <a:headEnd type="none" w="med" len="med"/>
-                      <a:tailEnd type="none" w="med" len="med"/>
-                    </a:lnB>
-                    <a:solidFill>
-                      <a:schemeClr val="bg1"/>
-                    </a:solidFill>
-                  </a:tcPr>
-                </a:tc>
-                <a:tc>
-                  <a:txBody>
-                    <a:bodyPr/>
-                    <a:lstStyle/>
-                    <a:p>
-                      <a:pPr algn="l" fontAlgn="t">
-                        <a:lnSpc>
-                          <a:spcPct val="107000"/>
-                        </a:lnSpc>
-                        <a:spcBef>
-                          <a:spcPts val="0"/>
-                        </a:spcBef>
-                        <a:spcAft>
-                          <a:spcPts val="800"/>
-                        </a:spcAft>
-                      </a:pPr>
-                      <a:r>
-                        <a:rPr lang="de-DE" sz="1600" b="0" i="0" u="none" strike="noStrike" kern="1200" dirty="0">
-                          <a:solidFill>
-                            <a:schemeClr val="tx1"/>
-                          </a:solidFill>
-                          <a:effectLst/>
-                          <a:latin typeface="Calibri" panose="020F0502020204030204" pitchFamily="34" charset="0"/>
-                          <a:cs typeface="Times New Roman" panose="02020603050405020304" pitchFamily="18" charset="0"/>
-                        </a:rPr>
-                        <a:t>10</a:t>
-                      </a:r>
-                    </a:p>
-                  </a:txBody>
-                  <a:tcPr marL="108842" marR="108842" marT="15117" marB="0">
-                    <a:lnL w="12700" cap="flat" cmpd="sng" algn="ctr">
-                      <a:solidFill>
-                        <a:srgbClr val="000000"/>
-                      </a:solidFill>
-                      <a:prstDash val="solid"/>
-                      <a:round/>
-                      <a:headEnd type="none" w="med" len="med"/>
-                      <a:tailEnd type="none" w="med" len="med"/>
-                    </a:lnL>
-                    <a:lnR w="12700" cap="flat" cmpd="sng" algn="ctr">
-                      <a:solidFill>
-                        <a:srgbClr val="000000"/>
-                      </a:solidFill>
-                      <a:prstDash val="solid"/>
-                      <a:round/>
-                      <a:headEnd type="none" w="med" len="med"/>
-                      <a:tailEnd type="none" w="med" len="med"/>
-                    </a:lnR>
-                    <a:lnT w="12700" cap="flat" cmpd="sng" algn="ctr">
-                      <a:solidFill>
-                        <a:srgbClr val="000000"/>
-                      </a:solidFill>
-                      <a:prstDash val="solid"/>
-                      <a:round/>
-                      <a:headEnd type="none" w="med" len="med"/>
-                      <a:tailEnd type="none" w="med" len="med"/>
-                    </a:lnT>
-                    <a:lnB w="12700" cap="flat" cmpd="sng" algn="ctr">
-                      <a:solidFill>
-                        <a:srgbClr val="000000"/>
-                      </a:solidFill>
-                      <a:prstDash val="solid"/>
-                      <a:round/>
-                      <a:headEnd type="none" w="med" len="med"/>
-                      <a:tailEnd type="none" w="med" len="med"/>
-                    </a:lnB>
-                    <a:noFill/>
-                  </a:tcPr>
-                </a:tc>
-                <a:tc>
-                  <a:txBody>
-                    <a:bodyPr/>
-                    <a:lstStyle/>
-                    <a:p>
-                      <a:pPr algn="l" fontAlgn="t">
-                        <a:lnSpc>
-                          <a:spcPct val="107000"/>
-                        </a:lnSpc>
-                        <a:spcBef>
-                          <a:spcPts val="0"/>
-                        </a:spcBef>
-                        <a:spcAft>
-                          <a:spcPts val="800"/>
-                        </a:spcAft>
-                      </a:pPr>
-                      <a:r>
-                        <a:rPr lang="de-DE" sz="1600" b="0" i="0" u="none" strike="noStrike" kern="1200" dirty="0">
-                          <a:solidFill>
-                            <a:schemeClr val="tx1"/>
-                          </a:solidFill>
-                          <a:effectLst/>
-                          <a:latin typeface="Calibri" panose="020F0502020204030204" pitchFamily="34" charset="0"/>
-                          <a:cs typeface="Times New Roman" panose="02020603050405020304" pitchFamily="18" charset="0"/>
-                        </a:rPr>
-                        <a:t>60</a:t>
-                      </a:r>
-                    </a:p>
-                  </a:txBody>
-                  <a:tcPr marL="108842" marR="108842" marT="15117" marB="0">
-                    <a:lnL w="12700" cap="flat" cmpd="sng" algn="ctr">
-                      <a:solidFill>
-                        <a:srgbClr val="000000"/>
-                      </a:solidFill>
-                      <a:prstDash val="solid"/>
-                      <a:round/>
-                      <a:headEnd type="none" w="med" len="med"/>
-                      <a:tailEnd type="none" w="med" len="med"/>
-                    </a:lnL>
-                    <a:lnR w="12700" cap="flat" cmpd="sng" algn="ctr">
-                      <a:solidFill>
-                        <a:srgbClr val="000000"/>
-                      </a:solidFill>
-                      <a:prstDash val="solid"/>
-                      <a:round/>
-                      <a:headEnd type="none" w="med" len="med"/>
-                      <a:tailEnd type="none" w="med" len="med"/>
-                    </a:lnR>
-                    <a:lnT w="12700" cap="flat" cmpd="sng" algn="ctr">
-                      <a:solidFill>
-                        <a:srgbClr val="000000"/>
-                      </a:solidFill>
-                      <a:prstDash val="solid"/>
-                      <a:round/>
-                      <a:headEnd type="none" w="med" len="med"/>
-                      <a:tailEnd type="none" w="med" len="med"/>
-                    </a:lnT>
-                    <a:lnB w="12700" cap="flat" cmpd="sng" algn="ctr">
-                      <a:solidFill>
-                        <a:srgbClr val="000000"/>
-                      </a:solidFill>
-                      <a:prstDash val="solid"/>
-                      <a:round/>
-                      <a:headEnd type="none" w="med" len="med"/>
-                      <a:tailEnd type="none" w="med" len="med"/>
-                    </a:lnB>
-                    <a:noFill/>
-                  </a:tcPr>
-                </a:tc>
-                <a:extLst>
-                  <a:ext uri="{0D108BD9-81ED-4DB2-BD59-A6C34878D82A}">
-                    <a16:rowId xmlns:a16="http://schemas.microsoft.com/office/drawing/2014/main" val="2187251753"/>
-                  </a:ext>
-                </a:extLst>
-              </a:tr>
-              <a:tr h="554536">
-                <a:tc>
-                  <a:txBody>
-                    <a:bodyPr/>
-                    <a:lstStyle/>
-                    <a:p>
-                      <a:pPr algn="l" fontAlgn="t">
-                        <a:lnSpc>
-                          <a:spcPct val="107000"/>
-                        </a:lnSpc>
-                        <a:spcBef>
-                          <a:spcPts val="0"/>
-                        </a:spcBef>
-                        <a:spcAft>
-                          <a:spcPts val="800"/>
-                        </a:spcAft>
-                      </a:pPr>
-                      <a:r>
-                        <a:rPr lang="de-DE" sz="1600" b="0" i="0" u="none" strike="noStrike" dirty="0">
-                          <a:effectLst/>
-                          <a:latin typeface="Calibri" panose="020F0502020204030204" pitchFamily="34" charset="0"/>
-                          <a:ea typeface="Calibri" panose="020F0502020204030204" pitchFamily="34" charset="0"/>
-                          <a:cs typeface="Times New Roman" panose="02020603050405020304" pitchFamily="18" charset="0"/>
-                        </a:rPr>
-                        <a:t>System misst falsch oder gar nicht</a:t>
-                      </a:r>
-                      <a:endParaRPr lang="de-DE" sz="2900" b="0" i="0" u="none" strike="noStrike" dirty="0">
-                        <a:effectLst/>
-                        <a:latin typeface="Arial" panose="020B0604020202020204" pitchFamily="34" charset="0"/>
-                      </a:endParaRPr>
-                    </a:p>
-                  </a:txBody>
-                  <a:tcPr marL="108842" marR="108842" marT="15117" marB="0">
-                    <a:lnL w="12700" cap="flat" cmpd="sng" algn="ctr">
-                      <a:solidFill>
-                        <a:srgbClr val="000000"/>
-                      </a:solidFill>
-                      <a:prstDash val="solid"/>
-                      <a:round/>
-                      <a:headEnd type="none" w="med" len="med"/>
-                      <a:tailEnd type="none" w="med" len="med"/>
-                    </a:lnL>
-                    <a:lnR w="12700" cap="flat" cmpd="sng" algn="ctr">
-                      <a:solidFill>
-                        <a:srgbClr val="000000"/>
-                      </a:solidFill>
-                      <a:prstDash val="solid"/>
-                      <a:round/>
-                      <a:headEnd type="none" w="med" len="med"/>
-                      <a:tailEnd type="none" w="med" len="med"/>
-                    </a:lnR>
-                    <a:lnT w="12700" cap="flat" cmpd="sng" algn="ctr">
-                      <a:solidFill>
-                        <a:srgbClr val="000000"/>
-                      </a:solidFill>
-                      <a:prstDash val="solid"/>
-                      <a:round/>
-                      <a:headEnd type="none" w="med" len="med"/>
-                      <a:tailEnd type="none" w="med" len="med"/>
-                    </a:lnT>
-                    <a:lnB w="12700" cap="flat" cmpd="sng" algn="ctr">
-                      <a:solidFill>
-                        <a:srgbClr val="000000"/>
-                      </a:solidFill>
-                      <a:prstDash val="solid"/>
-                      <a:round/>
-                      <a:headEnd type="none" w="med" len="med"/>
-                      <a:tailEnd type="none" w="med" len="med"/>
-                    </a:lnB>
-                  </a:tcPr>
-                </a:tc>
-                <a:tc>
-                  <a:txBody>
-                    <a:bodyPr/>
-                    <a:lstStyle/>
-                    <a:p>
-                      <a:pPr algn="l" fontAlgn="t">
-                        <a:lnSpc>
-                          <a:spcPct val="107000"/>
-                        </a:lnSpc>
-                        <a:spcBef>
-                          <a:spcPts val="0"/>
-                        </a:spcBef>
-                        <a:spcAft>
-                          <a:spcPts val="800"/>
-                        </a:spcAft>
-                      </a:pPr>
-                      <a:r>
-                        <a:rPr lang="de-DE" sz="1600" b="0" i="0" u="none" strike="noStrike" dirty="0">
-                          <a:effectLst/>
-                          <a:latin typeface="Calibri" panose="020F0502020204030204" pitchFamily="34" charset="0"/>
-                          <a:ea typeface="Calibri" panose="020F0502020204030204" pitchFamily="34" charset="0"/>
-                          <a:cs typeface="Times New Roman" panose="02020603050405020304" pitchFamily="18" charset="0"/>
-                        </a:rPr>
-                        <a:t>Ungenauigkeiten, Messergebnisse, Logik</a:t>
-                      </a:r>
-                      <a:endParaRPr lang="de-DE" sz="2900" b="0" i="0" u="none" strike="noStrike" dirty="0">
-                        <a:effectLst/>
-                        <a:latin typeface="Arial" panose="020B0604020202020204" pitchFamily="34" charset="0"/>
-                      </a:endParaRPr>
-                    </a:p>
-                  </a:txBody>
-                  <a:tcPr marL="108842" marR="108842" marT="15117" marB="0">
-                    <a:lnL w="12700" cap="flat" cmpd="sng" algn="ctr">
-                      <a:solidFill>
-                        <a:srgbClr val="000000"/>
-                      </a:solidFill>
-                      <a:prstDash val="solid"/>
-                      <a:round/>
-                      <a:headEnd type="none" w="med" len="med"/>
-                      <a:tailEnd type="none" w="med" len="med"/>
-                    </a:lnL>
-                    <a:lnR w="12700" cap="flat" cmpd="sng" algn="ctr">
-                      <a:solidFill>
-                        <a:srgbClr val="000000"/>
-                      </a:solidFill>
-                      <a:prstDash val="solid"/>
-                      <a:round/>
-                      <a:headEnd type="none" w="med" len="med"/>
-                      <a:tailEnd type="none" w="med" len="med"/>
-                    </a:lnR>
-                    <a:lnT w="12700" cap="flat" cmpd="sng" algn="ctr">
-                      <a:solidFill>
-                        <a:srgbClr val="000000"/>
-                      </a:solidFill>
-                      <a:prstDash val="solid"/>
-                      <a:round/>
-                      <a:headEnd type="none" w="med" len="med"/>
-                      <a:tailEnd type="none" w="med" len="med"/>
-                    </a:lnT>
-                    <a:lnB w="12700" cap="flat" cmpd="sng" algn="ctr">
-                      <a:solidFill>
-                        <a:srgbClr val="000000"/>
-                      </a:solidFill>
-                      <a:prstDash val="solid"/>
-                      <a:round/>
-                      <a:headEnd type="none" w="med" len="med"/>
-                      <a:tailEnd type="none" w="med" len="med"/>
-                    </a:lnB>
-                  </a:tcPr>
-                </a:tc>
-                <a:tc>
-                  <a:txBody>
-                    <a:bodyPr/>
-                    <a:lstStyle/>
-                    <a:p>
-                      <a:pPr algn="l" fontAlgn="t">
-                        <a:lnSpc>
-                          <a:spcPct val="107000"/>
-                        </a:lnSpc>
-                        <a:spcBef>
-                          <a:spcPts val="0"/>
-                        </a:spcBef>
-                        <a:spcAft>
-                          <a:spcPts val="800"/>
-                        </a:spcAft>
-                      </a:pPr>
-                      <a:r>
-                        <a:rPr lang="de-DE" sz="1600" b="0" i="0" u="none" strike="noStrike" dirty="0">
-                          <a:effectLst/>
-                          <a:latin typeface="Calibri" panose="020F0502020204030204" pitchFamily="34" charset="0"/>
-                          <a:ea typeface="Calibri" panose="020F0502020204030204" pitchFamily="34" charset="0"/>
-                          <a:cs typeface="Times New Roman" panose="02020603050405020304" pitchFamily="18" charset="0"/>
-                        </a:rPr>
-                        <a:t>Frühes Ausprobieren von Teilsystemen</a:t>
-                      </a:r>
-                      <a:endParaRPr lang="de-DE" sz="2900" b="0" i="0" u="none" strike="noStrike" dirty="0">
-                        <a:effectLst/>
-                        <a:latin typeface="Arial" panose="020B0604020202020204" pitchFamily="34" charset="0"/>
-                      </a:endParaRPr>
-                    </a:p>
-                  </a:txBody>
-                  <a:tcPr marL="108842" marR="108842" marT="15117" marB="0">
-                    <a:lnL w="12700" cap="flat" cmpd="sng" algn="ctr">
-                      <a:solidFill>
-                        <a:srgbClr val="000000"/>
-                      </a:solidFill>
-                      <a:prstDash val="solid"/>
-                      <a:round/>
-                      <a:headEnd type="none" w="med" len="med"/>
-                      <a:tailEnd type="none" w="med" len="med"/>
-                    </a:lnL>
-                    <a:lnR w="12700" cap="flat" cmpd="sng" algn="ctr">
-                      <a:solidFill>
-                        <a:srgbClr val="000000"/>
-                      </a:solidFill>
-                      <a:prstDash val="solid"/>
-                      <a:round/>
-                      <a:headEnd type="none" w="med" len="med"/>
-                      <a:tailEnd type="none" w="med" len="med"/>
-                    </a:lnR>
-                    <a:lnT w="12700" cap="flat" cmpd="sng" algn="ctr">
-                      <a:solidFill>
-                        <a:srgbClr val="000000"/>
-                      </a:solidFill>
-                      <a:prstDash val="solid"/>
-                      <a:round/>
-                      <a:headEnd type="none" w="med" len="med"/>
-                      <a:tailEnd type="none" w="med" len="med"/>
-                    </a:lnT>
-                    <a:lnB w="12700" cap="flat" cmpd="sng" algn="ctr">
-                      <a:solidFill>
-                        <a:srgbClr val="000000"/>
-                      </a:solidFill>
-                      <a:prstDash val="solid"/>
-                      <a:round/>
-                      <a:headEnd type="none" w="med" len="med"/>
-                      <a:tailEnd type="none" w="med" len="med"/>
-                    </a:lnB>
-                  </a:tcPr>
-                </a:tc>
-                <a:tc>
-                  <a:txBody>
-                    <a:bodyPr/>
-                    <a:lstStyle/>
-                    <a:p>
-                      <a:pPr algn="l" fontAlgn="t">
-                        <a:lnSpc>
-                          <a:spcPct val="107000"/>
-                        </a:lnSpc>
-                        <a:spcBef>
-                          <a:spcPts val="0"/>
-                        </a:spcBef>
-                        <a:spcAft>
-                          <a:spcPts val="800"/>
-                        </a:spcAft>
-                      </a:pPr>
-                      <a:r>
-                        <a:rPr lang="de-DE" sz="1600" b="0" i="0" u="none" strike="noStrike" dirty="0">
-                          <a:effectLst/>
-                          <a:latin typeface="Calibri" panose="020F0502020204030204" pitchFamily="34" charset="0"/>
-                          <a:ea typeface="Calibri" panose="020F0502020204030204" pitchFamily="34" charset="0"/>
-                          <a:cs typeface="Times New Roman" panose="02020603050405020304" pitchFamily="18" charset="0"/>
-                        </a:rPr>
-                        <a:t> 9</a:t>
-                      </a:r>
-                      <a:endParaRPr lang="de-DE" sz="2900" b="0" i="0" u="none" strike="noStrike" dirty="0">
-                        <a:effectLst/>
-                        <a:latin typeface="Arial" panose="020B0604020202020204" pitchFamily="34" charset="0"/>
-                      </a:endParaRPr>
-                    </a:p>
-                  </a:txBody>
-                  <a:tcPr marL="108842" marR="108842" marT="15117" marB="0">
-                    <a:lnL w="12700" cap="flat" cmpd="sng" algn="ctr">
-                      <a:solidFill>
-                        <a:srgbClr val="000000"/>
-                      </a:solidFill>
-                      <a:prstDash val="solid"/>
-                      <a:round/>
-                      <a:headEnd type="none" w="med" len="med"/>
-                      <a:tailEnd type="none" w="med" len="med"/>
-                    </a:lnL>
-                    <a:lnR w="12700" cap="flat" cmpd="sng" algn="ctr">
-                      <a:solidFill>
-                        <a:srgbClr val="000000"/>
-                      </a:solidFill>
-                      <a:prstDash val="solid"/>
-                      <a:round/>
-                      <a:headEnd type="none" w="med" len="med"/>
-                      <a:tailEnd type="none" w="med" len="med"/>
-                    </a:lnR>
-                    <a:lnT w="12700" cap="flat" cmpd="sng" algn="ctr">
-                      <a:solidFill>
-                        <a:srgbClr val="000000"/>
-                      </a:solidFill>
-                      <a:prstDash val="solid"/>
-                      <a:round/>
-                      <a:headEnd type="none" w="med" len="med"/>
-                      <a:tailEnd type="none" w="med" len="med"/>
-                    </a:lnT>
-                    <a:lnB w="12700" cap="flat" cmpd="sng" algn="ctr">
-                      <a:solidFill>
-                        <a:srgbClr val="000000"/>
-                      </a:solidFill>
-                      <a:prstDash val="solid"/>
-                      <a:round/>
-                      <a:headEnd type="none" w="med" len="med"/>
-                      <a:tailEnd type="none" w="med" len="med"/>
-                    </a:lnB>
-                    <a:solidFill>
-                      <a:schemeClr val="bg1"/>
-                    </a:solidFill>
-                  </a:tcPr>
-                </a:tc>
-                <a:tc>
-                  <a:txBody>
-                    <a:bodyPr/>
-                    <a:lstStyle/>
-                    <a:p>
-                      <a:pPr algn="l" fontAlgn="t">
-                        <a:lnSpc>
-                          <a:spcPct val="107000"/>
-                        </a:lnSpc>
-                        <a:spcBef>
-                          <a:spcPts val="0"/>
-                        </a:spcBef>
-                        <a:spcAft>
-                          <a:spcPts val="800"/>
-                        </a:spcAft>
-                      </a:pPr>
-                      <a:r>
-                        <a:rPr lang="de-DE" sz="1600" b="0" i="0" u="none" strike="noStrike" kern="1200" dirty="0">
-                          <a:solidFill>
-                            <a:schemeClr val="tx1"/>
-                          </a:solidFill>
-                          <a:effectLst/>
-                          <a:latin typeface="Calibri" panose="020F0502020204030204" pitchFamily="34" charset="0"/>
-                          <a:cs typeface="Times New Roman" panose="02020603050405020304" pitchFamily="18" charset="0"/>
-                        </a:rPr>
-                        <a:t>6</a:t>
-                      </a:r>
-                    </a:p>
-                  </a:txBody>
-                  <a:tcPr marL="108842" marR="108842" marT="15117" marB="0">
-                    <a:lnL w="12700" cap="flat" cmpd="sng" algn="ctr">
-                      <a:solidFill>
-                        <a:srgbClr val="000000"/>
-                      </a:solidFill>
-                      <a:prstDash val="solid"/>
-                      <a:round/>
-                      <a:headEnd type="none" w="med" len="med"/>
-                      <a:tailEnd type="none" w="med" len="med"/>
-                    </a:lnL>
-                    <a:lnR w="12700" cap="flat" cmpd="sng" algn="ctr">
-                      <a:solidFill>
-                        <a:srgbClr val="000000"/>
-                      </a:solidFill>
-                      <a:prstDash val="solid"/>
-                      <a:round/>
-                      <a:headEnd type="none" w="med" len="med"/>
-                      <a:tailEnd type="none" w="med" len="med"/>
-                    </a:lnR>
-                    <a:lnT w="12700" cap="flat" cmpd="sng" algn="ctr">
-                      <a:solidFill>
-                        <a:srgbClr val="000000"/>
-                      </a:solidFill>
-                      <a:prstDash val="solid"/>
-                      <a:round/>
-                      <a:headEnd type="none" w="med" len="med"/>
-                      <a:tailEnd type="none" w="med" len="med"/>
-                    </a:lnT>
-                    <a:lnB w="12700" cap="flat" cmpd="sng" algn="ctr">
-                      <a:solidFill>
-                        <a:srgbClr val="000000"/>
-                      </a:solidFill>
-                      <a:prstDash val="solid"/>
-                      <a:round/>
-                      <a:headEnd type="none" w="med" len="med"/>
-                      <a:tailEnd type="none" w="med" len="med"/>
-                    </a:lnB>
-                    <a:noFill/>
-                  </a:tcPr>
-                </a:tc>
-                <a:tc>
-                  <a:txBody>
-                    <a:bodyPr/>
-                    <a:lstStyle/>
-                    <a:p>
-                      <a:pPr algn="l" fontAlgn="t">
-                        <a:lnSpc>
-                          <a:spcPct val="107000"/>
-                        </a:lnSpc>
-                        <a:spcBef>
-                          <a:spcPts val="0"/>
-                        </a:spcBef>
-                        <a:spcAft>
-                          <a:spcPts val="800"/>
-                        </a:spcAft>
-                      </a:pPr>
-                      <a:r>
-                        <a:rPr lang="de-DE" sz="1600" b="0" i="0" u="none" strike="noStrike" kern="1200" dirty="0">
-                          <a:solidFill>
-                            <a:schemeClr val="tx1"/>
-                          </a:solidFill>
-                          <a:effectLst/>
-                          <a:latin typeface="Calibri" panose="020F0502020204030204" pitchFamily="34" charset="0"/>
-                          <a:cs typeface="Times New Roman" panose="02020603050405020304" pitchFamily="18" charset="0"/>
-                        </a:rPr>
-                        <a:t>54</a:t>
-                      </a:r>
-                    </a:p>
-                  </a:txBody>
-                  <a:tcPr marL="108842" marR="108842" marT="15117" marB="0">
-                    <a:lnL w="12700" cap="flat" cmpd="sng" algn="ctr">
-                      <a:solidFill>
-                        <a:srgbClr val="000000"/>
-                      </a:solidFill>
-                      <a:prstDash val="solid"/>
-                      <a:round/>
-                      <a:headEnd type="none" w="med" len="med"/>
-                      <a:tailEnd type="none" w="med" len="med"/>
-                    </a:lnL>
-                    <a:lnR w="12700" cap="flat" cmpd="sng" algn="ctr">
-                      <a:solidFill>
-                        <a:srgbClr val="000000"/>
-                      </a:solidFill>
-                      <a:prstDash val="solid"/>
-                      <a:round/>
-                      <a:headEnd type="none" w="med" len="med"/>
-                      <a:tailEnd type="none" w="med" len="med"/>
-                    </a:lnR>
-                    <a:lnT w="12700" cap="flat" cmpd="sng" algn="ctr">
-                      <a:solidFill>
-                        <a:srgbClr val="000000"/>
-                      </a:solidFill>
-                      <a:prstDash val="solid"/>
-                      <a:round/>
-                      <a:headEnd type="none" w="med" len="med"/>
-                      <a:tailEnd type="none" w="med" len="med"/>
-                    </a:lnT>
-                    <a:lnB w="12700" cap="flat" cmpd="sng" algn="ctr">
-                      <a:solidFill>
-                        <a:srgbClr val="000000"/>
-                      </a:solidFill>
-                      <a:prstDash val="solid"/>
-                      <a:round/>
-                      <a:headEnd type="none" w="med" len="med"/>
-                      <a:tailEnd type="none" w="med" len="med"/>
-                    </a:lnB>
-                    <a:noFill/>
-                  </a:tcPr>
-                </a:tc>
-                <a:extLst>
-                  <a:ext uri="{0D108BD9-81ED-4DB2-BD59-A6C34878D82A}">
-                    <a16:rowId xmlns:a16="http://schemas.microsoft.com/office/drawing/2014/main" val="980000272"/>
-                  </a:ext>
-                </a:extLst>
-              </a:tr>
-              <a:tr h="797465">
-                <a:tc>
-                  <a:txBody>
-                    <a:bodyPr/>
-                    <a:lstStyle/>
-                    <a:p>
-                      <a:pPr algn="l" fontAlgn="t">
-                        <a:lnSpc>
-                          <a:spcPct val="107000"/>
-                        </a:lnSpc>
-                        <a:spcBef>
-                          <a:spcPts val="0"/>
-                        </a:spcBef>
-                        <a:spcAft>
-                          <a:spcPts val="800"/>
-                        </a:spcAft>
-                      </a:pPr>
-                      <a:r>
-                        <a:rPr lang="de-DE" sz="1600" b="0" i="0" u="none" strike="noStrike" dirty="0">
-                          <a:effectLst/>
-                          <a:latin typeface="Calibri" panose="020F0502020204030204" pitchFamily="34" charset="0"/>
-                          <a:ea typeface="Calibri" panose="020F0502020204030204" pitchFamily="34" charset="0"/>
-                          <a:cs typeface="Times New Roman" panose="02020603050405020304" pitchFamily="18" charset="0"/>
-                        </a:rPr>
-                        <a:t>Produkt nicht wasserdicht</a:t>
-                      </a:r>
-                      <a:endParaRPr lang="de-DE" sz="2900" b="0" i="0" u="none" strike="noStrike" dirty="0">
-                        <a:effectLst/>
-                        <a:latin typeface="Arial" panose="020B0604020202020204" pitchFamily="34" charset="0"/>
-                      </a:endParaRPr>
-                    </a:p>
-                  </a:txBody>
-                  <a:tcPr marL="108842" marR="108842" marT="15117" marB="0">
-                    <a:lnL w="12700" cap="flat" cmpd="sng" algn="ctr">
-                      <a:solidFill>
-                        <a:srgbClr val="000000"/>
-                      </a:solidFill>
-                      <a:prstDash val="solid"/>
-                      <a:round/>
-                      <a:headEnd type="none" w="med" len="med"/>
-                      <a:tailEnd type="none" w="med" len="med"/>
-                    </a:lnL>
-                    <a:lnR w="12700" cap="flat" cmpd="sng" algn="ctr">
-                      <a:solidFill>
-                        <a:srgbClr val="000000"/>
-                      </a:solidFill>
-                      <a:prstDash val="solid"/>
-                      <a:round/>
-                      <a:headEnd type="none" w="med" len="med"/>
-                      <a:tailEnd type="none" w="med" len="med"/>
-                    </a:lnR>
-                    <a:lnT w="12700" cap="flat" cmpd="sng" algn="ctr">
-                      <a:solidFill>
-                        <a:srgbClr val="000000"/>
-                      </a:solidFill>
-                      <a:prstDash val="solid"/>
-                      <a:round/>
-                      <a:headEnd type="none" w="med" len="med"/>
-                      <a:tailEnd type="none" w="med" len="med"/>
-                    </a:lnT>
-                    <a:lnB w="12700" cap="flat" cmpd="sng" algn="ctr">
-                      <a:solidFill>
-                        <a:srgbClr val="000000"/>
-                      </a:solidFill>
-                      <a:prstDash val="solid"/>
-                      <a:round/>
-                      <a:headEnd type="none" w="med" len="med"/>
-                      <a:tailEnd type="none" w="med" len="med"/>
-                    </a:lnB>
-                  </a:tcPr>
-                </a:tc>
-                <a:tc>
-                  <a:txBody>
-                    <a:bodyPr/>
-                    <a:lstStyle/>
-                    <a:p>
-                      <a:pPr algn="l" fontAlgn="t">
-                        <a:lnSpc>
-                          <a:spcPct val="107000"/>
-                        </a:lnSpc>
-                        <a:spcBef>
-                          <a:spcPts val="0"/>
-                        </a:spcBef>
-                        <a:spcAft>
-                          <a:spcPts val="800"/>
-                        </a:spcAft>
-                      </a:pPr>
-                      <a:r>
-                        <a:rPr lang="de-DE" sz="1600" b="0" i="0" u="none" strike="noStrike" dirty="0">
-                          <a:effectLst/>
-                          <a:latin typeface="Calibri" panose="020F0502020204030204" pitchFamily="34" charset="0"/>
-                          <a:ea typeface="Calibri" panose="020F0502020204030204" pitchFamily="34" charset="0"/>
-                          <a:cs typeface="Times New Roman" panose="02020603050405020304" pitchFamily="18" charset="0"/>
-                        </a:rPr>
-                        <a:t>Dichtungen, Gehäuse</a:t>
-                      </a:r>
-                      <a:endParaRPr lang="de-DE" sz="2900" b="0" i="0" u="none" strike="noStrike" dirty="0">
-                        <a:effectLst/>
-                        <a:latin typeface="Arial" panose="020B0604020202020204" pitchFamily="34" charset="0"/>
-                      </a:endParaRPr>
-                    </a:p>
-                  </a:txBody>
-                  <a:tcPr marL="108842" marR="108842" marT="15117" marB="0">
-                    <a:lnL w="12700" cap="flat" cmpd="sng" algn="ctr">
-                      <a:solidFill>
-                        <a:srgbClr val="000000"/>
-                      </a:solidFill>
-                      <a:prstDash val="solid"/>
-                      <a:round/>
-                      <a:headEnd type="none" w="med" len="med"/>
-                      <a:tailEnd type="none" w="med" len="med"/>
-                    </a:lnL>
-                    <a:lnR w="12700" cap="flat" cmpd="sng" algn="ctr">
-                      <a:solidFill>
-                        <a:srgbClr val="000000"/>
-                      </a:solidFill>
-                      <a:prstDash val="solid"/>
-                      <a:round/>
-                      <a:headEnd type="none" w="med" len="med"/>
-                      <a:tailEnd type="none" w="med" len="med"/>
-                    </a:lnR>
-                    <a:lnT w="12700" cap="flat" cmpd="sng" algn="ctr">
-                      <a:solidFill>
-                        <a:srgbClr val="000000"/>
-                      </a:solidFill>
-                      <a:prstDash val="solid"/>
-                      <a:round/>
-                      <a:headEnd type="none" w="med" len="med"/>
-                      <a:tailEnd type="none" w="med" len="med"/>
-                    </a:lnT>
-                    <a:lnB w="12700" cap="flat" cmpd="sng" algn="ctr">
-                      <a:solidFill>
-                        <a:srgbClr val="000000"/>
-                      </a:solidFill>
-                      <a:prstDash val="solid"/>
-                      <a:round/>
-                      <a:headEnd type="none" w="med" len="med"/>
-                      <a:tailEnd type="none" w="med" len="med"/>
-                    </a:lnB>
-                  </a:tcPr>
-                </a:tc>
-                <a:tc>
-                  <a:txBody>
-                    <a:bodyPr/>
-                    <a:lstStyle/>
-                    <a:p>
-                      <a:pPr algn="l" fontAlgn="t">
-                        <a:lnSpc>
-                          <a:spcPct val="107000"/>
-                        </a:lnSpc>
-                        <a:spcBef>
-                          <a:spcPts val="0"/>
-                        </a:spcBef>
-                        <a:spcAft>
-                          <a:spcPts val="800"/>
-                        </a:spcAft>
-                      </a:pPr>
-                      <a:r>
-                        <a:rPr lang="de-DE" sz="1600" b="0" i="0" u="none" strike="noStrike" dirty="0">
-                          <a:effectLst/>
-                          <a:latin typeface="Calibri" panose="020F0502020204030204" pitchFamily="34" charset="0"/>
-                          <a:ea typeface="Calibri" panose="020F0502020204030204" pitchFamily="34" charset="0"/>
-                          <a:cs typeface="Times New Roman" panose="02020603050405020304" pitchFamily="18" charset="0"/>
-                        </a:rPr>
-                        <a:t>Frühzeitiges erkennen von Problembereichen des Gehäuses</a:t>
-                      </a:r>
-                      <a:endParaRPr lang="de-DE" sz="2900" b="0" i="0" u="none" strike="noStrike" dirty="0">
-                        <a:effectLst/>
-                        <a:latin typeface="Arial" panose="020B0604020202020204" pitchFamily="34" charset="0"/>
-                      </a:endParaRPr>
-                    </a:p>
-                  </a:txBody>
-                  <a:tcPr marL="108842" marR="108842" marT="15117" marB="0">
-                    <a:lnL w="12700" cap="flat" cmpd="sng" algn="ctr">
-                      <a:solidFill>
-                        <a:srgbClr val="000000"/>
-                      </a:solidFill>
-                      <a:prstDash val="solid"/>
-                      <a:round/>
-                      <a:headEnd type="none" w="med" len="med"/>
-                      <a:tailEnd type="none" w="med" len="med"/>
-                    </a:lnL>
-                    <a:lnR w="12700" cap="flat" cmpd="sng" algn="ctr">
-                      <a:solidFill>
-                        <a:srgbClr val="000000"/>
-                      </a:solidFill>
-                      <a:prstDash val="solid"/>
-                      <a:round/>
-                      <a:headEnd type="none" w="med" len="med"/>
-                      <a:tailEnd type="none" w="med" len="med"/>
-                    </a:lnR>
-                    <a:lnT w="12700" cap="flat" cmpd="sng" algn="ctr">
-                      <a:solidFill>
-                        <a:srgbClr val="000000"/>
-                      </a:solidFill>
-                      <a:prstDash val="solid"/>
-                      <a:round/>
-                      <a:headEnd type="none" w="med" len="med"/>
-                      <a:tailEnd type="none" w="med" len="med"/>
-                    </a:lnT>
-                    <a:lnB w="12700" cap="flat" cmpd="sng" algn="ctr">
-                      <a:solidFill>
-                        <a:srgbClr val="000000"/>
-                      </a:solidFill>
-                      <a:prstDash val="solid"/>
-                      <a:round/>
-                      <a:headEnd type="none" w="med" len="med"/>
-                      <a:tailEnd type="none" w="med" len="med"/>
-                    </a:lnB>
-                  </a:tcPr>
-                </a:tc>
-                <a:tc>
-                  <a:txBody>
-                    <a:bodyPr/>
-                    <a:lstStyle/>
-                    <a:p>
-                      <a:pPr algn="l" fontAlgn="t">
-                        <a:lnSpc>
-                          <a:spcPct val="107000"/>
-                        </a:lnSpc>
-                        <a:spcBef>
-                          <a:spcPts val="0"/>
-                        </a:spcBef>
-                        <a:spcAft>
-                          <a:spcPts val="800"/>
-                        </a:spcAft>
-                      </a:pPr>
-                      <a:r>
-                        <a:rPr lang="de-DE" sz="1600" b="0" i="0" u="none" strike="noStrike" dirty="0">
-                          <a:effectLst/>
-                          <a:latin typeface="Calibri" panose="020F0502020204030204" pitchFamily="34" charset="0"/>
-                          <a:ea typeface="Calibri" panose="020F0502020204030204" pitchFamily="34" charset="0"/>
-                          <a:cs typeface="Times New Roman" panose="02020603050405020304" pitchFamily="18" charset="0"/>
-                        </a:rPr>
-                        <a:t> 8</a:t>
-                      </a:r>
-                      <a:endParaRPr lang="de-DE" sz="2900" b="0" i="0" u="none" strike="noStrike" dirty="0">
-                        <a:effectLst/>
-                        <a:latin typeface="Arial" panose="020B0604020202020204" pitchFamily="34" charset="0"/>
-                      </a:endParaRPr>
-                    </a:p>
-                  </a:txBody>
-                  <a:tcPr marL="108842" marR="108842" marT="15117" marB="0">
-                    <a:lnL w="12700" cap="flat" cmpd="sng" algn="ctr">
-                      <a:solidFill>
-                        <a:srgbClr val="000000"/>
-                      </a:solidFill>
-                      <a:prstDash val="solid"/>
-                      <a:round/>
-                      <a:headEnd type="none" w="med" len="med"/>
-                      <a:tailEnd type="none" w="med" len="med"/>
-                    </a:lnL>
-                    <a:lnR w="12700" cap="flat" cmpd="sng" algn="ctr">
-                      <a:solidFill>
-                        <a:srgbClr val="000000"/>
-                      </a:solidFill>
-                      <a:prstDash val="solid"/>
-                      <a:round/>
-                      <a:headEnd type="none" w="med" len="med"/>
-                      <a:tailEnd type="none" w="med" len="med"/>
-                    </a:lnR>
-                    <a:lnT w="12700" cap="flat" cmpd="sng" algn="ctr">
-                      <a:solidFill>
-                        <a:srgbClr val="000000"/>
-                      </a:solidFill>
-                      <a:prstDash val="solid"/>
-                      <a:round/>
-                      <a:headEnd type="none" w="med" len="med"/>
-                      <a:tailEnd type="none" w="med" len="med"/>
-                    </a:lnT>
-                    <a:lnB w="12700" cap="flat" cmpd="sng" algn="ctr">
-                      <a:solidFill>
-                        <a:srgbClr val="000000"/>
-                      </a:solidFill>
-                      <a:prstDash val="solid"/>
-                      <a:round/>
-                      <a:headEnd type="none" w="med" len="med"/>
-                      <a:tailEnd type="none" w="med" len="med"/>
-                    </a:lnB>
-                    <a:solidFill>
-                      <a:schemeClr val="bg1"/>
-                    </a:solidFill>
-                  </a:tcPr>
-                </a:tc>
-                <a:tc>
-                  <a:txBody>
-                    <a:bodyPr/>
-                    <a:lstStyle/>
-                    <a:p>
-                      <a:pPr algn="l" fontAlgn="t">
-                        <a:lnSpc>
-                          <a:spcPct val="107000"/>
-                        </a:lnSpc>
-                        <a:spcBef>
-                          <a:spcPts val="0"/>
-                        </a:spcBef>
-                        <a:spcAft>
-                          <a:spcPts val="800"/>
-                        </a:spcAft>
-                      </a:pPr>
-                      <a:r>
-                        <a:rPr lang="de-DE" sz="1600" b="0" i="0" u="none" strike="noStrike" kern="1200" dirty="0">
-                          <a:solidFill>
-                            <a:schemeClr val="tx1"/>
-                          </a:solidFill>
-                          <a:effectLst/>
-                          <a:latin typeface="Calibri" panose="020F0502020204030204" pitchFamily="34" charset="0"/>
-                          <a:cs typeface="Times New Roman" panose="02020603050405020304" pitchFamily="18" charset="0"/>
-                        </a:rPr>
-                        <a:t>4</a:t>
-                      </a:r>
-                    </a:p>
-                  </a:txBody>
-                  <a:tcPr marL="108842" marR="108842" marT="15117" marB="0">
-                    <a:lnL w="12700" cap="flat" cmpd="sng" algn="ctr">
-                      <a:solidFill>
-                        <a:srgbClr val="000000"/>
-                      </a:solidFill>
-                      <a:prstDash val="solid"/>
-                      <a:round/>
-                      <a:headEnd type="none" w="med" len="med"/>
-                      <a:tailEnd type="none" w="med" len="med"/>
-                    </a:lnL>
-                    <a:lnR w="12700" cap="flat" cmpd="sng" algn="ctr">
-                      <a:solidFill>
-                        <a:srgbClr val="000000"/>
-                      </a:solidFill>
-                      <a:prstDash val="solid"/>
-                      <a:round/>
-                      <a:headEnd type="none" w="med" len="med"/>
-                      <a:tailEnd type="none" w="med" len="med"/>
-                    </a:lnR>
-                    <a:lnT w="12700" cap="flat" cmpd="sng" algn="ctr">
-                      <a:solidFill>
-                        <a:srgbClr val="000000"/>
-                      </a:solidFill>
-                      <a:prstDash val="solid"/>
-                      <a:round/>
-                      <a:headEnd type="none" w="med" len="med"/>
-                      <a:tailEnd type="none" w="med" len="med"/>
-                    </a:lnT>
-                    <a:lnB w="12700" cap="flat" cmpd="sng" algn="ctr">
-                      <a:solidFill>
-                        <a:srgbClr val="000000"/>
-                      </a:solidFill>
-                      <a:prstDash val="solid"/>
-                      <a:round/>
-                      <a:headEnd type="none" w="med" len="med"/>
-                      <a:tailEnd type="none" w="med" len="med"/>
-                    </a:lnB>
-                    <a:noFill/>
-                  </a:tcPr>
-                </a:tc>
-                <a:tc>
-                  <a:txBody>
-                    <a:bodyPr/>
-                    <a:lstStyle/>
-                    <a:p>
-                      <a:pPr algn="l" fontAlgn="t">
-                        <a:lnSpc>
-                          <a:spcPct val="107000"/>
-                        </a:lnSpc>
-                        <a:spcBef>
-                          <a:spcPts val="0"/>
-                        </a:spcBef>
-                        <a:spcAft>
-                          <a:spcPts val="800"/>
-                        </a:spcAft>
-                      </a:pPr>
-                      <a:r>
-                        <a:rPr lang="de-DE" sz="1600" b="0" i="0" u="none" strike="noStrike" kern="1200" dirty="0">
-                          <a:solidFill>
-                            <a:schemeClr val="tx1"/>
-                          </a:solidFill>
-                          <a:effectLst/>
-                          <a:latin typeface="Calibri" panose="020F0502020204030204" pitchFamily="34" charset="0"/>
-                          <a:cs typeface="Times New Roman" panose="02020603050405020304" pitchFamily="18" charset="0"/>
-                        </a:rPr>
-                        <a:t>32</a:t>
-                      </a:r>
-                    </a:p>
-                  </a:txBody>
-                  <a:tcPr marL="108842" marR="108842" marT="15117" marB="0">
-                    <a:lnL w="12700" cap="flat" cmpd="sng" algn="ctr">
-                      <a:solidFill>
-                        <a:srgbClr val="000000"/>
-                      </a:solidFill>
-                      <a:prstDash val="solid"/>
-                      <a:round/>
-                      <a:headEnd type="none" w="med" len="med"/>
-                      <a:tailEnd type="none" w="med" len="med"/>
-                    </a:lnL>
-                    <a:lnR w="12700" cap="flat" cmpd="sng" algn="ctr">
-                      <a:solidFill>
-                        <a:srgbClr val="000000"/>
-                      </a:solidFill>
-                      <a:prstDash val="solid"/>
-                      <a:round/>
-                      <a:headEnd type="none" w="med" len="med"/>
-                      <a:tailEnd type="none" w="med" len="med"/>
-                    </a:lnR>
-                    <a:lnT w="12700" cap="flat" cmpd="sng" algn="ctr">
-                      <a:solidFill>
-                        <a:srgbClr val="000000"/>
-                      </a:solidFill>
-                      <a:prstDash val="solid"/>
-                      <a:round/>
-                      <a:headEnd type="none" w="med" len="med"/>
-                      <a:tailEnd type="none" w="med" len="med"/>
-                    </a:lnT>
-                    <a:lnB w="12700" cap="flat" cmpd="sng" algn="ctr">
-                      <a:solidFill>
-                        <a:srgbClr val="000000"/>
-                      </a:solidFill>
-                      <a:prstDash val="solid"/>
-                      <a:round/>
-                      <a:headEnd type="none" w="med" len="med"/>
-                      <a:tailEnd type="none" w="med" len="med"/>
-                    </a:lnB>
-                    <a:noFill/>
-                  </a:tcPr>
-                </a:tc>
-                <a:extLst>
-                  <a:ext uri="{0D108BD9-81ED-4DB2-BD59-A6C34878D82A}">
-                    <a16:rowId xmlns:a16="http://schemas.microsoft.com/office/drawing/2014/main" val="4247356537"/>
-                  </a:ext>
-                </a:extLst>
-              </a:tr>
-              <a:tr h="797465">
-                <a:tc>
-                  <a:txBody>
-                    <a:bodyPr/>
-                    <a:lstStyle/>
-                    <a:p>
-                      <a:pPr algn="l" fontAlgn="t">
-                        <a:lnSpc>
-                          <a:spcPct val="107000"/>
-                        </a:lnSpc>
-                        <a:spcBef>
-                          <a:spcPts val="0"/>
-                        </a:spcBef>
-                        <a:spcAft>
-                          <a:spcPts val="800"/>
-                        </a:spcAft>
-                      </a:pPr>
-                      <a:r>
-                        <a:rPr lang="de-DE" sz="1600" b="0" i="0" u="none" strike="noStrike">
-                          <a:effectLst/>
-                          <a:latin typeface="Calibri" panose="020F0502020204030204" pitchFamily="34" charset="0"/>
-                          <a:ea typeface="Calibri" panose="020F0502020204030204" pitchFamily="34" charset="0"/>
-                          <a:cs typeface="Times New Roman" panose="02020603050405020304" pitchFamily="18" charset="0"/>
-                        </a:rPr>
-                        <a:t>Nichterfüllen von Anforderungen</a:t>
-                      </a:r>
-                      <a:endParaRPr lang="de-DE" sz="2900" b="0" i="0" u="none" strike="noStrike">
-                        <a:effectLst/>
-                        <a:latin typeface="Arial" panose="020B0604020202020204" pitchFamily="34" charset="0"/>
-                      </a:endParaRPr>
-                    </a:p>
-                  </a:txBody>
-                  <a:tcPr marL="108842" marR="108842" marT="15117" marB="0">
-                    <a:lnL w="12700" cap="flat" cmpd="sng" algn="ctr">
-                      <a:solidFill>
-                        <a:srgbClr val="000000"/>
-                      </a:solidFill>
-                      <a:prstDash val="solid"/>
-                      <a:round/>
-                      <a:headEnd type="none" w="med" len="med"/>
-                      <a:tailEnd type="none" w="med" len="med"/>
-                    </a:lnL>
-                    <a:lnR w="12700" cap="flat" cmpd="sng" algn="ctr">
-                      <a:solidFill>
-                        <a:srgbClr val="000000"/>
-                      </a:solidFill>
-                      <a:prstDash val="solid"/>
-                      <a:round/>
-                      <a:headEnd type="none" w="med" len="med"/>
-                      <a:tailEnd type="none" w="med" len="med"/>
-                    </a:lnR>
-                    <a:lnT w="12700" cap="flat" cmpd="sng" algn="ctr">
-                      <a:solidFill>
-                        <a:srgbClr val="000000"/>
-                      </a:solidFill>
-                      <a:prstDash val="solid"/>
-                      <a:round/>
-                      <a:headEnd type="none" w="med" len="med"/>
-                      <a:tailEnd type="none" w="med" len="med"/>
-                    </a:lnT>
-                    <a:lnB w="12700" cap="flat" cmpd="sng" algn="ctr">
-                      <a:solidFill>
-                        <a:srgbClr val="000000"/>
-                      </a:solidFill>
-                      <a:prstDash val="solid"/>
-                      <a:round/>
-                      <a:headEnd type="none" w="med" len="med"/>
-                      <a:tailEnd type="none" w="med" len="med"/>
-                    </a:lnB>
-                  </a:tcPr>
-                </a:tc>
-                <a:tc>
-                  <a:txBody>
-                    <a:bodyPr/>
-                    <a:lstStyle/>
-                    <a:p>
-                      <a:pPr algn="l" fontAlgn="t">
-                        <a:lnSpc>
-                          <a:spcPct val="107000"/>
-                        </a:lnSpc>
-                        <a:spcBef>
-                          <a:spcPts val="0"/>
-                        </a:spcBef>
-                        <a:spcAft>
-                          <a:spcPts val="800"/>
-                        </a:spcAft>
-                      </a:pPr>
-                      <a:r>
-                        <a:rPr lang="de-DE" sz="1600" b="0" i="0" u="none" strike="noStrike" dirty="0">
-                          <a:effectLst/>
-                          <a:latin typeface="Calibri" panose="020F0502020204030204" pitchFamily="34" charset="0"/>
-                          <a:ea typeface="Calibri" panose="020F0502020204030204" pitchFamily="34" charset="0"/>
-                          <a:cs typeface="Times New Roman" panose="02020603050405020304" pitchFamily="18" charset="0"/>
-                        </a:rPr>
-                        <a:t>Kompetenz, Hohe Ansprüche des Kunden, Hohe Ansprüche an sich</a:t>
-                      </a:r>
-                      <a:endParaRPr lang="de-DE" sz="2900" b="0" i="0" u="none" strike="noStrike" dirty="0">
-                        <a:effectLst/>
-                        <a:latin typeface="Arial" panose="020B0604020202020204" pitchFamily="34" charset="0"/>
-                      </a:endParaRPr>
-                    </a:p>
-                  </a:txBody>
-                  <a:tcPr marL="108842" marR="108842" marT="15117" marB="0">
-                    <a:lnL w="12700" cap="flat" cmpd="sng" algn="ctr">
-                      <a:solidFill>
-                        <a:srgbClr val="000000"/>
-                      </a:solidFill>
-                      <a:prstDash val="solid"/>
-                      <a:round/>
-                      <a:headEnd type="none" w="med" len="med"/>
-                      <a:tailEnd type="none" w="med" len="med"/>
-                    </a:lnL>
-                    <a:lnR w="12700" cap="flat" cmpd="sng" algn="ctr">
-                      <a:solidFill>
-                        <a:srgbClr val="000000"/>
-                      </a:solidFill>
-                      <a:prstDash val="solid"/>
-                      <a:round/>
-                      <a:headEnd type="none" w="med" len="med"/>
-                      <a:tailEnd type="none" w="med" len="med"/>
-                    </a:lnR>
-                    <a:lnT w="12700" cap="flat" cmpd="sng" algn="ctr">
-                      <a:solidFill>
-                        <a:srgbClr val="000000"/>
-                      </a:solidFill>
-                      <a:prstDash val="solid"/>
-                      <a:round/>
-                      <a:headEnd type="none" w="med" len="med"/>
-                      <a:tailEnd type="none" w="med" len="med"/>
-                    </a:lnT>
-                    <a:lnB w="12700" cap="flat" cmpd="sng" algn="ctr">
-                      <a:solidFill>
-                        <a:srgbClr val="000000"/>
-                      </a:solidFill>
-                      <a:prstDash val="solid"/>
-                      <a:round/>
-                      <a:headEnd type="none" w="med" len="med"/>
-                      <a:tailEnd type="none" w="med" len="med"/>
-                    </a:lnB>
-                  </a:tcPr>
-                </a:tc>
-                <a:tc>
-                  <a:txBody>
-                    <a:bodyPr/>
-                    <a:lstStyle/>
-                    <a:p>
-                      <a:pPr algn="l" fontAlgn="t">
-                        <a:lnSpc>
-                          <a:spcPct val="107000"/>
-                        </a:lnSpc>
-                        <a:spcBef>
-                          <a:spcPts val="0"/>
-                        </a:spcBef>
-                        <a:spcAft>
-                          <a:spcPts val="800"/>
-                        </a:spcAft>
-                      </a:pPr>
-                      <a:r>
-                        <a:rPr lang="de-DE" sz="1600" b="0" i="0" u="none" strike="noStrike" dirty="0">
-                          <a:effectLst/>
-                          <a:latin typeface="Calibri" panose="020F0502020204030204" pitchFamily="34" charset="0"/>
-                          <a:ea typeface="Calibri" panose="020F0502020204030204" pitchFamily="34" charset="0"/>
-                          <a:cs typeface="Times New Roman" panose="02020603050405020304" pitchFamily="18" charset="0"/>
-                        </a:rPr>
-                        <a:t>Einschätzen der eigenen Kapazitäten, Anforderungen beurteilen</a:t>
-                      </a:r>
-                      <a:endParaRPr lang="de-DE" sz="2900" b="0" i="0" u="none" strike="noStrike" dirty="0">
-                        <a:effectLst/>
-                        <a:latin typeface="Arial" panose="020B0604020202020204" pitchFamily="34" charset="0"/>
-                      </a:endParaRPr>
-                    </a:p>
-                  </a:txBody>
-                  <a:tcPr marL="108842" marR="108842" marT="15117" marB="0">
-                    <a:lnL w="12700" cap="flat" cmpd="sng" algn="ctr">
-                      <a:solidFill>
-                        <a:srgbClr val="000000"/>
-                      </a:solidFill>
-                      <a:prstDash val="solid"/>
-                      <a:round/>
-                      <a:headEnd type="none" w="med" len="med"/>
-                      <a:tailEnd type="none" w="med" len="med"/>
-                    </a:lnL>
-                    <a:lnR w="12700" cap="flat" cmpd="sng" algn="ctr">
-                      <a:solidFill>
-                        <a:srgbClr val="000000"/>
-                      </a:solidFill>
-                      <a:prstDash val="solid"/>
-                      <a:round/>
-                      <a:headEnd type="none" w="med" len="med"/>
-                      <a:tailEnd type="none" w="med" len="med"/>
-                    </a:lnR>
-                    <a:lnT w="12700" cap="flat" cmpd="sng" algn="ctr">
-                      <a:solidFill>
-                        <a:srgbClr val="000000"/>
-                      </a:solidFill>
-                      <a:prstDash val="solid"/>
-                      <a:round/>
-                      <a:headEnd type="none" w="med" len="med"/>
-                      <a:tailEnd type="none" w="med" len="med"/>
-                    </a:lnT>
-                    <a:lnB w="12700" cap="flat" cmpd="sng" algn="ctr">
-                      <a:solidFill>
-                        <a:srgbClr val="000000"/>
-                      </a:solidFill>
-                      <a:prstDash val="solid"/>
-                      <a:round/>
-                      <a:headEnd type="none" w="med" len="med"/>
-                      <a:tailEnd type="none" w="med" len="med"/>
-                    </a:lnB>
-                  </a:tcPr>
-                </a:tc>
-                <a:tc>
-                  <a:txBody>
-                    <a:bodyPr/>
-                    <a:lstStyle/>
-                    <a:p>
-                      <a:pPr algn="l" fontAlgn="t">
-                        <a:lnSpc>
-                          <a:spcPct val="107000"/>
-                        </a:lnSpc>
-                        <a:spcBef>
-                          <a:spcPts val="0"/>
-                        </a:spcBef>
-                        <a:spcAft>
-                          <a:spcPts val="800"/>
-                        </a:spcAft>
-                      </a:pPr>
-                      <a:r>
-                        <a:rPr lang="de-DE" sz="1600" b="0" i="0" u="none" strike="noStrike" dirty="0">
-                          <a:effectLst/>
-                          <a:latin typeface="Calibri" panose="020F0502020204030204" pitchFamily="34" charset="0"/>
-                          <a:ea typeface="Calibri" panose="020F0502020204030204" pitchFamily="34" charset="0"/>
-                          <a:cs typeface="Times New Roman" panose="02020603050405020304" pitchFamily="18" charset="0"/>
-                        </a:rPr>
-                        <a:t> 3</a:t>
-                      </a:r>
-                      <a:endParaRPr lang="de-DE" sz="2900" b="0" i="0" u="none" strike="noStrike" dirty="0">
-                        <a:effectLst/>
-                        <a:latin typeface="Arial" panose="020B0604020202020204" pitchFamily="34" charset="0"/>
-                      </a:endParaRPr>
-                    </a:p>
-                  </a:txBody>
-                  <a:tcPr marL="108842" marR="108842" marT="15117" marB="0">
-                    <a:lnL w="12700" cap="flat" cmpd="sng" algn="ctr">
-                      <a:solidFill>
-                        <a:srgbClr val="000000"/>
-                      </a:solidFill>
-                      <a:prstDash val="solid"/>
-                      <a:round/>
-                      <a:headEnd type="none" w="med" len="med"/>
-                      <a:tailEnd type="none" w="med" len="med"/>
-                    </a:lnL>
-                    <a:lnR w="12700" cap="flat" cmpd="sng" algn="ctr">
-                      <a:solidFill>
-                        <a:srgbClr val="000000"/>
-                      </a:solidFill>
-                      <a:prstDash val="solid"/>
-                      <a:round/>
-                      <a:headEnd type="none" w="med" len="med"/>
-                      <a:tailEnd type="none" w="med" len="med"/>
-                    </a:lnR>
-                    <a:lnT w="12700" cap="flat" cmpd="sng" algn="ctr">
-                      <a:solidFill>
-                        <a:srgbClr val="000000"/>
-                      </a:solidFill>
-                      <a:prstDash val="solid"/>
-                      <a:round/>
-                      <a:headEnd type="none" w="med" len="med"/>
-                      <a:tailEnd type="none" w="med" len="med"/>
-                    </a:lnT>
-                    <a:lnB w="12700" cap="flat" cmpd="sng" algn="ctr">
-                      <a:solidFill>
-                        <a:srgbClr val="000000"/>
-                      </a:solidFill>
-                      <a:prstDash val="solid"/>
-                      <a:round/>
-                      <a:headEnd type="none" w="med" len="med"/>
-                      <a:tailEnd type="none" w="med" len="med"/>
-                    </a:lnB>
-                    <a:solidFill>
-                      <a:schemeClr val="bg1"/>
-                    </a:solidFill>
-                  </a:tcPr>
-                </a:tc>
-                <a:tc>
-                  <a:txBody>
-                    <a:bodyPr/>
-                    <a:lstStyle/>
-                    <a:p>
-                      <a:pPr algn="l" fontAlgn="t">
-                        <a:lnSpc>
-                          <a:spcPct val="107000"/>
-                        </a:lnSpc>
-                        <a:spcBef>
-                          <a:spcPts val="0"/>
-                        </a:spcBef>
-                        <a:spcAft>
-                          <a:spcPts val="800"/>
-                        </a:spcAft>
-                      </a:pPr>
-                      <a:r>
-                        <a:rPr lang="de-DE" sz="1600" b="0" i="0" u="none" strike="noStrike" kern="1200" dirty="0">
-                          <a:solidFill>
-                            <a:schemeClr val="tx1"/>
-                          </a:solidFill>
-                          <a:effectLst/>
-                          <a:latin typeface="Calibri" panose="020F0502020204030204" pitchFamily="34" charset="0"/>
-                          <a:cs typeface="Times New Roman" panose="02020603050405020304" pitchFamily="18" charset="0"/>
-                        </a:rPr>
-                        <a:t>4</a:t>
-                      </a:r>
-                    </a:p>
-                  </a:txBody>
-                  <a:tcPr marL="108842" marR="108842" marT="15117" marB="0">
-                    <a:lnL w="12700" cap="flat" cmpd="sng" algn="ctr">
-                      <a:solidFill>
-                        <a:srgbClr val="000000"/>
-                      </a:solidFill>
-                      <a:prstDash val="solid"/>
-                      <a:round/>
-                      <a:headEnd type="none" w="med" len="med"/>
-                      <a:tailEnd type="none" w="med" len="med"/>
-                    </a:lnL>
-                    <a:lnR w="12700" cap="flat" cmpd="sng" algn="ctr">
-                      <a:solidFill>
-                        <a:srgbClr val="000000"/>
-                      </a:solidFill>
-                      <a:prstDash val="solid"/>
-                      <a:round/>
-                      <a:headEnd type="none" w="med" len="med"/>
-                      <a:tailEnd type="none" w="med" len="med"/>
-                    </a:lnR>
-                    <a:lnT w="12700" cap="flat" cmpd="sng" algn="ctr">
-                      <a:solidFill>
-                        <a:srgbClr val="000000"/>
-                      </a:solidFill>
-                      <a:prstDash val="solid"/>
-                      <a:round/>
-                      <a:headEnd type="none" w="med" len="med"/>
-                      <a:tailEnd type="none" w="med" len="med"/>
-                    </a:lnT>
-                    <a:lnB w="12700" cap="flat" cmpd="sng" algn="ctr">
-                      <a:solidFill>
-                        <a:srgbClr val="000000"/>
-                      </a:solidFill>
-                      <a:prstDash val="solid"/>
-                      <a:round/>
-                      <a:headEnd type="none" w="med" len="med"/>
-                      <a:tailEnd type="none" w="med" len="med"/>
-                    </a:lnB>
-                    <a:noFill/>
-                  </a:tcPr>
-                </a:tc>
-                <a:tc>
-                  <a:txBody>
-                    <a:bodyPr/>
-                    <a:lstStyle/>
-                    <a:p>
-                      <a:pPr algn="l" fontAlgn="t">
-                        <a:lnSpc>
-                          <a:spcPct val="107000"/>
-                        </a:lnSpc>
-                        <a:spcBef>
-                          <a:spcPts val="0"/>
-                        </a:spcBef>
-                        <a:spcAft>
-                          <a:spcPts val="800"/>
-                        </a:spcAft>
-                      </a:pPr>
-                      <a:r>
-                        <a:rPr lang="de-DE" sz="1600" b="0" i="0" u="none" strike="noStrike" kern="1200" dirty="0">
-                          <a:solidFill>
-                            <a:schemeClr val="tx1"/>
-                          </a:solidFill>
-                          <a:effectLst/>
-                          <a:latin typeface="Calibri" panose="020F0502020204030204" pitchFamily="34" charset="0"/>
-                          <a:cs typeface="Times New Roman" panose="02020603050405020304" pitchFamily="18" charset="0"/>
-                        </a:rPr>
-                        <a:t>12</a:t>
-                      </a:r>
-                    </a:p>
-                  </a:txBody>
-                  <a:tcPr marL="108842" marR="108842" marT="15117" marB="0">
-                    <a:lnL w="12700" cap="flat" cmpd="sng" algn="ctr">
-                      <a:solidFill>
-                        <a:srgbClr val="000000"/>
-                      </a:solidFill>
-                      <a:prstDash val="solid"/>
-                      <a:round/>
-                      <a:headEnd type="none" w="med" len="med"/>
-                      <a:tailEnd type="none" w="med" len="med"/>
-                    </a:lnL>
-                    <a:lnR w="12700" cap="flat" cmpd="sng" algn="ctr">
-                      <a:solidFill>
-                        <a:srgbClr val="000000"/>
-                      </a:solidFill>
-                      <a:prstDash val="solid"/>
-                      <a:round/>
-                      <a:headEnd type="none" w="med" len="med"/>
-                      <a:tailEnd type="none" w="med" len="med"/>
-                    </a:lnR>
-                    <a:lnT w="12700" cap="flat" cmpd="sng" algn="ctr">
-                      <a:solidFill>
-                        <a:srgbClr val="000000"/>
-                      </a:solidFill>
-                      <a:prstDash val="solid"/>
-                      <a:round/>
-                      <a:headEnd type="none" w="med" len="med"/>
-                      <a:tailEnd type="none" w="med" len="med"/>
-                    </a:lnT>
-                    <a:lnB w="12700" cap="flat" cmpd="sng" algn="ctr">
-                      <a:solidFill>
-                        <a:srgbClr val="000000"/>
-                      </a:solidFill>
-                      <a:prstDash val="solid"/>
-                      <a:round/>
-                      <a:headEnd type="none" w="med" len="med"/>
-                      <a:tailEnd type="none" w="med" len="med"/>
-                    </a:lnB>
-                    <a:noFill/>
-                  </a:tcPr>
-                </a:tc>
-                <a:extLst>
-                  <a:ext uri="{0D108BD9-81ED-4DB2-BD59-A6C34878D82A}">
-                    <a16:rowId xmlns:a16="http://schemas.microsoft.com/office/drawing/2014/main" val="910479461"/>
-                  </a:ext>
-                </a:extLst>
-              </a:tr>
-              <a:tr h="797465">
-                <a:tc>
-                  <a:txBody>
-                    <a:bodyPr/>
-                    <a:lstStyle/>
-                    <a:p>
-                      <a:pPr algn="l" fontAlgn="t">
-                        <a:lnSpc>
-                          <a:spcPct val="107000"/>
-                        </a:lnSpc>
-                        <a:spcBef>
-                          <a:spcPts val="0"/>
-                        </a:spcBef>
-                        <a:spcAft>
-                          <a:spcPts val="800"/>
-                        </a:spcAft>
-                      </a:pPr>
-                      <a:r>
-                        <a:rPr lang="de-DE" sz="1600" b="0" i="0" u="none" strike="noStrike" dirty="0">
-                          <a:effectLst/>
-                          <a:latin typeface="Calibri" panose="020F0502020204030204" pitchFamily="34" charset="0"/>
-                          <a:ea typeface="Calibri" panose="020F0502020204030204" pitchFamily="34" charset="0"/>
-                          <a:cs typeface="Times New Roman" panose="02020603050405020304" pitchFamily="18" charset="0"/>
-                        </a:rPr>
-                        <a:t>Arbeitsphasen zu früh oder zu spät beendet</a:t>
-                      </a:r>
-                      <a:endParaRPr lang="de-DE" sz="2900" b="0" i="0" u="none" strike="noStrike" dirty="0">
-                        <a:effectLst/>
-                        <a:latin typeface="Arial" panose="020B0604020202020204" pitchFamily="34" charset="0"/>
-                      </a:endParaRPr>
-                    </a:p>
-                  </a:txBody>
-                  <a:tcPr marL="108842" marR="108842" marT="15117" marB="0">
-                    <a:lnL w="12700" cap="flat" cmpd="sng" algn="ctr">
-                      <a:solidFill>
-                        <a:srgbClr val="000000"/>
-                      </a:solidFill>
-                      <a:prstDash val="solid"/>
-                      <a:round/>
-                      <a:headEnd type="none" w="med" len="med"/>
-                      <a:tailEnd type="none" w="med" len="med"/>
-                    </a:lnL>
-                    <a:lnR w="12700" cap="flat" cmpd="sng" algn="ctr">
-                      <a:solidFill>
-                        <a:srgbClr val="000000"/>
-                      </a:solidFill>
-                      <a:prstDash val="solid"/>
-                      <a:round/>
-                      <a:headEnd type="none" w="med" len="med"/>
-                      <a:tailEnd type="none" w="med" len="med"/>
-                    </a:lnR>
-                    <a:lnT w="12700" cap="flat" cmpd="sng" algn="ctr">
-                      <a:solidFill>
-                        <a:srgbClr val="000000"/>
-                      </a:solidFill>
-                      <a:prstDash val="solid"/>
-                      <a:round/>
-                      <a:headEnd type="none" w="med" len="med"/>
-                      <a:tailEnd type="none" w="med" len="med"/>
-                    </a:lnT>
-                    <a:lnB w="12700" cap="flat" cmpd="sng" algn="ctr">
-                      <a:solidFill>
-                        <a:srgbClr val="000000"/>
-                      </a:solidFill>
-                      <a:prstDash val="solid"/>
-                      <a:round/>
-                      <a:headEnd type="none" w="med" len="med"/>
-                      <a:tailEnd type="none" w="med" len="med"/>
-                    </a:lnB>
-                  </a:tcPr>
-                </a:tc>
-                <a:tc>
-                  <a:txBody>
-                    <a:bodyPr/>
-                    <a:lstStyle/>
-                    <a:p>
-                      <a:pPr algn="l" fontAlgn="t">
-                        <a:lnSpc>
-                          <a:spcPct val="107000"/>
-                        </a:lnSpc>
-                        <a:spcBef>
-                          <a:spcPts val="0"/>
-                        </a:spcBef>
-                        <a:spcAft>
-                          <a:spcPts val="800"/>
-                        </a:spcAft>
-                      </a:pPr>
-                      <a:r>
-                        <a:rPr lang="de-DE" sz="1600" b="0" i="0" u="none" strike="noStrike">
-                          <a:effectLst/>
-                          <a:latin typeface="Calibri" panose="020F0502020204030204" pitchFamily="34" charset="0"/>
-                          <a:ea typeface="Calibri" panose="020F0502020204030204" pitchFamily="34" charset="0"/>
-                          <a:cs typeface="Times New Roman" panose="02020603050405020304" pitchFamily="18" charset="0"/>
-                        </a:rPr>
-                        <a:t>Falsches Zeitmanagement, Zu Viel oder zu Wenig Arbeit</a:t>
-                      </a:r>
-                      <a:endParaRPr lang="de-DE" sz="2900" b="0" i="0" u="none" strike="noStrike">
-                        <a:effectLst/>
-                        <a:latin typeface="Arial" panose="020B0604020202020204" pitchFamily="34" charset="0"/>
-                      </a:endParaRPr>
-                    </a:p>
-                  </a:txBody>
-                  <a:tcPr marL="108842" marR="108842" marT="15117" marB="0">
-                    <a:lnL w="12700" cap="flat" cmpd="sng" algn="ctr">
-                      <a:solidFill>
-                        <a:srgbClr val="000000"/>
-                      </a:solidFill>
-                      <a:prstDash val="solid"/>
-                      <a:round/>
-                      <a:headEnd type="none" w="med" len="med"/>
-                      <a:tailEnd type="none" w="med" len="med"/>
-                    </a:lnL>
-                    <a:lnR w="12700" cap="flat" cmpd="sng" algn="ctr">
-                      <a:solidFill>
-                        <a:srgbClr val="000000"/>
-                      </a:solidFill>
-                      <a:prstDash val="solid"/>
-                      <a:round/>
-                      <a:headEnd type="none" w="med" len="med"/>
-                      <a:tailEnd type="none" w="med" len="med"/>
-                    </a:lnR>
-                    <a:lnT w="12700" cap="flat" cmpd="sng" algn="ctr">
-                      <a:solidFill>
-                        <a:srgbClr val="000000"/>
-                      </a:solidFill>
-                      <a:prstDash val="solid"/>
-                      <a:round/>
-                      <a:headEnd type="none" w="med" len="med"/>
-                      <a:tailEnd type="none" w="med" len="med"/>
-                    </a:lnT>
-                    <a:lnB w="12700" cap="flat" cmpd="sng" algn="ctr">
-                      <a:solidFill>
-                        <a:srgbClr val="000000"/>
-                      </a:solidFill>
-                      <a:prstDash val="solid"/>
-                      <a:round/>
-                      <a:headEnd type="none" w="med" len="med"/>
-                      <a:tailEnd type="none" w="med" len="med"/>
-                    </a:lnB>
-                  </a:tcPr>
-                </a:tc>
-                <a:tc>
-                  <a:txBody>
-                    <a:bodyPr/>
-                    <a:lstStyle/>
-                    <a:p>
-                      <a:pPr algn="l" fontAlgn="t">
-                        <a:lnSpc>
-                          <a:spcPct val="107000"/>
-                        </a:lnSpc>
-                        <a:spcBef>
-                          <a:spcPts val="0"/>
-                        </a:spcBef>
-                        <a:spcAft>
-                          <a:spcPts val="800"/>
-                        </a:spcAft>
-                      </a:pPr>
-                      <a:r>
-                        <a:rPr lang="de-DE" sz="1600" b="0" i="0" u="none" strike="noStrike">
-                          <a:effectLst/>
-                          <a:latin typeface="Calibri" panose="020F0502020204030204" pitchFamily="34" charset="0"/>
-                          <a:ea typeface="Calibri" panose="020F0502020204030204" pitchFamily="34" charset="0"/>
-                          <a:cs typeface="Times New Roman" panose="02020603050405020304" pitchFamily="18" charset="0"/>
-                        </a:rPr>
-                        <a:t>Gut formulierte Ziele, Vernünftiges Aufgabenmanagement</a:t>
-                      </a:r>
-                      <a:endParaRPr lang="de-DE" sz="2900" b="0" i="0" u="none" strike="noStrike">
-                        <a:effectLst/>
-                        <a:latin typeface="Arial" panose="020B0604020202020204" pitchFamily="34" charset="0"/>
-                      </a:endParaRPr>
-                    </a:p>
-                  </a:txBody>
-                  <a:tcPr marL="108842" marR="108842" marT="15117" marB="0">
-                    <a:lnL w="12700" cap="flat" cmpd="sng" algn="ctr">
-                      <a:solidFill>
-                        <a:srgbClr val="000000"/>
-                      </a:solidFill>
-                      <a:prstDash val="solid"/>
-                      <a:round/>
-                      <a:headEnd type="none" w="med" len="med"/>
-                      <a:tailEnd type="none" w="med" len="med"/>
-                    </a:lnL>
-                    <a:lnR w="12700" cap="flat" cmpd="sng" algn="ctr">
-                      <a:solidFill>
-                        <a:srgbClr val="000000"/>
-                      </a:solidFill>
-                      <a:prstDash val="solid"/>
-                      <a:round/>
-                      <a:headEnd type="none" w="med" len="med"/>
-                      <a:tailEnd type="none" w="med" len="med"/>
-                    </a:lnR>
-                    <a:lnT w="12700" cap="flat" cmpd="sng" algn="ctr">
-                      <a:solidFill>
-                        <a:srgbClr val="000000"/>
-                      </a:solidFill>
-                      <a:prstDash val="solid"/>
-                      <a:round/>
-                      <a:headEnd type="none" w="med" len="med"/>
-                      <a:tailEnd type="none" w="med" len="med"/>
-                    </a:lnT>
-                    <a:lnB w="12700" cap="flat" cmpd="sng" algn="ctr">
-                      <a:solidFill>
-                        <a:srgbClr val="000000"/>
-                      </a:solidFill>
-                      <a:prstDash val="solid"/>
-                      <a:round/>
-                      <a:headEnd type="none" w="med" len="med"/>
-                      <a:tailEnd type="none" w="med" len="med"/>
-                    </a:lnB>
-                  </a:tcPr>
-                </a:tc>
-                <a:tc>
-                  <a:txBody>
-                    <a:bodyPr/>
-                    <a:lstStyle/>
-                    <a:p>
-                      <a:pPr algn="l" fontAlgn="t">
-                        <a:lnSpc>
-                          <a:spcPct val="107000"/>
-                        </a:lnSpc>
-                        <a:spcBef>
-                          <a:spcPts val="0"/>
-                        </a:spcBef>
-                        <a:spcAft>
-                          <a:spcPts val="800"/>
-                        </a:spcAft>
-                        <a:tabLst>
-                          <a:tab pos="374650" algn="l"/>
-                        </a:tabLst>
-                      </a:pPr>
-                      <a:r>
-                        <a:rPr lang="de-DE" sz="1600" b="0" i="0" u="none" strike="noStrike" dirty="0">
-                          <a:solidFill>
-                            <a:srgbClr val="000000"/>
-                          </a:solidFill>
-                          <a:effectLst/>
-                          <a:latin typeface="Calibri" panose="020F0502020204030204" pitchFamily="34" charset="0"/>
-                          <a:ea typeface="Calibri" panose="020F0502020204030204" pitchFamily="34" charset="0"/>
-                          <a:cs typeface="Times New Roman" panose="02020603050405020304" pitchFamily="18" charset="0"/>
-                        </a:rPr>
-                        <a:t>9	</a:t>
-                      </a:r>
-                      <a:endParaRPr lang="de-DE" sz="2900" b="0" i="0" u="none" strike="noStrike" dirty="0">
-                        <a:effectLst/>
-                        <a:latin typeface="Arial" panose="020B0604020202020204" pitchFamily="34" charset="0"/>
-                      </a:endParaRPr>
-                    </a:p>
-                  </a:txBody>
-                  <a:tcPr marL="108842" marR="108842" marT="15117" marB="0">
-                    <a:lnL w="12700" cap="flat" cmpd="sng" algn="ctr">
-                      <a:solidFill>
-                        <a:srgbClr val="000000"/>
-                      </a:solidFill>
-                      <a:prstDash val="solid"/>
-                      <a:round/>
-                      <a:headEnd type="none" w="med" len="med"/>
-                      <a:tailEnd type="none" w="med" len="med"/>
-                    </a:lnL>
-                    <a:lnR w="12700" cap="flat" cmpd="sng" algn="ctr">
-                      <a:solidFill>
-                        <a:srgbClr val="000000"/>
-                      </a:solidFill>
-                      <a:prstDash val="solid"/>
-                      <a:round/>
-                      <a:headEnd type="none" w="med" len="med"/>
-                      <a:tailEnd type="none" w="med" len="med"/>
-                    </a:lnR>
-                    <a:lnT w="12700" cap="flat" cmpd="sng" algn="ctr">
-                      <a:solidFill>
-                        <a:srgbClr val="000000"/>
-                      </a:solidFill>
-                      <a:prstDash val="solid"/>
-                      <a:round/>
-                      <a:headEnd type="none" w="med" len="med"/>
-                      <a:tailEnd type="none" w="med" len="med"/>
-                    </a:lnT>
-                    <a:lnB w="12700" cap="flat" cmpd="sng" algn="ctr">
-                      <a:solidFill>
-                        <a:srgbClr val="000000"/>
-                      </a:solidFill>
-                      <a:prstDash val="solid"/>
-                      <a:round/>
-                      <a:headEnd type="none" w="med" len="med"/>
-                      <a:tailEnd type="none" w="med" len="med"/>
-                    </a:lnB>
-                    <a:solidFill>
-                      <a:schemeClr val="bg1"/>
-                    </a:solidFill>
-                  </a:tcPr>
-                </a:tc>
-                <a:tc>
-                  <a:txBody>
-                    <a:bodyPr/>
-                    <a:lstStyle/>
-                    <a:p>
-                      <a:pPr algn="l" fontAlgn="t">
-                        <a:lnSpc>
-                          <a:spcPct val="107000"/>
-                        </a:lnSpc>
-                        <a:spcBef>
-                          <a:spcPts val="0"/>
-                        </a:spcBef>
-                        <a:spcAft>
-                          <a:spcPts val="800"/>
-                        </a:spcAft>
-                        <a:tabLst>
-                          <a:tab pos="374650" algn="l"/>
-                        </a:tabLst>
-                      </a:pPr>
-                      <a:r>
-                        <a:rPr lang="de-DE" sz="1600" b="0" i="0" u="none" strike="noStrike" kern="1200" dirty="0">
-                          <a:solidFill>
-                            <a:schemeClr val="tx1"/>
-                          </a:solidFill>
-                          <a:effectLst/>
-                          <a:latin typeface="Calibri" panose="020F0502020204030204" pitchFamily="34" charset="0"/>
-                          <a:cs typeface="Times New Roman" panose="02020603050405020304" pitchFamily="18" charset="0"/>
-                        </a:rPr>
-                        <a:t>2</a:t>
-                      </a:r>
-                    </a:p>
-                  </a:txBody>
-                  <a:tcPr marL="108842" marR="108842" marT="15117" marB="0">
-                    <a:lnL w="12700" cap="flat" cmpd="sng" algn="ctr">
-                      <a:solidFill>
-                        <a:srgbClr val="000000"/>
-                      </a:solidFill>
-                      <a:prstDash val="solid"/>
-                      <a:round/>
-                      <a:headEnd type="none" w="med" len="med"/>
-                      <a:tailEnd type="none" w="med" len="med"/>
-                    </a:lnL>
-                    <a:lnR w="12700" cap="flat" cmpd="sng" algn="ctr">
-                      <a:solidFill>
-                        <a:srgbClr val="000000"/>
-                      </a:solidFill>
-                      <a:prstDash val="solid"/>
-                      <a:round/>
-                      <a:headEnd type="none" w="med" len="med"/>
-                      <a:tailEnd type="none" w="med" len="med"/>
-                    </a:lnR>
-                    <a:lnT w="12700" cap="flat" cmpd="sng" algn="ctr">
-                      <a:solidFill>
-                        <a:srgbClr val="000000"/>
-                      </a:solidFill>
-                      <a:prstDash val="solid"/>
-                      <a:round/>
-                      <a:headEnd type="none" w="med" len="med"/>
-                      <a:tailEnd type="none" w="med" len="med"/>
-                    </a:lnT>
-                    <a:lnB w="12700" cap="flat" cmpd="sng" algn="ctr">
-                      <a:solidFill>
-                        <a:srgbClr val="000000"/>
-                      </a:solidFill>
-                      <a:prstDash val="solid"/>
-                      <a:round/>
-                      <a:headEnd type="none" w="med" len="med"/>
-                      <a:tailEnd type="none" w="med" len="med"/>
-                    </a:lnB>
-                    <a:noFill/>
-                  </a:tcPr>
-                </a:tc>
-                <a:tc>
-                  <a:txBody>
-                    <a:bodyPr/>
-                    <a:lstStyle/>
-                    <a:p>
-                      <a:pPr algn="l" fontAlgn="t">
-                        <a:lnSpc>
-                          <a:spcPct val="107000"/>
-                        </a:lnSpc>
-                        <a:spcBef>
-                          <a:spcPts val="0"/>
-                        </a:spcBef>
-                        <a:spcAft>
-                          <a:spcPts val="800"/>
-                        </a:spcAft>
-                        <a:tabLst>
-                          <a:tab pos="374650" algn="l"/>
-                        </a:tabLst>
-                      </a:pPr>
-                      <a:r>
-                        <a:rPr lang="de-DE" sz="1600" b="0" i="0" u="none" strike="noStrike" kern="1200" dirty="0">
-                          <a:solidFill>
-                            <a:schemeClr val="tx1"/>
-                          </a:solidFill>
-                          <a:effectLst/>
-                          <a:latin typeface="Calibri" panose="020F0502020204030204" pitchFamily="34" charset="0"/>
-                          <a:cs typeface="Times New Roman" panose="02020603050405020304" pitchFamily="18" charset="0"/>
-                        </a:rPr>
-                        <a:t>18</a:t>
-                      </a:r>
-                    </a:p>
-                  </a:txBody>
-                  <a:tcPr marL="108842" marR="108842" marT="15117" marB="0">
-                    <a:lnL w="12700" cap="flat" cmpd="sng" algn="ctr">
-                      <a:solidFill>
-                        <a:srgbClr val="000000"/>
-                      </a:solidFill>
-                      <a:prstDash val="solid"/>
-                      <a:round/>
-                      <a:headEnd type="none" w="med" len="med"/>
-                      <a:tailEnd type="none" w="med" len="med"/>
-                    </a:lnL>
-                    <a:lnR w="12700" cap="flat" cmpd="sng" algn="ctr">
-                      <a:solidFill>
-                        <a:srgbClr val="000000"/>
-                      </a:solidFill>
-                      <a:prstDash val="solid"/>
-                      <a:round/>
-                      <a:headEnd type="none" w="med" len="med"/>
-                      <a:tailEnd type="none" w="med" len="med"/>
-                    </a:lnR>
-                    <a:lnT w="12700" cap="flat" cmpd="sng" algn="ctr">
-                      <a:solidFill>
-                        <a:srgbClr val="000000"/>
-                      </a:solidFill>
-                      <a:prstDash val="solid"/>
-                      <a:round/>
-                      <a:headEnd type="none" w="med" len="med"/>
-                      <a:tailEnd type="none" w="med" len="med"/>
-                    </a:lnT>
-                    <a:lnB w="12700" cap="flat" cmpd="sng" algn="ctr">
-                      <a:solidFill>
-                        <a:srgbClr val="000000"/>
-                      </a:solidFill>
-                      <a:prstDash val="solid"/>
-                      <a:round/>
-                      <a:headEnd type="none" w="med" len="med"/>
-                      <a:tailEnd type="none" w="med" len="med"/>
-                    </a:lnB>
-                    <a:noFill/>
-                  </a:tcPr>
-                </a:tc>
-                <a:extLst>
-                  <a:ext uri="{0D108BD9-81ED-4DB2-BD59-A6C34878D82A}">
-                    <a16:rowId xmlns:a16="http://schemas.microsoft.com/office/drawing/2014/main" val="303453965"/>
-                  </a:ext>
-                </a:extLst>
-              </a:tr>
-            </a:tbl>
-          </a:graphicData>
-        </a:graphic>
-      </p:graphicFrame>
+              <a:t>Projekt-Struktur-Plan (PSP)</a:t>
+            </a:r>
+          </a:p>
+        </p:txBody>
+      </p:sp>
+      <p:pic>
+        <p:nvPicPr>
+          <p:cNvPr id="4" name="Grafik 3">
+            <a:extLst>
+              <a:ext uri="{FF2B5EF4-FFF2-40B4-BE49-F238E27FC236}">
+                <a16:creationId xmlns:a16="http://schemas.microsoft.com/office/drawing/2014/main" id="{EE75142B-A2F2-4636-97A8-A0F3503AA053}"/>
+              </a:ext>
+            </a:extLst>
+          </p:cNvPr>
+          <p:cNvPicPr>
+            <a:picLocks noChangeAspect="1"/>
+          </p:cNvPicPr>
+          <p:nvPr/>
+        </p:nvPicPr>
+        <p:blipFill>
+          <a:blip r:embed="rId2"/>
+          <a:stretch>
+            <a:fillRect/>
+          </a:stretch>
+        </p:blipFill>
+        <p:spPr>
+          <a:xfrm>
+            <a:off x="2399977" y="1549459"/>
+            <a:ext cx="7392045" cy="4519977"/>
+          </a:xfrm>
+          <a:prstGeom prst="rect">
+            <a:avLst/>
+          </a:prstGeom>
+        </p:spPr>
+      </p:pic>
     </p:spTree>
     <p:extLst>
       <p:ext uri="{BB962C8B-B14F-4D97-AF65-F5344CB8AC3E}">
-        <p14:creationId xmlns:p14="http://schemas.microsoft.com/office/powerpoint/2010/main" val="1238952428"/>
+        <p14:creationId xmlns:p14="http://schemas.microsoft.com/office/powerpoint/2010/main" val="1285503323"/>
       </p:ext>
     </p:extLst>
   </p:cSld>
